--- a/Taylorisme.pptx
+++ b/Taylorisme.pptx
@@ -6,10 +6,10 @@
     <p:sldMasterId id="2147483661" r:id="rId2"/>
   </p:sldMasterIdLst>
   <p:notesMasterIdLst>
-    <p:notesMasterId r:id="rId20"/>
+    <p:notesMasterId r:id="rId21"/>
   </p:notesMasterIdLst>
   <p:handoutMasterIdLst>
-    <p:handoutMasterId r:id="rId21"/>
+    <p:handoutMasterId r:id="rId22"/>
   </p:handoutMasterIdLst>
   <p:sldIdLst>
     <p:sldId id="256" r:id="rId3"/>
@@ -24,11 +24,12 @@
     <p:sldId id="356" r:id="rId12"/>
     <p:sldId id="357" r:id="rId13"/>
     <p:sldId id="367" r:id="rId14"/>
-    <p:sldId id="358" r:id="rId15"/>
-    <p:sldId id="359" r:id="rId16"/>
-    <p:sldId id="360" r:id="rId17"/>
-    <p:sldId id="361" r:id="rId18"/>
-    <p:sldId id="362" r:id="rId19"/>
+    <p:sldId id="368" r:id="rId15"/>
+    <p:sldId id="358" r:id="rId16"/>
+    <p:sldId id="359" r:id="rId17"/>
+    <p:sldId id="360" r:id="rId18"/>
+    <p:sldId id="361" r:id="rId19"/>
+    <p:sldId id="362" r:id="rId20"/>
   </p:sldIdLst>
   <p:sldSz cx="9144000" cy="6858000" type="screen4x3"/>
   <p:notesSz cx="6743700" cy="9875838"/>
@@ -3844,9 +3845,9 @@
     <dgm:cxn modelId="{6BC25B15-70E2-43AB-8827-DFBE4C0DD122}" type="presOf" srcId="{9FC07DAA-34C9-4AC1-AF93-B894B663816E}" destId="{68E63AB9-42F6-4B89-BE59-E09B756ADF53}" srcOrd="1" destOrd="2" presId="urn:microsoft.com/office/officeart/2005/8/layout/venn1"/>
     <dgm:cxn modelId="{091E49D5-29D7-4248-8383-4070D283FD64}" type="presOf" srcId="{1D723415-2D99-4955-BB91-212A7A133EB4}" destId="{5A56EE73-95E4-4477-AD8E-0E1A2633048E}" srcOrd="1" destOrd="2" presId="urn:microsoft.com/office/officeart/2005/8/layout/venn1"/>
     <dgm:cxn modelId="{75C7557A-DF56-4FD5-A7DE-2EFE143D335D}" type="presOf" srcId="{B96C146E-76CA-420D-B423-866AD91D0EB7}" destId="{5AD3CBB6-8ED0-4391-AF95-70DD153C5BAD}" srcOrd="0" destOrd="1" presId="urn:microsoft.com/office/officeart/2005/8/layout/venn1"/>
+    <dgm:cxn modelId="{A84C8EED-5E57-40B7-890B-FA0A7C8241DB}" srcId="{D5AEEF3A-2DB4-464E-8AD1-4633564D3E7F}" destId="{1D723415-2D99-4955-BB91-212A7A133EB4}" srcOrd="1" destOrd="0" parTransId="{41F6C4B9-D0B8-4D36-9FAE-EA80E0C77764}" sibTransId="{CFC604B0-D1A8-482E-821E-225234D9883F}"/>
+    <dgm:cxn modelId="{47830A2A-BE8C-47DF-8FBB-FB1E8DD0F0B5}" type="presOf" srcId="{D5AEEF3A-2DB4-464E-8AD1-4633564D3E7F}" destId="{DDFBB8CE-A422-46B7-9C2E-1300C12B4608}" srcOrd="0" destOrd="0" presId="urn:microsoft.com/office/officeart/2005/8/layout/venn1"/>
     <dgm:cxn modelId="{5C10A063-D09B-415A-8E9F-94C8973318AF}" type="presOf" srcId="{DB7E1CD6-7658-4415-89BA-473900D7F7D6}" destId="{5AD3CBB6-8ED0-4391-AF95-70DD153C5BAD}" srcOrd="0" destOrd="0" presId="urn:microsoft.com/office/officeart/2005/8/layout/venn1"/>
-    <dgm:cxn modelId="{47830A2A-BE8C-47DF-8FBB-FB1E8DD0F0B5}" type="presOf" srcId="{D5AEEF3A-2DB4-464E-8AD1-4633564D3E7F}" destId="{DDFBB8CE-A422-46B7-9C2E-1300C12B4608}" srcOrd="0" destOrd="0" presId="urn:microsoft.com/office/officeart/2005/8/layout/venn1"/>
-    <dgm:cxn modelId="{A84C8EED-5E57-40B7-890B-FA0A7C8241DB}" srcId="{D5AEEF3A-2DB4-464E-8AD1-4633564D3E7F}" destId="{1D723415-2D99-4955-BB91-212A7A133EB4}" srcOrd="1" destOrd="0" parTransId="{41F6C4B9-D0B8-4D36-9FAE-EA80E0C77764}" sibTransId="{CFC604B0-D1A8-482E-821E-225234D9883F}"/>
     <dgm:cxn modelId="{1D0F03DF-312C-4889-AC8C-F6029D938749}" type="presOf" srcId="{E0E00A22-5E52-44CD-BBA1-C3DA6AB4AA52}" destId="{7639F03B-B1C4-4D4D-B622-620ED56EA4A7}" srcOrd="1" destOrd="1" presId="urn:microsoft.com/office/officeart/2005/8/layout/venn1"/>
     <dgm:cxn modelId="{6214F16F-5919-4405-A0D9-1D27C38F9695}" srcId="{2DFBDE45-03BB-4AE6-9C32-71D9C0880F1F}" destId="{D5AEEF3A-2DB4-464E-8AD1-4633564D3E7F}" srcOrd="0" destOrd="0" parTransId="{225CE0D2-BAF5-4762-82E4-184F0AEA03F8}" sibTransId="{9ACA09CB-ADCA-4E51-B36E-42D0279A2846}"/>
     <dgm:cxn modelId="{AEEF2117-14CD-409A-AE8B-CB952EAE2471}" type="presOf" srcId="{1D723415-2D99-4955-BB91-212A7A133EB4}" destId="{DDFBB8CE-A422-46B7-9C2E-1300C12B4608}" srcOrd="0" destOrd="2" presId="urn:microsoft.com/office/officeart/2005/8/layout/venn1"/>
@@ -5007,7 +5008,23 @@
           </a:r>
           <a:r>
             <a:rPr lang="fr-FR" dirty="0" smtClean="0"/>
-            <a:t> : contrôler les ouvriers par la mise en place d’un salaire au prorata du travail fourni par rapport au travail optimum</a:t>
+            <a:t> : </a:t>
+          </a:r>
+          <a:r>
+            <a:rPr lang="fr-FR" b="1" dirty="0" smtClean="0"/>
+            <a:t>contrôler les ouvriers</a:t>
+          </a:r>
+          <a:r>
+            <a:rPr lang="fr-FR" dirty="0" smtClean="0"/>
+            <a:t> par la mise en place d’un </a:t>
+          </a:r>
+          <a:r>
+            <a:rPr lang="fr-FR" b="1" dirty="0" smtClean="0"/>
+            <a:t>salaire au prorata du travail fourni</a:t>
+          </a:r>
+          <a:r>
+            <a:rPr lang="fr-FR" dirty="0" smtClean="0"/>
+            <a:t> par rapport au travail optimum</a:t>
           </a:r>
           <a:endParaRPr lang="fr-FR" dirty="0"/>
         </a:p>
@@ -5052,7 +5069,15 @@
           </a:r>
           <a:r>
             <a:rPr lang="fr-FR" dirty="0" smtClean="0"/>
-            <a:t> : identifier les hommes de première classe, </a:t>
+            <a:t> : identifier les hommes de </a:t>
+          </a:r>
+          <a:r>
+            <a:rPr lang="fr-FR" b="1" dirty="0" smtClean="0"/>
+            <a:t>première classe</a:t>
+          </a:r>
+          <a:r>
+            <a:rPr lang="fr-FR" dirty="0" smtClean="0"/>
+            <a:t>, </a:t>
           </a:r>
         </a:p>
         <a:p>
@@ -5103,7 +5128,15 @@
           </a:r>
           <a:r>
             <a:rPr lang="fr-FR" dirty="0" smtClean="0"/>
-            <a:t> : recruter et former ces ouvriers </a:t>
+            <a:t> : </a:t>
+          </a:r>
+          <a:r>
+            <a:rPr lang="fr-FR" b="1" dirty="0" smtClean="0"/>
+            <a:t>recruter et former</a:t>
+          </a:r>
+          <a:r>
+            <a:rPr lang="fr-FR" dirty="0" smtClean="0"/>
+            <a:t> ces ouvriers </a:t>
           </a:r>
           <a:endParaRPr lang="fr-FR" dirty="0"/>
         </a:p>
@@ -5328,13 +5361,13 @@
   </dgm:ptLst>
   <dgm:cxnLst>
     <dgm:cxn modelId="{D5AC0531-9B69-4F2F-8E91-9987E20F4975}" srcId="{276C5E31-38C3-432F-89F7-F97F6396DD05}" destId="{09653B56-E10B-47CF-87C2-89A3CE85F845}" srcOrd="1" destOrd="0" parTransId="{AA837ACB-313A-482A-9A1E-F5EFD4D37C2E}" sibTransId="{832AFD05-DE98-4C85-9D68-664BDF5DDB53}"/>
-    <dgm:cxn modelId="{D0C74D72-C784-451E-91C5-CD9CED939BC4}" type="presOf" srcId="{4539FA19-DB02-4463-9F97-8BEC7721DCA2}" destId="{2005246C-7781-4553-AFD3-6E689698AD23}" srcOrd="0" destOrd="0" presId="urn:microsoft.com/office/officeart/2008/layout/VerticalCurvedList"/>
+    <dgm:cxn modelId="{8B56CAC6-2B3D-4FBC-ADC4-8A600D74CEE9}" srcId="{276C5E31-38C3-432F-89F7-F97F6396DD05}" destId="{397231B4-7E73-46DD-AB97-AB16B67D82D0}" srcOrd="0" destOrd="0" parTransId="{1D250D27-E351-449E-9EEB-0BFF15656AF7}" sibTransId="{D634D374-970B-49C6-BDE6-76BD45599ABA}"/>
+    <dgm:cxn modelId="{F3002970-1BC7-45B8-9495-1B288C570BA3}" type="presOf" srcId="{276C5E31-38C3-432F-89F7-F97F6396DD05}" destId="{DF4967C0-A4B6-45F3-BC83-8A0082789283}" srcOrd="0" destOrd="0" presId="urn:microsoft.com/office/officeart/2008/layout/VerticalCurvedList"/>
+    <dgm:cxn modelId="{7EDE3E5D-844E-461C-8328-AE0700639534}" srcId="{276C5E31-38C3-432F-89F7-F97F6396DD05}" destId="{4539FA19-DB02-4463-9F97-8BEC7721DCA2}" srcOrd="2" destOrd="0" parTransId="{10EDD1DA-5B9D-4845-8341-6E2A0A78F452}" sibTransId="{0479D356-AAC1-4C5E-83E6-D851D8BFFC5E}"/>
     <dgm:cxn modelId="{3D76F12F-2C4D-4442-B372-B88313EEDE40}" type="presOf" srcId="{397231B4-7E73-46DD-AB97-AB16B67D82D0}" destId="{4E61AB1C-B080-4A94-B03E-BBED9EA5ECBE}" srcOrd="0" destOrd="0" presId="urn:microsoft.com/office/officeart/2008/layout/VerticalCurvedList"/>
     <dgm:cxn modelId="{DC766360-3E49-4430-9875-2E9DC1B0A07E}" type="presOf" srcId="{09653B56-E10B-47CF-87C2-89A3CE85F845}" destId="{4EF7A3ED-E4B2-42B5-92DD-EC9A84BF7D21}" srcOrd="0" destOrd="0" presId="urn:microsoft.com/office/officeart/2008/layout/VerticalCurvedList"/>
-    <dgm:cxn modelId="{7EDE3E5D-844E-461C-8328-AE0700639534}" srcId="{276C5E31-38C3-432F-89F7-F97F6396DD05}" destId="{4539FA19-DB02-4463-9F97-8BEC7721DCA2}" srcOrd="2" destOrd="0" parTransId="{10EDD1DA-5B9D-4845-8341-6E2A0A78F452}" sibTransId="{0479D356-AAC1-4C5E-83E6-D851D8BFFC5E}"/>
     <dgm:cxn modelId="{66132218-E8AC-49A2-B89C-F4FF9A60E9CD}" type="presOf" srcId="{D634D374-970B-49C6-BDE6-76BD45599ABA}" destId="{4779862D-4A4F-4D46-8AAC-FA00A8B7A0BA}" srcOrd="0" destOrd="0" presId="urn:microsoft.com/office/officeart/2008/layout/VerticalCurvedList"/>
-    <dgm:cxn modelId="{F3002970-1BC7-45B8-9495-1B288C570BA3}" type="presOf" srcId="{276C5E31-38C3-432F-89F7-F97F6396DD05}" destId="{DF4967C0-A4B6-45F3-BC83-8A0082789283}" srcOrd="0" destOrd="0" presId="urn:microsoft.com/office/officeart/2008/layout/VerticalCurvedList"/>
-    <dgm:cxn modelId="{8B56CAC6-2B3D-4FBC-ADC4-8A600D74CEE9}" srcId="{276C5E31-38C3-432F-89F7-F97F6396DD05}" destId="{397231B4-7E73-46DD-AB97-AB16B67D82D0}" srcOrd="0" destOrd="0" parTransId="{1D250D27-E351-449E-9EEB-0BFF15656AF7}" sibTransId="{D634D374-970B-49C6-BDE6-76BD45599ABA}"/>
+    <dgm:cxn modelId="{D0C74D72-C784-451E-91C5-CD9CED939BC4}" type="presOf" srcId="{4539FA19-DB02-4463-9F97-8BEC7721DCA2}" destId="{2005246C-7781-4553-AFD3-6E689698AD23}" srcOrd="0" destOrd="0" presId="urn:microsoft.com/office/officeart/2008/layout/VerticalCurvedList"/>
     <dgm:cxn modelId="{BB1D4A22-03A6-4DC2-8FDA-8D09974101CD}" type="presParOf" srcId="{DF4967C0-A4B6-45F3-BC83-8A0082789283}" destId="{EE919780-9E76-4D63-94E7-A409987DBF6E}" srcOrd="0" destOrd="0" presId="urn:microsoft.com/office/officeart/2008/layout/VerticalCurvedList"/>
     <dgm:cxn modelId="{8108B52E-8135-48B4-A7C8-AD80056422D7}" type="presParOf" srcId="{EE919780-9E76-4D63-94E7-A409987DBF6E}" destId="{A9293F68-24A5-4617-B0F6-5F38B59C1C6E}" srcOrd="0" destOrd="0" presId="urn:microsoft.com/office/officeart/2008/layout/VerticalCurvedList"/>
     <dgm:cxn modelId="{97C3B06A-46B1-44F2-B86A-2543BEF9B3B7}" type="presParOf" srcId="{A9293F68-24A5-4617-B0F6-5F38B59C1C6E}" destId="{EBED2627-F18A-4FE4-B6DB-A1B3A608728D}" srcOrd="0" destOrd="0" presId="urn:microsoft.com/office/officeart/2008/layout/VerticalCurvedList"/>
@@ -5355,7 +5388,7 @@
   <dgm:whole/>
   <dgm:extLst>
     <a:ext uri="http://schemas.microsoft.com/office/drawing/2008/diagram">
-      <dsp:dataModelExt xmlns:dsp="http://schemas.microsoft.com/office/drawing/2008/diagram" relId="rId8" minVer="http://schemas.openxmlformats.org/drawingml/2006/diagram"/>
+      <dsp:dataModelExt xmlns:dsp="http://schemas.microsoft.com/office/drawing/2008/diagram" relId="rId9" minVer="http://schemas.openxmlformats.org/drawingml/2006/diagram"/>
     </a:ext>
   </dgm:extLst>
 </dgm:dataModel>
@@ -7640,7 +7673,7 @@
       <dsp:spPr>
         <a:xfrm>
           <a:off x="579094" y="416717"/>
-          <a:ext cx="8221073" cy="833434"/>
+          <a:ext cx="6204850" cy="833434"/>
         </a:xfrm>
         <a:prstGeom prst="rect">
           <a:avLst/>
@@ -7713,12 +7746,12 @@
         </a:fontRef>
       </dsp:style>
       <dsp:txBody>
-        <a:bodyPr spcFirstLastPara="0" vert="horz" wrap="square" lIns="661539" tIns="53340" rIns="53340" bIns="53340" numCol="1" spcCol="1270" anchor="ctr" anchorCtr="0">
+        <a:bodyPr spcFirstLastPara="0" vert="horz" wrap="square" lIns="661539" tIns="43180" rIns="43180" bIns="43180" numCol="1" spcCol="1270" anchor="ctr" anchorCtr="0">
           <a:noAutofit/>
         </a:bodyPr>
         <a:lstStyle/>
         <a:p>
-          <a:pPr lvl="0" algn="l" defTabSz="933450">
+          <a:pPr lvl="0" algn="l" defTabSz="755650">
             <a:lnSpc>
               <a:spcPct val="90000"/>
             </a:lnSpc>
@@ -7730,20 +7763,28 @@
             </a:spcAft>
           </a:pPr>
           <a:r>
-            <a:rPr lang="fr-FR" sz="2100" kern="1200" dirty="0" smtClean="0"/>
+            <a:rPr lang="fr-FR" sz="1700" kern="1200" dirty="0" smtClean="0"/>
             <a:t>1</a:t>
           </a:r>
           <a:r>
-            <a:rPr lang="fr-FR" sz="2100" kern="1200" baseline="30000" dirty="0" smtClean="0"/>
+            <a:rPr lang="fr-FR" sz="1700" kern="1200" baseline="30000" dirty="0" smtClean="0"/>
             <a:t>er</a:t>
           </a:r>
           <a:r>
-            <a:rPr lang="fr-FR" sz="2100" kern="1200" dirty="0" smtClean="0"/>
-            <a:t> : identifier les hommes de première classe, </a:t>
+            <a:rPr lang="fr-FR" sz="1700" kern="1200" dirty="0" smtClean="0"/>
+            <a:t> : identifier les hommes de </a:t>
+          </a:r>
+          <a:r>
+            <a:rPr lang="fr-FR" sz="1700" b="1" kern="1200" dirty="0" smtClean="0"/>
+            <a:t>première classe</a:t>
+          </a:r>
+          <a:r>
+            <a:rPr lang="fr-FR" sz="1700" kern="1200" dirty="0" smtClean="0"/>
+            <a:t>, </a:t>
           </a:r>
         </a:p>
         <a:p>
-          <a:pPr lvl="0" algn="l" defTabSz="933450">
+          <a:pPr lvl="0" algn="l" defTabSz="755650">
             <a:lnSpc>
               <a:spcPct val="90000"/>
             </a:lnSpc>
@@ -7755,15 +7796,15 @@
             </a:spcAft>
           </a:pPr>
           <a:r>
-            <a:rPr lang="fr-FR" sz="2100" kern="1200" dirty="0" smtClean="0"/>
+            <a:rPr lang="fr-FR" sz="1700" kern="1200" dirty="0" smtClean="0"/>
             <a:t>« ceux qui conviennent le mieux à une tache donnée »</a:t>
           </a:r>
-          <a:endParaRPr lang="fr-FR" sz="2100" kern="1200" dirty="0"/>
+          <a:endParaRPr lang="fr-FR" sz="1700" kern="1200" dirty="0"/>
         </a:p>
       </dsp:txBody>
       <dsp:txXfrm>
         <a:off x="579094" y="416717"/>
-        <a:ext cx="8221073" cy="833434"/>
+        <a:ext cx="6204850" cy="833434"/>
       </dsp:txXfrm>
     </dsp:sp>
     <dsp:sp modelId="{A9C21E82-2246-4964-B3BF-DC3D071A0DDA}">
@@ -7848,7 +7889,7 @@
       <dsp:spPr>
         <a:xfrm>
           <a:off x="882047" y="1666869"/>
-          <a:ext cx="7918119" cy="833434"/>
+          <a:ext cx="5901896" cy="833434"/>
         </a:xfrm>
         <a:prstGeom prst="rect">
           <a:avLst/>
@@ -7921,12 +7962,12 @@
         </a:fontRef>
       </dsp:style>
       <dsp:txBody>
-        <a:bodyPr spcFirstLastPara="0" vert="horz" wrap="square" lIns="661539" tIns="53340" rIns="53340" bIns="53340" numCol="1" spcCol="1270" anchor="ctr" anchorCtr="0">
+        <a:bodyPr spcFirstLastPara="0" vert="horz" wrap="square" lIns="661539" tIns="43180" rIns="43180" bIns="43180" numCol="1" spcCol="1270" anchor="ctr" anchorCtr="0">
           <a:noAutofit/>
         </a:bodyPr>
         <a:lstStyle/>
         <a:p>
-          <a:pPr lvl="0" algn="l" defTabSz="933450">
+          <a:pPr lvl="0" algn="l" defTabSz="755650">
             <a:lnSpc>
               <a:spcPct val="90000"/>
             </a:lnSpc>
@@ -7938,23 +7979,31 @@
             </a:spcAft>
           </a:pPr>
           <a:r>
-            <a:rPr lang="fr-FR" sz="2100" kern="1200" dirty="0" smtClean="0"/>
+            <a:rPr lang="fr-FR" sz="1700" kern="1200" dirty="0" smtClean="0"/>
             <a:t>2</a:t>
           </a:r>
           <a:r>
-            <a:rPr lang="fr-FR" sz="2100" kern="1200" baseline="30000" dirty="0" smtClean="0"/>
+            <a:rPr lang="fr-FR" sz="1700" kern="1200" baseline="30000" dirty="0" smtClean="0"/>
             <a:t>ème</a:t>
           </a:r>
           <a:r>
-            <a:rPr lang="fr-FR" sz="2100" kern="1200" dirty="0" smtClean="0"/>
-            <a:t> : recruter et former ces ouvriers </a:t>
+            <a:rPr lang="fr-FR" sz="1700" kern="1200" dirty="0" smtClean="0"/>
+            <a:t> : </a:t>
           </a:r>
-          <a:endParaRPr lang="fr-FR" sz="2100" kern="1200" dirty="0"/>
+          <a:r>
+            <a:rPr lang="fr-FR" sz="1700" b="1" kern="1200" dirty="0" smtClean="0"/>
+            <a:t>recruter et former</a:t>
+          </a:r>
+          <a:r>
+            <a:rPr lang="fr-FR" sz="1700" kern="1200" dirty="0" smtClean="0"/>
+            <a:t> ces ouvriers </a:t>
+          </a:r>
+          <a:endParaRPr lang="fr-FR" sz="1700" kern="1200" dirty="0"/>
         </a:p>
       </dsp:txBody>
       <dsp:txXfrm>
         <a:off x="882047" y="1666869"/>
-        <a:ext cx="7918119" cy="833434"/>
+        <a:ext cx="5901896" cy="833434"/>
       </dsp:txXfrm>
     </dsp:sp>
     <dsp:sp modelId="{83DAD6F5-EBA3-4A00-BCA2-B69D25F6675E}">
@@ -8039,7 +8088,7 @@
       <dsp:spPr>
         <a:xfrm>
           <a:off x="635910" y="2943040"/>
-          <a:ext cx="8221073" cy="833434"/>
+          <a:ext cx="6204850" cy="833434"/>
         </a:xfrm>
         <a:prstGeom prst="rect">
           <a:avLst/>
@@ -8112,12 +8161,12 @@
         </a:fontRef>
       </dsp:style>
       <dsp:txBody>
-        <a:bodyPr spcFirstLastPara="0" vert="horz" wrap="square" lIns="661539" tIns="53340" rIns="53340" bIns="53340" numCol="1" spcCol="1270" anchor="ctr" anchorCtr="0">
+        <a:bodyPr spcFirstLastPara="0" vert="horz" wrap="square" lIns="661539" tIns="43180" rIns="43180" bIns="43180" numCol="1" spcCol="1270" anchor="ctr" anchorCtr="0">
           <a:noAutofit/>
         </a:bodyPr>
         <a:lstStyle/>
         <a:p>
-          <a:pPr lvl="0" algn="l" defTabSz="933450">
+          <a:pPr lvl="0" algn="l" defTabSz="755650">
             <a:lnSpc>
               <a:spcPct val="90000"/>
             </a:lnSpc>
@@ -8129,23 +8178,39 @@
             </a:spcAft>
           </a:pPr>
           <a:r>
-            <a:rPr lang="fr-FR" sz="2100" kern="1200" dirty="0" smtClean="0"/>
+            <a:rPr lang="fr-FR" sz="1700" kern="1200" dirty="0" smtClean="0"/>
             <a:t>3</a:t>
           </a:r>
           <a:r>
-            <a:rPr lang="fr-FR" sz="2100" kern="1200" baseline="30000" dirty="0" smtClean="0"/>
+            <a:rPr lang="fr-FR" sz="1700" kern="1200" baseline="30000" dirty="0" smtClean="0"/>
             <a:t>ème</a:t>
           </a:r>
           <a:r>
-            <a:rPr lang="fr-FR" sz="2100" kern="1200" dirty="0" smtClean="0"/>
-            <a:t> : contrôler les ouvriers par la mise en place d’un salaire au prorata du travail fourni par rapport au travail optimum</a:t>
+            <a:rPr lang="fr-FR" sz="1700" kern="1200" dirty="0" smtClean="0"/>
+            <a:t> : </a:t>
           </a:r>
-          <a:endParaRPr lang="fr-FR" sz="2100" kern="1200" dirty="0"/>
+          <a:r>
+            <a:rPr lang="fr-FR" sz="1700" b="1" kern="1200" dirty="0" smtClean="0"/>
+            <a:t>contrôler les ouvriers</a:t>
+          </a:r>
+          <a:r>
+            <a:rPr lang="fr-FR" sz="1700" kern="1200" dirty="0" smtClean="0"/>
+            <a:t> par la mise en place d’un </a:t>
+          </a:r>
+          <a:r>
+            <a:rPr lang="fr-FR" sz="1700" b="1" kern="1200" dirty="0" smtClean="0"/>
+            <a:t>salaire au prorata du travail fourni</a:t>
+          </a:r>
+          <a:r>
+            <a:rPr lang="fr-FR" sz="1700" kern="1200" dirty="0" smtClean="0"/>
+            <a:t> par rapport au travail optimum</a:t>
+          </a:r>
+          <a:endParaRPr lang="fr-FR" sz="1700" kern="1200" dirty="0"/>
         </a:p>
       </dsp:txBody>
       <dsp:txXfrm>
         <a:off x="635910" y="2943040"/>
-        <a:ext cx="8221073" cy="833434"/>
+        <a:ext cx="6204850" cy="833434"/>
       </dsp:txXfrm>
     </dsp:sp>
     <dsp:sp modelId="{D7BC6C3E-0194-40D9-B7B5-923FB3443B8A}">
@@ -15812,7 +15877,7 @@
             <a:fld id="{25A3F16D-1712-4793-9C87-4C48A7B4F9BE}" type="datetimeFigureOut">
               <a:rPr lang="fr-FR" smtClean="0"/>
               <a:pPr/>
-              <a:t>29/11/2012</a:t>
+              <a:t>30/11/2012</a:t>
             </a:fld>
             <a:endParaRPr lang="fr-FR"/>
           </a:p>
@@ -16005,7 +16070,7 @@
               <a:pPr>
                 <a:defRPr/>
               </a:pPr>
-              <a:t>29/11/2012</a:t>
+              <a:t>30/11/2012</a:t>
             </a:fld>
             <a:endParaRPr lang="fr-FR"/>
           </a:p>
@@ -20035,7 +20100,7 @@
         <p:spPr>
           <a:xfrm>
             <a:off x="2123728" y="1124744"/>
-            <a:ext cx="6768752" cy="360040"/>
+            <a:ext cx="6912768" cy="360040"/>
           </a:xfrm>
         </p:spPr>
         <p:txBody>
@@ -20044,7 +20109,11 @@
           <a:p>
             <a:r>
               <a:rPr lang="fr-FR" dirty="0" smtClean="0"/>
-              <a:t>Les solutions proposées par Taylor aux divers problèmes</a:t>
+              <a:t>Les solutions proposées par Taylor aux </a:t>
+            </a:r>
+            <a:r>
+              <a:rPr lang="fr-FR" dirty="0" smtClean="0"/>
+              <a:t>problèmes (1/3)</a:t>
             </a:r>
             <a:endParaRPr lang="fr-FR" dirty="0"/>
           </a:p>
@@ -20228,7 +20297,11 @@
           <a:p>
             <a:r>
               <a:rPr lang="fr-FR" dirty="0" smtClean="0"/>
-              <a:t>Les solutions proposées par Taylor aux divers problèmes</a:t>
+              <a:t>Les solutions proposées par Taylor aux </a:t>
+            </a:r>
+            <a:r>
+              <a:rPr lang="fr-FR" dirty="0" smtClean="0"/>
+              <a:t>problèmes (2/3)</a:t>
             </a:r>
             <a:endParaRPr lang="fr-FR" dirty="0"/>
           </a:p>
@@ -20309,18 +20382,18 @@
             <p:ph sz="quarter" idx="15"/>
             <p:extLst>
               <p:ext uri="{D42A27DB-BD31-4B8C-83A1-F6EECF244321}">
-                <p14:modId xmlns:p14="http://schemas.microsoft.com/office/powerpoint/2010/main" val="3184084671"/>
+                <p14:modId xmlns:p14="http://schemas.microsoft.com/office/powerpoint/2010/main" val="4172510724"/>
               </p:ext>
             </p:extLst>
           </p:nvPr>
         </p:nvGraphicFramePr>
         <p:xfrm>
-          <a:off x="107505" y="2070139"/>
-          <a:ext cx="8856984" cy="4167173"/>
+          <a:off x="2123727" y="2070139"/>
+          <a:ext cx="6840761" cy="4167173"/>
         </p:xfrm>
         <a:graphic>
           <a:graphicData uri="http://schemas.openxmlformats.org/drawingml/2006/diagram">
-            <dgm:relIds xmlns:dgm="http://schemas.openxmlformats.org/drawingml/2006/diagram" xmlns:r="http://schemas.openxmlformats.org/officeDocument/2006/relationships" r:dm="rId4" r:lo="rId5" r:qs="rId6" r:cs="rId7"/>
+            <dgm:relIds xmlns:dgm="http://schemas.openxmlformats.org/drawingml/2006/diagram" xmlns:r="http://schemas.openxmlformats.org/officeDocument/2006/relationships" r:dm="rId5" r:lo="rId6" r:qs="rId7" r:cs="rId8"/>
           </a:graphicData>
         </a:graphic>
       </p:graphicFrame>
@@ -20332,8 +20405,8 @@
         </p:nvSpPr>
         <p:spPr>
           <a:xfrm>
-            <a:off x="1259632" y="1846898"/>
-            <a:ext cx="7272808" cy="400110"/>
+            <a:off x="4139952" y="1846898"/>
+            <a:ext cx="4392488" cy="400110"/>
           </a:xfrm>
           <a:prstGeom prst="rect">
             <a:avLst/>
@@ -20351,6 +20424,93 @@
               <a:t>La Gestion du personnel</a:t>
             </a:r>
             <a:endParaRPr lang="fr-FR" sz="2000" b="1" dirty="0"/>
+          </a:p>
+        </p:txBody>
+      </p:sp>
+      <p:sp>
+        <p:nvSpPr>
+          <p:cNvPr id="7" name="Espace réservé du texte 4"/>
+          <p:cNvSpPr>
+            <a:spLocks noGrp="1"/>
+          </p:cNvSpPr>
+          <p:nvPr>
+            <p:ph type="body" sz="quarter" idx="12"/>
+            <p:custDataLst>
+              <p:tags r:id="rId3"/>
+            </p:custDataLst>
+          </p:nvPr>
+        </p:nvSpPr>
+        <p:spPr>
+          <a:xfrm>
+            <a:off x="179512" y="1124744"/>
+            <a:ext cx="1800200" cy="1872208"/>
+          </a:xfrm>
+        </p:spPr>
+        <p:txBody>
+          <a:bodyPr/>
+          <a:lstStyle/>
+          <a:p>
+            <a:pPr marL="0" indent="0"/>
+            <a:r>
+              <a:rPr lang="fr-FR" dirty="0">
+                <a:solidFill>
+                  <a:srgbClr val="CC99FF"/>
+                </a:solidFill>
+              </a:rPr>
+              <a:t>Introduction</a:t>
+            </a:r>
+          </a:p>
+          <a:p>
+            <a:pPr>
+              <a:buFont typeface="Arial" pitchFamily="34" charset="0"/>
+              <a:buAutoNum type="arabicPeriod"/>
+            </a:pPr>
+            <a:r>
+              <a:rPr lang="fr-FR" dirty="0">
+                <a:solidFill>
+                  <a:srgbClr val="CC99FF"/>
+                </a:solidFill>
+              </a:rPr>
+              <a:t>Contexte historique</a:t>
+            </a:r>
+          </a:p>
+          <a:p>
+            <a:pPr>
+              <a:buFont typeface="Arial" pitchFamily="34" charset="0"/>
+              <a:buAutoNum type="arabicPeriod"/>
+            </a:pPr>
+            <a:r>
+              <a:rPr lang="fr-FR" dirty="0"/>
+              <a:t>Outils et méthodes</a:t>
+            </a:r>
+          </a:p>
+          <a:p>
+            <a:pPr>
+              <a:buFont typeface="Arial" pitchFamily="34" charset="0"/>
+              <a:buAutoNum type="arabicPeriod"/>
+            </a:pPr>
+            <a:r>
+              <a:rPr lang="fr-FR" dirty="0">
+                <a:solidFill>
+                  <a:srgbClr val="CC99FF"/>
+                </a:solidFill>
+              </a:rPr>
+              <a:t>Avantages et inconvénients</a:t>
+            </a:r>
+          </a:p>
+          <a:p>
+            <a:pPr marL="0" indent="0"/>
+            <a:r>
+              <a:rPr lang="fr-FR" dirty="0">
+                <a:solidFill>
+                  <a:srgbClr val="CC99FF"/>
+                </a:solidFill>
+              </a:rPr>
+              <a:t>Conclusion</a:t>
+            </a:r>
+          </a:p>
+          <a:p>
+            <a:endParaRPr lang="en-US" dirty="0"/>
           </a:p>
         </p:txBody>
       </p:sp>
@@ -20391,6 +20551,47 @@
           <a:chExt cx="0" cy="0"/>
         </a:xfrm>
       </p:grpSpPr>
+      <p:pic>
+        <p:nvPicPr>
+          <p:cNvPr id="1026" name="Picture 2" descr="http://www.management-a-la-con.com/images/bureau.jpg"/>
+          <p:cNvPicPr>
+            <a:picLocks noChangeAspect="1" noChangeArrowheads="1"/>
+          </p:cNvPicPr>
+          <p:nvPr/>
+        </p:nvPicPr>
+        <p:blipFill>
+          <a:blip r:embed="rId6">
+            <a:extLst>
+              <a:ext uri="{28A0092B-C50C-407E-A947-70E740481C1C}">
+                <a14:useLocalDpi xmlns:a14="http://schemas.microsoft.com/office/drawing/2010/main" val="0"/>
+              </a:ext>
+            </a:extLst>
+          </a:blip>
+          <a:srcRect/>
+          <a:stretch>
+            <a:fillRect/>
+          </a:stretch>
+        </p:blipFill>
+        <p:spPr bwMode="auto">
+          <a:xfrm>
+            <a:off x="-324544" y="3645024"/>
+            <a:ext cx="3779912" cy="2834934"/>
+          </a:xfrm>
+          <a:prstGeom prst="rect">
+            <a:avLst/>
+          </a:prstGeom>
+          <a:noFill/>
+          <a:extLst>
+            <a:ext uri="{909E8E84-426E-40DD-AFC4-6F175D3DCCD1}">
+              <a14:hiddenFill xmlns:a14="http://schemas.microsoft.com/office/drawing/2010/main">
+                <a:solidFill>
+                  <a:srgbClr val="FFFFFF"/>
+                </a:solidFill>
+              </a14:hiddenFill>
+            </a:ext>
+          </a:extLst>
+        </p:spPr>
+      </p:pic>
       <p:sp>
         <p:nvSpPr>
           <p:cNvPr id="2" name="Titre 1"/>
@@ -20404,19 +20605,14 @@
             </p:custDataLst>
           </p:nvPr>
         </p:nvSpPr>
-        <p:spPr>
-          <a:xfrm>
-            <a:off x="0" y="188640"/>
-            <a:ext cx="5940152" cy="434479"/>
-          </a:xfrm>
-        </p:spPr>
+        <p:spPr/>
         <p:txBody>
           <a:bodyPr/>
           <a:lstStyle/>
           <a:p>
             <a:r>
               <a:rPr lang="fr-FR" dirty="0" smtClean="0"/>
-              <a:t>Avantages / Inconvénients</a:t>
+              <a:t>La doctrine de Taylor</a:t>
             </a:r>
             <a:endParaRPr lang="fr-FR" dirty="0"/>
           </a:p>
@@ -20435,195 +20631,442 @@
             </p:custDataLst>
           </p:nvPr>
         </p:nvSpPr>
+        <p:spPr>
+          <a:xfrm>
+            <a:off x="2123728" y="1124744"/>
+            <a:ext cx="6768752" cy="360040"/>
+          </a:xfrm>
+        </p:spPr>
+        <p:txBody>
+          <a:bodyPr/>
+          <a:lstStyle/>
+          <a:p>
+            <a:r>
+              <a:rPr lang="fr-FR" dirty="0" smtClean="0"/>
+              <a:t>Les solutions proposées par Taylor </a:t>
+            </a:r>
+            <a:r>
+              <a:rPr lang="fr-FR" dirty="0" smtClean="0"/>
+              <a:t>aux problèmes (3/3)</a:t>
+            </a:r>
+            <a:endParaRPr lang="fr-FR" dirty="0"/>
+          </a:p>
+        </p:txBody>
+      </p:sp>
+      <p:sp>
+        <p:nvSpPr>
+          <p:cNvPr id="8" name="Espace réservé du contenu 7"/>
+          <p:cNvSpPr>
+            <a:spLocks noGrp="1"/>
+          </p:cNvSpPr>
+          <p:nvPr>
+            <p:ph sz="quarter" idx="14"/>
+          </p:nvPr>
+        </p:nvSpPr>
         <p:spPr/>
         <p:txBody>
           <a:bodyPr/>
           <a:lstStyle/>
           <a:p>
             <a:r>
-              <a:rPr lang="fr-FR" dirty="0" smtClean="0"/>
-              <a:t>Avantages</a:t>
-            </a:r>
+              <a:rPr lang="en-US" dirty="0">
+                <a:solidFill>
+                  <a:srgbClr val="8E2562"/>
+                </a:solidFill>
+              </a:rPr>
+              <a:t>Le </a:t>
+            </a:r>
+            <a:r>
+              <a:rPr lang="en-US" dirty="0" err="1">
+                <a:solidFill>
+                  <a:srgbClr val="8E2562"/>
+                </a:solidFill>
+              </a:rPr>
+              <a:t>Taylorisme</a:t>
+            </a:r>
+            <a:r>
+              <a:rPr lang="en-US" dirty="0">
+                <a:solidFill>
+                  <a:srgbClr val="8E2562"/>
+                </a:solidFill>
+              </a:rPr>
+              <a:t>  </a:t>
+            </a:r>
+            <a:r>
+              <a:rPr lang="en-US" dirty="0"/>
+              <a:t>-  </a:t>
+            </a:r>
+            <a:r>
+              <a:rPr lang="fr-FR" dirty="0"/>
+              <a:t>mercredi 28 novembre 2012</a:t>
+            </a:r>
+            <a:r>
+              <a:rPr lang="en-US" dirty="0"/>
+              <a:t> – Laure RETRUCHAVASTEL </a:t>
+            </a:r>
+            <a:r>
+              <a:rPr lang="en-US" dirty="0" err="1"/>
+              <a:t>Tycho</a:t>
+            </a:r>
+            <a:r>
+              <a:rPr lang="en-US" dirty="0"/>
+              <a:t> TATITSCHEFF</a:t>
+            </a:r>
+          </a:p>
+          <a:p>
             <a:endParaRPr lang="fr-FR" dirty="0"/>
           </a:p>
         </p:txBody>
       </p:sp>
       <p:sp>
         <p:nvSpPr>
-          <p:cNvPr id="4" name="Espace réservé du texte 3"/>
+          <p:cNvPr id="7" name="Espace réservé du texte 4"/>
+          <p:cNvSpPr>
+            <a:spLocks noGrp="1"/>
+          </p:cNvSpPr>
+          <p:nvPr>
+            <p:ph type="body" sz="quarter" idx="12"/>
+            <p:custDataLst>
+              <p:tags r:id="rId3"/>
+            </p:custDataLst>
+          </p:nvPr>
+        </p:nvSpPr>
+        <p:spPr>
+          <a:xfrm>
+            <a:off x="179512" y="1124744"/>
+            <a:ext cx="1800200" cy="1872208"/>
+          </a:xfrm>
+        </p:spPr>
+        <p:txBody>
+          <a:bodyPr/>
+          <a:lstStyle/>
+          <a:p>
+            <a:pPr marL="0" indent="0"/>
+            <a:r>
+              <a:rPr lang="fr-FR" dirty="0">
+                <a:solidFill>
+                  <a:srgbClr val="CC99FF"/>
+                </a:solidFill>
+              </a:rPr>
+              <a:t>Introduction</a:t>
+            </a:r>
+          </a:p>
+          <a:p>
+            <a:pPr>
+              <a:buFont typeface="Arial" pitchFamily="34" charset="0"/>
+              <a:buAutoNum type="arabicPeriod"/>
+            </a:pPr>
+            <a:r>
+              <a:rPr lang="fr-FR" dirty="0">
+                <a:solidFill>
+                  <a:srgbClr val="CC99FF"/>
+                </a:solidFill>
+              </a:rPr>
+              <a:t>Contexte historique</a:t>
+            </a:r>
+          </a:p>
+          <a:p>
+            <a:pPr>
+              <a:buFont typeface="Arial" pitchFamily="34" charset="0"/>
+              <a:buAutoNum type="arabicPeriod"/>
+            </a:pPr>
+            <a:r>
+              <a:rPr lang="fr-FR" dirty="0"/>
+              <a:t>Outils et méthodes</a:t>
+            </a:r>
+          </a:p>
+          <a:p>
+            <a:pPr>
+              <a:buFont typeface="Arial" pitchFamily="34" charset="0"/>
+              <a:buAutoNum type="arabicPeriod"/>
+            </a:pPr>
+            <a:r>
+              <a:rPr lang="fr-FR" dirty="0">
+                <a:solidFill>
+                  <a:srgbClr val="CC99FF"/>
+                </a:solidFill>
+              </a:rPr>
+              <a:t>Avantages et inconvénients</a:t>
+            </a:r>
+          </a:p>
+          <a:p>
+            <a:pPr marL="0" indent="0"/>
+            <a:r>
+              <a:rPr lang="fr-FR" dirty="0">
+                <a:solidFill>
+                  <a:srgbClr val="CC99FF"/>
+                </a:solidFill>
+              </a:rPr>
+              <a:t>Conclusion</a:t>
+            </a:r>
+          </a:p>
+          <a:p>
+            <a:endParaRPr lang="en-US" dirty="0"/>
+          </a:p>
+        </p:txBody>
+      </p:sp>
+      <p:sp>
+        <p:nvSpPr>
+          <p:cNvPr id="9" name="Espace réservé du texte 3"/>
           <p:cNvSpPr>
             <a:spLocks noGrp="1"/>
           </p:cNvSpPr>
           <p:nvPr>
             <p:ph type="body" sz="quarter" idx="10"/>
             <p:custDataLst>
-              <p:tags r:id="rId3"/>
+              <p:tags r:id="rId4"/>
             </p:custDataLst>
           </p:nvPr>
         </p:nvSpPr>
-        <p:spPr/>
+        <p:spPr>
+          <a:xfrm>
+            <a:off x="2123728" y="1628800"/>
+            <a:ext cx="6408712" cy="4608512"/>
+          </a:xfrm>
+        </p:spPr>
         <p:txBody>
           <a:bodyPr/>
           <a:lstStyle/>
           <a:p>
-            <a:endParaRPr lang="fr-FR"/>
+            <a:pPr>
+              <a:buFont typeface="Arial" pitchFamily="34" charset="0"/>
+              <a:buChar char="•"/>
+            </a:pPr>
+            <a:r>
+              <a:rPr lang="fr-FR" sz="2000" dirty="0" smtClean="0"/>
+              <a:t>Création d’un </a:t>
+            </a:r>
+            <a:r>
+              <a:rPr lang="fr-FR" sz="2000" b="1" dirty="0">
+                <a:solidFill>
+                  <a:schemeClr val="accent4">
+                    <a:lumMod val="75000"/>
+                  </a:schemeClr>
+                </a:solidFill>
+              </a:rPr>
+              <a:t>bureau des méthodes</a:t>
+            </a:r>
+            <a:r>
+              <a:rPr lang="fr-FR" sz="2000" dirty="0" smtClean="0"/>
+              <a:t> </a:t>
+            </a:r>
+          </a:p>
+          <a:p>
+            <a:pPr>
+              <a:buFont typeface="Arial" pitchFamily="34" charset="0"/>
+              <a:buChar char="•"/>
+            </a:pPr>
+            <a:r>
+              <a:rPr lang="fr-FR" sz="2000" b="1" dirty="0">
+                <a:solidFill>
+                  <a:schemeClr val="accent4">
+                    <a:lumMod val="75000"/>
+                  </a:schemeClr>
+                </a:solidFill>
+              </a:rPr>
+              <a:t>Séparation </a:t>
+            </a:r>
+            <a:r>
+              <a:rPr lang="fr-FR" sz="2000" dirty="0" smtClean="0"/>
+              <a:t> des fonctions des contremaitres</a:t>
+            </a:r>
+          </a:p>
+          <a:p>
+            <a:pPr marL="542925" lvl="3" indent="-276225"/>
+            <a:r>
+              <a:rPr lang="fr-FR" dirty="0" smtClean="0"/>
+              <a:t>Contremaitres </a:t>
+            </a:r>
+            <a:r>
+              <a:rPr lang="fr-FR" b="1" dirty="0">
+                <a:solidFill>
+                  <a:schemeClr val="accent4">
+                    <a:lumMod val="75000"/>
+                  </a:schemeClr>
+                </a:solidFill>
+                <a:cs typeface="Arial" pitchFamily="34" charset="0"/>
+              </a:rPr>
+              <a:t>chargés de la surveillance de l’atelier</a:t>
+            </a:r>
+            <a:r>
+              <a:rPr lang="fr-FR" dirty="0" smtClean="0"/>
+              <a:t> : préparation et entretien des machines, contrôle qualité</a:t>
+            </a:r>
+          </a:p>
+          <a:p>
+            <a:pPr marL="542925" lvl="3" indent="-276225"/>
+            <a:r>
+              <a:rPr lang="fr-FR" dirty="0"/>
+              <a:t>Contremaitres </a:t>
+            </a:r>
+            <a:r>
+              <a:rPr lang="fr-FR" b="1" dirty="0">
+                <a:solidFill>
+                  <a:schemeClr val="accent4">
+                    <a:lumMod val="75000"/>
+                  </a:schemeClr>
+                </a:solidFill>
+                <a:cs typeface="Arial" pitchFamily="34" charset="0"/>
+              </a:rPr>
+              <a:t>chargés des fonctions </a:t>
+            </a:r>
+            <a:r>
+              <a:rPr lang="fr-FR" b="1" dirty="0">
+                <a:solidFill>
+                  <a:schemeClr val="accent4">
+                    <a:lumMod val="75000"/>
+                  </a:schemeClr>
+                </a:solidFill>
+                <a:cs typeface="Arial" pitchFamily="34" charset="0"/>
+              </a:rPr>
+              <a:t>administratives</a:t>
+            </a:r>
+            <a:r>
+              <a:rPr lang="fr-FR" dirty="0" smtClean="0"/>
+              <a:t> : fiches instruction, comptabilité, discipline</a:t>
+            </a:r>
+          </a:p>
+          <a:p>
+            <a:pPr marL="1714500" lvl="4" indent="-990600"/>
+            <a:endParaRPr lang="fr-FR" sz="1600" dirty="0" smtClean="0">
+              <a:latin typeface="Arial" pitchFamily="34" charset="0"/>
+              <a:cs typeface="Arial" pitchFamily="34" charset="0"/>
+            </a:endParaRPr>
+          </a:p>
+          <a:p>
+            <a:pPr marL="1524000" lvl="4" indent="-447675"/>
+            <a:r>
+              <a:rPr lang="fr-FR" b="1" dirty="0">
+                <a:solidFill>
+                  <a:schemeClr val="accent4">
+                    <a:lumMod val="75000"/>
+                  </a:schemeClr>
+                </a:solidFill>
+                <a:latin typeface="Arial" pitchFamily="34" charset="0"/>
+                <a:cs typeface="Arial" pitchFamily="34" charset="0"/>
+              </a:rPr>
+              <a:t>Les fonctions </a:t>
+            </a:r>
+            <a:r>
+              <a:rPr lang="fr-FR" b="1" dirty="0" smtClean="0">
+                <a:solidFill>
+                  <a:schemeClr val="accent4">
+                    <a:lumMod val="75000"/>
+                  </a:schemeClr>
+                </a:solidFill>
+                <a:latin typeface="Arial" pitchFamily="34" charset="0"/>
+                <a:cs typeface="Arial" pitchFamily="34" charset="0"/>
+              </a:rPr>
+              <a:t>connectives </a:t>
+            </a:r>
+            <a:r>
+              <a:rPr lang="fr-FR" b="1" dirty="0">
+                <a:solidFill>
+                  <a:schemeClr val="accent4">
+                    <a:lumMod val="75000"/>
+                  </a:schemeClr>
+                </a:solidFill>
+                <a:latin typeface="Arial" pitchFamily="34" charset="0"/>
+                <a:cs typeface="Arial" pitchFamily="34" charset="0"/>
+              </a:rPr>
+              <a:t>et </a:t>
+            </a:r>
+            <a:r>
+              <a:rPr lang="fr-FR" b="1" dirty="0" smtClean="0">
+                <a:solidFill>
+                  <a:schemeClr val="accent4">
+                    <a:lumMod val="75000"/>
+                  </a:schemeClr>
+                </a:solidFill>
+                <a:latin typeface="Arial" pitchFamily="34" charset="0"/>
+                <a:cs typeface="Arial" pitchFamily="34" charset="0"/>
+              </a:rPr>
+              <a:t>exécutives </a:t>
+            </a:r>
+            <a:r>
+              <a:rPr lang="fr-FR" b="1" dirty="0">
+                <a:solidFill>
+                  <a:schemeClr val="accent4">
+                    <a:lumMod val="75000"/>
+                  </a:schemeClr>
+                </a:solidFill>
+                <a:latin typeface="Arial" pitchFamily="34" charset="0"/>
+                <a:cs typeface="Arial" pitchFamily="34" charset="0"/>
+              </a:rPr>
+              <a:t>sont enfin séparées</a:t>
+            </a:r>
+            <a:endParaRPr lang="fr-FR" b="1" dirty="0">
+              <a:solidFill>
+                <a:schemeClr val="accent4">
+                  <a:lumMod val="75000"/>
+                </a:schemeClr>
+              </a:solidFill>
+              <a:latin typeface="Arial" pitchFamily="34" charset="0"/>
+              <a:cs typeface="Arial" pitchFamily="34" charset="0"/>
+            </a:endParaRPr>
+          </a:p>
+          <a:p>
+            <a:pPr>
+              <a:buFont typeface="Arial" pitchFamily="34" charset="0"/>
+              <a:buChar char="•"/>
+            </a:pPr>
+            <a:endParaRPr lang="fr-FR" sz="2000" dirty="0" smtClean="0"/>
+          </a:p>
+          <a:p>
+            <a:endParaRPr lang="fr-FR" sz="2000" dirty="0" smtClean="0"/>
+          </a:p>
+          <a:p>
+            <a:pPr>
+              <a:buFont typeface="Arial" pitchFamily="34" charset="0"/>
+              <a:buChar char="•"/>
+            </a:pPr>
+            <a:endParaRPr lang="fr-FR" sz="2000" dirty="0"/>
           </a:p>
         </p:txBody>
       </p:sp>
       <p:sp>
         <p:nvSpPr>
-          <p:cNvPr id="5" name="Espace réservé du texte 4"/>
-          <p:cNvSpPr>
-            <a:spLocks noGrp="1"/>
-          </p:cNvSpPr>
-          <p:nvPr>
-            <p:ph type="body" sz="quarter" idx="12"/>
-            <p:custDataLst>
-              <p:tags r:id="rId4"/>
-            </p:custDataLst>
-          </p:nvPr>
+          <p:cNvPr id="11" name="Parchemin horizontal 10"/>
+          <p:cNvSpPr/>
+          <p:nvPr/>
         </p:nvSpPr>
-        <p:spPr/>
+        <p:spPr>
+          <a:xfrm>
+            <a:off x="3131840" y="4077072"/>
+            <a:ext cx="4824536" cy="1152128"/>
+          </a:xfrm>
+          <a:prstGeom prst="horizontalScroll">
+            <a:avLst/>
+          </a:prstGeom>
+          <a:noFill/>
+        </p:spPr>
+        <p:style>
+          <a:lnRef idx="2">
+            <a:schemeClr val="accent2"/>
+          </a:lnRef>
+          <a:fillRef idx="1">
+            <a:schemeClr val="lt1"/>
+          </a:fillRef>
+          <a:effectRef idx="0">
+            <a:schemeClr val="accent2"/>
+          </a:effectRef>
+          <a:fontRef idx="minor">
+            <a:schemeClr val="dk1"/>
+          </a:fontRef>
+        </p:style>
         <p:txBody>
-          <a:bodyPr/>
+          <a:bodyPr rtlCol="0" anchor="ctr"/>
           <a:lstStyle/>
           <a:p>
-            <a:pPr marL="0" indent="0"/>
-            <a:r>
-              <a:rPr lang="fr-FR" dirty="0">
-                <a:solidFill>
-                  <a:srgbClr val="CC99FF"/>
-                </a:solidFill>
-              </a:rPr>
-              <a:t>Introduction</a:t>
-            </a:r>
-          </a:p>
-          <a:p>
-            <a:pPr>
-              <a:buFont typeface="Arial" pitchFamily="34" charset="0"/>
-              <a:buAutoNum type="arabicPeriod"/>
-            </a:pPr>
-            <a:r>
-              <a:rPr lang="fr-FR" dirty="0">
-                <a:solidFill>
-                  <a:srgbClr val="CC99FF"/>
-                </a:solidFill>
-              </a:rPr>
-              <a:t>Contexte historique</a:t>
-            </a:r>
-          </a:p>
-          <a:p>
-            <a:pPr>
-              <a:buFont typeface="Arial" pitchFamily="34" charset="0"/>
-              <a:buAutoNum type="arabicPeriod"/>
-            </a:pPr>
-            <a:r>
-              <a:rPr lang="fr-FR" dirty="0">
-                <a:solidFill>
-                  <a:srgbClr val="CC99FF"/>
-                </a:solidFill>
-              </a:rPr>
-              <a:t>Outils et méthodes</a:t>
-            </a:r>
-          </a:p>
-          <a:p>
-            <a:pPr>
-              <a:buFont typeface="Arial" pitchFamily="34" charset="0"/>
-              <a:buAutoNum type="arabicPeriod"/>
-            </a:pPr>
-            <a:r>
-              <a:rPr lang="fr-FR" dirty="0"/>
-              <a:t>Avantages et inconvénients</a:t>
-            </a:r>
-          </a:p>
-          <a:p>
-            <a:pPr marL="0" indent="0"/>
-            <a:r>
-              <a:rPr lang="fr-FR" dirty="0">
-                <a:solidFill>
-                  <a:srgbClr val="CC99FF"/>
-                </a:solidFill>
-              </a:rPr>
-              <a:t>Conclusion</a:t>
-            </a:r>
-          </a:p>
-          <a:p>
-            <a:endParaRPr lang="fr-FR" dirty="0"/>
-          </a:p>
-        </p:txBody>
-      </p:sp>
-      <p:sp>
-        <p:nvSpPr>
-          <p:cNvPr id="6" name="Espace réservé du contenu 5"/>
-          <p:cNvSpPr>
-            <a:spLocks noGrp="1"/>
-          </p:cNvSpPr>
-          <p:nvPr>
-            <p:ph sz="quarter" idx="14"/>
-            <p:custDataLst>
-              <p:tags r:id="rId5"/>
-            </p:custDataLst>
-          </p:nvPr>
-        </p:nvSpPr>
-        <p:spPr/>
-        <p:txBody>
-          <a:bodyPr/>
-          <a:lstStyle/>
-          <a:p>
-            <a:r>
-              <a:rPr lang="en-US" dirty="0">
-                <a:solidFill>
-                  <a:srgbClr val="8E2562"/>
-                </a:solidFill>
-              </a:rPr>
-              <a:t>Le </a:t>
-            </a:r>
-            <a:r>
-              <a:rPr lang="en-US" dirty="0" err="1">
-                <a:solidFill>
-                  <a:srgbClr val="8E2562"/>
-                </a:solidFill>
-              </a:rPr>
-              <a:t>Taylorisme</a:t>
-            </a:r>
-            <a:r>
-              <a:rPr lang="en-US" dirty="0">
-                <a:solidFill>
-                  <a:srgbClr val="8E2562"/>
-                </a:solidFill>
-              </a:rPr>
-              <a:t>  </a:t>
-            </a:r>
-            <a:r>
-              <a:rPr lang="en-US" dirty="0"/>
-              <a:t>-  </a:t>
-            </a:r>
-            <a:r>
-              <a:rPr lang="fr-FR" dirty="0"/>
-              <a:t>mercredi 28 novembre 2012</a:t>
-            </a:r>
-            <a:r>
-              <a:rPr lang="en-US" dirty="0"/>
-              <a:t> – Laure RETRUCHAVASTEL </a:t>
-            </a:r>
-            <a:r>
-              <a:rPr lang="en-US" dirty="0" err="1"/>
-              <a:t>Tycho</a:t>
-            </a:r>
-            <a:r>
-              <a:rPr lang="en-US" dirty="0"/>
-              <a:t> TATITSCHEFF</a:t>
-            </a:r>
-          </a:p>
-          <a:p>
-            <a:endParaRPr lang="fr-FR" dirty="0"/>
+            <a:pPr algn="ctr"/>
+            <a:endParaRPr lang="fr-FR"/>
           </a:p>
         </p:txBody>
       </p:sp>
     </p:spTree>
     <p:extLst>
       <p:ext uri="{BB962C8B-B14F-4D97-AF65-F5344CB8AC3E}">
-        <p14:creationId xmlns:p14="http://schemas.microsoft.com/office/powerpoint/2010/main" val="3975953444"/>
+        <p14:creationId xmlns:p14="http://schemas.microsoft.com/office/powerpoint/2010/main" val="648865185"/>
       </p:ext>
     </p:extLst>
   </p:cSld>
@@ -20708,7 +21151,7 @@
           <a:p>
             <a:r>
               <a:rPr lang="fr-FR" dirty="0" smtClean="0"/>
-              <a:t>Inconvénients</a:t>
+              <a:t>Avantages</a:t>
             </a:r>
             <a:endParaRPr lang="fr-FR" dirty="0"/>
           </a:p>
@@ -20732,7 +21175,35 @@
           <a:bodyPr/>
           <a:lstStyle/>
           <a:p>
-            <a:endParaRPr lang="fr-FR" dirty="0"/>
+            <a:pPr>
+              <a:buFont typeface="Arial" pitchFamily="34" charset="0"/>
+              <a:buChar char="•"/>
+            </a:pPr>
+            <a:r>
+              <a:rPr lang="fr-FR" sz="2000" dirty="0" smtClean="0"/>
+              <a:t>La production a doublé</a:t>
+            </a:r>
+          </a:p>
+          <a:p>
+            <a:pPr>
+              <a:buFont typeface="Arial" pitchFamily="34" charset="0"/>
+              <a:buChar char="•"/>
+            </a:pPr>
+            <a:r>
+              <a:rPr lang="fr-FR" sz="2000" dirty="0" smtClean="0"/>
+              <a:t>Les couts ont diminué de 20 %</a:t>
+            </a:r>
+          </a:p>
+          <a:p>
+            <a:pPr>
+              <a:buFont typeface="Arial" pitchFamily="34" charset="0"/>
+              <a:buChar char="•"/>
+            </a:pPr>
+            <a:r>
+              <a:rPr lang="fr-FR" sz="2000" dirty="0" smtClean="0"/>
+              <a:t>Le salaire moyen à augmenté de 30%</a:t>
+            </a:r>
+            <a:endParaRPr lang="fr-FR" sz="2000" dirty="0"/>
           </a:p>
         </p:txBody>
       </p:sp>
@@ -20749,12 +21220,7 @@
             </p:custDataLst>
           </p:nvPr>
         </p:nvSpPr>
-        <p:spPr>
-          <a:xfrm>
-            <a:off x="179512" y="1124744"/>
-            <a:ext cx="1800200" cy="1944216"/>
-          </a:xfrm>
-        </p:spPr>
+        <p:spPr/>
         <p:txBody>
           <a:bodyPr/>
           <a:lstStyle/>
@@ -20841,14 +21307,60 @@
           <a:bodyPr/>
           <a:lstStyle/>
           <a:p>
-            <a:endParaRPr lang="fr-FR"/>
+            <a:r>
+              <a:rPr lang="en-US" dirty="0">
+                <a:solidFill>
+                  <a:srgbClr val="8E2562"/>
+                </a:solidFill>
+              </a:rPr>
+              <a:t>Le </a:t>
+            </a:r>
+            <a:r>
+              <a:rPr lang="en-US" dirty="0" err="1">
+                <a:solidFill>
+                  <a:srgbClr val="8E2562"/>
+                </a:solidFill>
+              </a:rPr>
+              <a:t>Taylorisme</a:t>
+            </a:r>
+            <a:r>
+              <a:rPr lang="en-US" dirty="0">
+                <a:solidFill>
+                  <a:srgbClr val="8E2562"/>
+                </a:solidFill>
+              </a:rPr>
+              <a:t>  </a:t>
+            </a:r>
+            <a:r>
+              <a:rPr lang="en-US" dirty="0"/>
+              <a:t>-  </a:t>
+            </a:r>
+            <a:r>
+              <a:rPr lang="fr-FR" dirty="0"/>
+              <a:t>mercredi 28 novembre 2012</a:t>
+            </a:r>
+            <a:r>
+              <a:rPr lang="en-US" dirty="0"/>
+              <a:t> – Laure RETRUCHAVASTEL </a:t>
+            </a:r>
+            <a:r>
+              <a:rPr lang="en-US" dirty="0" err="1"/>
+              <a:t>Tycho</a:t>
+            </a:r>
+            <a:r>
+              <a:rPr lang="en-US" dirty="0"/>
+              <a:t> TATITSCHEFF</a:t>
+            </a:r>
+          </a:p>
+          <a:p>
+            <a:endParaRPr lang="fr-FR" dirty="0"/>
           </a:p>
         </p:txBody>
       </p:sp>
     </p:spTree>
     <p:extLst>
       <p:ext uri="{BB962C8B-B14F-4D97-AF65-F5344CB8AC3E}">
-        <p14:creationId xmlns:p14="http://schemas.microsoft.com/office/powerpoint/2010/main" val="3593330541"/>
+        <p14:creationId xmlns:p14="http://schemas.microsoft.com/office/powerpoint/2010/main" val="3975953444"/>
       </p:ext>
     </p:extLst>
   </p:cSld>
@@ -20895,14 +21407,19 @@
             </p:custDataLst>
           </p:nvPr>
         </p:nvSpPr>
-        <p:spPr/>
+        <p:spPr>
+          <a:xfrm>
+            <a:off x="0" y="188640"/>
+            <a:ext cx="5940152" cy="434479"/>
+          </a:xfrm>
+        </p:spPr>
         <p:txBody>
           <a:bodyPr/>
           <a:lstStyle/>
           <a:p>
             <a:r>
               <a:rPr lang="fr-FR" dirty="0" smtClean="0"/>
-              <a:t>Conclusion</a:t>
+              <a:t>Avantages / Inconvénients</a:t>
             </a:r>
             <a:endParaRPr lang="fr-FR" dirty="0"/>
           </a:p>
@@ -20928,7 +21445,7 @@
           <a:p>
             <a:r>
               <a:rPr lang="fr-FR" dirty="0" smtClean="0"/>
-              <a:t>Synthèse</a:t>
+              <a:t>Inconvénients</a:t>
             </a:r>
             <a:endParaRPr lang="fr-FR" dirty="0"/>
           </a:p>
@@ -20952,7 +21469,7 @@
           <a:bodyPr/>
           <a:lstStyle/>
           <a:p>
-            <a:endParaRPr lang="fr-FR"/>
+            <a:endParaRPr lang="fr-FR" dirty="0"/>
           </a:p>
         </p:txBody>
       </p:sp>
@@ -20972,7 +21489,7 @@
         <p:spPr>
           <a:xfrm>
             <a:off x="179512" y="1124744"/>
-            <a:ext cx="1800200" cy="1872208"/>
+            <a:ext cx="1800200" cy="1944216"/>
           </a:xfrm>
         </p:spPr>
         <p:txBody>
@@ -21023,18 +21540,18 @@
               <a:buAutoNum type="arabicPeriod"/>
             </a:pPr>
             <a:r>
+              <a:rPr lang="fr-FR" dirty="0"/>
+              <a:t>Avantages et inconvénients</a:t>
+            </a:r>
+          </a:p>
+          <a:p>
+            <a:pPr marL="0" indent="0"/>
+            <a:r>
               <a:rPr lang="fr-FR" dirty="0">
                 <a:solidFill>
                   <a:srgbClr val="CC99FF"/>
                 </a:solidFill>
               </a:rPr>
-              <a:t>Avantages et inconvénients</a:t>
-            </a:r>
-          </a:p>
-          <a:p>
-            <a:pPr marL="0" indent="0"/>
-            <a:r>
-              <a:rPr lang="fr-FR" dirty="0"/>
               <a:t>Conclusion</a:t>
             </a:r>
           </a:p>
@@ -21068,7 +21585,7 @@
     </p:spTree>
     <p:extLst>
       <p:ext uri="{BB962C8B-B14F-4D97-AF65-F5344CB8AC3E}">
-        <p14:creationId xmlns:p14="http://schemas.microsoft.com/office/powerpoint/2010/main" val="1417077885"/>
+        <p14:creationId xmlns:p14="http://schemas.microsoft.com/office/powerpoint/2010/main" val="3593330541"/>
       </p:ext>
     </p:extLst>
   </p:cSld>
@@ -21148,6 +21665,226 @@
           <a:p>
             <a:r>
               <a:rPr lang="fr-FR" dirty="0" smtClean="0"/>
+              <a:t>Synthèse</a:t>
+            </a:r>
+            <a:endParaRPr lang="fr-FR" dirty="0"/>
+          </a:p>
+        </p:txBody>
+      </p:sp>
+      <p:sp>
+        <p:nvSpPr>
+          <p:cNvPr id="4" name="Espace réservé du texte 3"/>
+          <p:cNvSpPr>
+            <a:spLocks noGrp="1"/>
+          </p:cNvSpPr>
+          <p:nvPr>
+            <p:ph type="body" sz="quarter" idx="10"/>
+            <p:custDataLst>
+              <p:tags r:id="rId3"/>
+            </p:custDataLst>
+          </p:nvPr>
+        </p:nvSpPr>
+        <p:spPr/>
+        <p:txBody>
+          <a:bodyPr/>
+          <a:lstStyle/>
+          <a:p>
+            <a:endParaRPr lang="fr-FR"/>
+          </a:p>
+        </p:txBody>
+      </p:sp>
+      <p:sp>
+        <p:nvSpPr>
+          <p:cNvPr id="5" name="Espace réservé du texte 4"/>
+          <p:cNvSpPr>
+            <a:spLocks noGrp="1"/>
+          </p:cNvSpPr>
+          <p:nvPr>
+            <p:ph type="body" sz="quarter" idx="12"/>
+            <p:custDataLst>
+              <p:tags r:id="rId4"/>
+            </p:custDataLst>
+          </p:nvPr>
+        </p:nvSpPr>
+        <p:spPr>
+          <a:xfrm>
+            <a:off x="179512" y="1124744"/>
+            <a:ext cx="1800200" cy="1872208"/>
+          </a:xfrm>
+        </p:spPr>
+        <p:txBody>
+          <a:bodyPr/>
+          <a:lstStyle/>
+          <a:p>
+            <a:pPr marL="0" indent="0"/>
+            <a:r>
+              <a:rPr lang="fr-FR" dirty="0">
+                <a:solidFill>
+                  <a:srgbClr val="CC99FF"/>
+                </a:solidFill>
+              </a:rPr>
+              <a:t>Introduction</a:t>
+            </a:r>
+          </a:p>
+          <a:p>
+            <a:pPr>
+              <a:buFont typeface="Arial" pitchFamily="34" charset="0"/>
+              <a:buAutoNum type="arabicPeriod"/>
+            </a:pPr>
+            <a:r>
+              <a:rPr lang="fr-FR" dirty="0">
+                <a:solidFill>
+                  <a:srgbClr val="CC99FF"/>
+                </a:solidFill>
+              </a:rPr>
+              <a:t>Contexte historique</a:t>
+            </a:r>
+          </a:p>
+          <a:p>
+            <a:pPr>
+              <a:buFont typeface="Arial" pitchFamily="34" charset="0"/>
+              <a:buAutoNum type="arabicPeriod"/>
+            </a:pPr>
+            <a:r>
+              <a:rPr lang="fr-FR" dirty="0">
+                <a:solidFill>
+                  <a:srgbClr val="CC99FF"/>
+                </a:solidFill>
+              </a:rPr>
+              <a:t>Outils et méthodes</a:t>
+            </a:r>
+          </a:p>
+          <a:p>
+            <a:pPr>
+              <a:buFont typeface="Arial" pitchFamily="34" charset="0"/>
+              <a:buAutoNum type="arabicPeriod"/>
+            </a:pPr>
+            <a:r>
+              <a:rPr lang="fr-FR" dirty="0">
+                <a:solidFill>
+                  <a:srgbClr val="CC99FF"/>
+                </a:solidFill>
+              </a:rPr>
+              <a:t>Avantages et inconvénients</a:t>
+            </a:r>
+          </a:p>
+          <a:p>
+            <a:pPr marL="0" indent="0"/>
+            <a:r>
+              <a:rPr lang="fr-FR" dirty="0"/>
+              <a:t>Conclusion</a:t>
+            </a:r>
+          </a:p>
+          <a:p>
+            <a:endParaRPr lang="fr-FR" dirty="0"/>
+          </a:p>
+        </p:txBody>
+      </p:sp>
+      <p:sp>
+        <p:nvSpPr>
+          <p:cNvPr id="6" name="Espace réservé du contenu 5"/>
+          <p:cNvSpPr>
+            <a:spLocks noGrp="1"/>
+          </p:cNvSpPr>
+          <p:nvPr>
+            <p:ph sz="quarter" idx="14"/>
+            <p:custDataLst>
+              <p:tags r:id="rId5"/>
+            </p:custDataLst>
+          </p:nvPr>
+        </p:nvSpPr>
+        <p:spPr/>
+        <p:txBody>
+          <a:bodyPr/>
+          <a:lstStyle/>
+          <a:p>
+            <a:endParaRPr lang="fr-FR"/>
+          </a:p>
+        </p:txBody>
+      </p:sp>
+    </p:spTree>
+    <p:extLst>
+      <p:ext uri="{BB962C8B-B14F-4D97-AF65-F5344CB8AC3E}">
+        <p14:creationId xmlns:p14="http://schemas.microsoft.com/office/powerpoint/2010/main" val="1417077885"/>
+      </p:ext>
+    </p:extLst>
+  </p:cSld>
+  <p:clrMapOvr>
+    <a:masterClrMapping/>
+  </p:clrMapOvr>
+  <p:timing>
+    <p:tnLst>
+      <p:par>
+        <p:cTn id="1" dur="indefinite" restart="never" nodeType="tmRoot"/>
+      </p:par>
+    </p:tnLst>
+  </p:timing>
+</p:sld>
+</file>
+
+<file path=ppt/slides/slide17.xml><?xml version="1.0" encoding="utf-8"?>
+<p:sld xmlns:a="http://schemas.openxmlformats.org/drawingml/2006/main" xmlns:r="http://schemas.openxmlformats.org/officeDocument/2006/relationships" xmlns:p="http://schemas.openxmlformats.org/presentationml/2006/main">
+  <p:cSld>
+    <p:spTree>
+      <p:nvGrpSpPr>
+        <p:cNvPr id="1" name=""/>
+        <p:cNvGrpSpPr/>
+        <p:nvPr/>
+      </p:nvGrpSpPr>
+      <p:grpSpPr>
+        <a:xfrm>
+          <a:off x="0" y="0"/>
+          <a:ext cx="0" cy="0"/>
+          <a:chOff x="0" y="0"/>
+          <a:chExt cx="0" cy="0"/>
+        </a:xfrm>
+      </p:grpSpPr>
+      <p:sp>
+        <p:nvSpPr>
+          <p:cNvPr id="2" name="Titre 1"/>
+          <p:cNvSpPr>
+            <a:spLocks noGrp="1"/>
+          </p:cNvSpPr>
+          <p:nvPr>
+            <p:ph type="ctrTitle"/>
+            <p:custDataLst>
+              <p:tags r:id="rId1"/>
+            </p:custDataLst>
+          </p:nvPr>
+        </p:nvSpPr>
+        <p:spPr/>
+        <p:txBody>
+          <a:bodyPr/>
+          <a:lstStyle/>
+          <a:p>
+            <a:r>
+              <a:rPr lang="fr-FR" dirty="0" smtClean="0"/>
+              <a:t>Conclusion</a:t>
+            </a:r>
+            <a:endParaRPr lang="fr-FR" dirty="0"/>
+          </a:p>
+        </p:txBody>
+      </p:sp>
+      <p:sp>
+        <p:nvSpPr>
+          <p:cNvPr id="3" name="Sous-titre 2"/>
+          <p:cNvSpPr>
+            <a:spLocks noGrp="1"/>
+          </p:cNvSpPr>
+          <p:nvPr>
+            <p:ph type="subTitle" idx="1"/>
+            <p:custDataLst>
+              <p:tags r:id="rId2"/>
+            </p:custDataLst>
+          </p:nvPr>
+        </p:nvSpPr>
+        <p:spPr/>
+        <p:txBody>
+          <a:bodyPr/>
+          <a:lstStyle/>
+          <a:p>
+            <a:r>
+              <a:rPr lang="fr-FR" dirty="0" smtClean="0"/>
               <a:t>Biographie</a:t>
             </a:r>
             <a:endParaRPr lang="fr-FR" dirty="0"/>
@@ -21300,7 +22037,7 @@
 </p:sld>
 </file>
 
-<file path=ppt/slides/slide17.xml><?xml version="1.0" encoding="utf-8"?>
+<file path=ppt/slides/slide18.xml><?xml version="1.0" encoding="utf-8"?>
 <p:sld xmlns:a="http://schemas.openxmlformats.org/drawingml/2006/main" xmlns:r="http://schemas.openxmlformats.org/officeDocument/2006/relationships" xmlns:p="http://schemas.openxmlformats.org/presentationml/2006/main">
   <p:cSld>
     <p:spTree>
@@ -22436,8 +23173,8 @@
         </p:blipFill>
         <p:spPr>
           <a:xfrm>
-            <a:off x="251521" y="1196752"/>
-            <a:ext cx="1728192" cy="1357865"/>
+            <a:off x="647292" y="1196752"/>
+            <a:ext cx="936649" cy="1357865"/>
           </a:xfrm>
           <a:prstGeom prst="snip2DiagRect">
             <a:avLst/>
@@ -25078,19 +25815,19 @@
 
 <file path=ppt/tags/tag57.xml><?xml version="1.0" encoding="utf-8"?>
 <p:tagLst xmlns:a="http://schemas.openxmlformats.org/drawingml/2006/main" xmlns:r="http://schemas.openxmlformats.org/officeDocument/2006/relationships" xmlns:p="http://schemas.openxmlformats.org/presentationml/2006/main">
-  <p:tag name="NUM" val="1"/>
+  <p:tag name="NUM" val="4"/>
 </p:tagLst>
 </file>
 
 <file path=ppt/tags/tag58.xml><?xml version="1.0" encoding="utf-8"?>
 <p:tagLst xmlns:a="http://schemas.openxmlformats.org/drawingml/2006/main" xmlns:r="http://schemas.openxmlformats.org/officeDocument/2006/relationships" xmlns:p="http://schemas.openxmlformats.org/presentationml/2006/main">
-  <p:tag name="NUM" val="2"/>
+  <p:tag name="NUM" val="1"/>
 </p:tagLst>
 </file>
 
 <file path=ppt/tags/tag59.xml><?xml version="1.0" encoding="utf-8"?>
 <p:tagLst xmlns:a="http://schemas.openxmlformats.org/drawingml/2006/main" xmlns:r="http://schemas.openxmlformats.org/officeDocument/2006/relationships" xmlns:p="http://schemas.openxmlformats.org/presentationml/2006/main">
-  <p:tag name="NUM" val="3"/>
+  <p:tag name="NUM" val="2"/>
 </p:tagLst>
 </file>
 
@@ -25108,7 +25845,7 @@
 
 <file path=ppt/tags/tag61.xml><?xml version="1.0" encoding="utf-8"?>
 <p:tagLst xmlns:a="http://schemas.openxmlformats.org/drawingml/2006/main" xmlns:r="http://schemas.openxmlformats.org/officeDocument/2006/relationships" xmlns:p="http://schemas.openxmlformats.org/presentationml/2006/main">
-  <p:tag name="NUM" val="5"/>
+  <p:tag name="NUM" val="3"/>
 </p:tagLst>
 </file>
 
@@ -25239,6 +25976,36 @@
 </file>
 
 <file path=ppt/tags/tag81.xml><?xml version="1.0" encoding="utf-8"?>
+<p:tagLst xmlns:a="http://schemas.openxmlformats.org/drawingml/2006/main" xmlns:r="http://schemas.openxmlformats.org/officeDocument/2006/relationships" xmlns:p="http://schemas.openxmlformats.org/presentationml/2006/main">
+  <p:tag name="NUM" val="5"/>
+</p:tagLst>
+</file>
+
+<file path=ppt/tags/tag82.xml><?xml version="1.0" encoding="utf-8"?>
+<p:tagLst xmlns:a="http://schemas.openxmlformats.org/drawingml/2006/main" xmlns:r="http://schemas.openxmlformats.org/officeDocument/2006/relationships" xmlns:p="http://schemas.openxmlformats.org/presentationml/2006/main">
+  <p:tag name="NUM" val="1"/>
+</p:tagLst>
+</file>
+
+<file path=ppt/tags/tag83.xml><?xml version="1.0" encoding="utf-8"?>
+<p:tagLst xmlns:a="http://schemas.openxmlformats.org/drawingml/2006/main" xmlns:r="http://schemas.openxmlformats.org/officeDocument/2006/relationships" xmlns:p="http://schemas.openxmlformats.org/presentationml/2006/main">
+  <p:tag name="NUM" val="2"/>
+</p:tagLst>
+</file>
+
+<file path=ppt/tags/tag84.xml><?xml version="1.0" encoding="utf-8"?>
+<p:tagLst xmlns:a="http://schemas.openxmlformats.org/drawingml/2006/main" xmlns:r="http://schemas.openxmlformats.org/officeDocument/2006/relationships" xmlns:p="http://schemas.openxmlformats.org/presentationml/2006/main">
+  <p:tag name="NUM" val="3"/>
+</p:tagLst>
+</file>
+
+<file path=ppt/tags/tag85.xml><?xml version="1.0" encoding="utf-8"?>
+<p:tagLst xmlns:a="http://schemas.openxmlformats.org/drawingml/2006/main" xmlns:r="http://schemas.openxmlformats.org/officeDocument/2006/relationships" xmlns:p="http://schemas.openxmlformats.org/presentationml/2006/main">
+  <p:tag name="NUM" val="4"/>
+</p:tagLst>
+</file>
+
+<file path=ppt/tags/tag86.xml><?xml version="1.0" encoding="utf-8"?>
 <p:tagLst xmlns:a="http://schemas.openxmlformats.org/drawingml/2006/main" xmlns:r="http://schemas.openxmlformats.org/officeDocument/2006/relationships" xmlns:p="http://schemas.openxmlformats.org/presentationml/2006/main">
   <p:tag name="NUM" val="5"/>
 </p:tagLst>

--- a/Taylorisme.pptx
+++ b/Taylorisme.pptx
@@ -6,10 +6,10 @@
     <p:sldMasterId id="2147483661" r:id="rId2"/>
   </p:sldMasterIdLst>
   <p:notesMasterIdLst>
-    <p:notesMasterId r:id="rId21"/>
+    <p:notesMasterId r:id="rId22"/>
   </p:notesMasterIdLst>
   <p:handoutMasterIdLst>
-    <p:handoutMasterId r:id="rId22"/>
+    <p:handoutMasterId r:id="rId23"/>
   </p:handoutMasterIdLst>
   <p:sldIdLst>
     <p:sldId id="256" r:id="rId3"/>
@@ -28,8 +28,9 @@
     <p:sldId id="358" r:id="rId16"/>
     <p:sldId id="359" r:id="rId17"/>
     <p:sldId id="360" r:id="rId18"/>
-    <p:sldId id="361" r:id="rId19"/>
-    <p:sldId id="362" r:id="rId20"/>
+    <p:sldId id="369" r:id="rId19"/>
+    <p:sldId id="361" r:id="rId20"/>
+    <p:sldId id="362" r:id="rId21"/>
   </p:sldIdLst>
   <p:sldSz cx="9144000" cy="6858000" type="screen4x3"/>
   <p:notesSz cx="6743700" cy="9875838"/>
@@ -4971,7 +4972,7 @@
   <dgm:whole/>
   <dgm:extLst>
     <a:ext uri="http://schemas.microsoft.com/office/drawing/2008/diagram">
-      <dsp:dataModelExt xmlns:dsp="http://schemas.microsoft.com/office/drawing/2008/diagram" relId="rId8" minVer="http://schemas.openxmlformats.org/drawingml/2006/diagram"/>
+      <dsp:dataModelExt xmlns:dsp="http://schemas.microsoft.com/office/drawing/2008/diagram" relId="rId10" minVer="http://schemas.openxmlformats.org/drawingml/2006/diagram"/>
     </a:ext>
   </dgm:extLst>
 </dgm:dataModel>
@@ -5388,7 +5389,7 @@
   <dgm:whole/>
   <dgm:extLst>
     <a:ext uri="http://schemas.microsoft.com/office/drawing/2008/diagram">
-      <dsp:dataModelExt xmlns:dsp="http://schemas.microsoft.com/office/drawing/2008/diagram" relId="rId9" minVer="http://schemas.openxmlformats.org/drawingml/2006/diagram"/>
+      <dsp:dataModelExt xmlns:dsp="http://schemas.microsoft.com/office/drawing/2008/diagram" relId="rId12" minVer="http://schemas.openxmlformats.org/drawingml/2006/diagram"/>
     </a:ext>
   </dgm:extLst>
 </dgm:dataModel>
@@ -6355,1260 +6356,6 @@
       <dsp:cNvGrpSpPr/>
     </dsp:nvGrpSpPr>
     <dsp:grpSpPr/>
-    <dsp:sp modelId="{A0A1FC04-BBE7-4232-9FA9-596D521B896E}">
-      <dsp:nvSpPr>
-        <dsp:cNvPr id="0" name=""/>
-        <dsp:cNvSpPr/>
-      </dsp:nvSpPr>
-      <dsp:spPr>
-        <a:xfrm>
-          <a:off x="2715" y="3489"/>
-          <a:ext cx="8851552" cy="1431159"/>
-        </a:xfrm>
-        <a:prstGeom prst="roundRect">
-          <a:avLst>
-            <a:gd name="adj" fmla="val 10000"/>
-          </a:avLst>
-        </a:prstGeom>
-        <a:gradFill rotWithShape="0">
-          <a:gsLst>
-            <a:gs pos="0">
-              <a:schemeClr val="accent2">
-                <a:hueOff val="0"/>
-                <a:satOff val="0"/>
-                <a:lumOff val="0"/>
-                <a:alphaOff val="0"/>
-                <a:tint val="50000"/>
-                <a:satMod val="300000"/>
-              </a:schemeClr>
-            </a:gs>
-            <a:gs pos="35000">
-              <a:schemeClr val="accent2">
-                <a:hueOff val="0"/>
-                <a:satOff val="0"/>
-                <a:lumOff val="0"/>
-                <a:alphaOff val="0"/>
-                <a:tint val="37000"/>
-                <a:satMod val="300000"/>
-              </a:schemeClr>
-            </a:gs>
-            <a:gs pos="100000">
-              <a:schemeClr val="accent2">
-                <a:hueOff val="0"/>
-                <a:satOff val="0"/>
-                <a:lumOff val="0"/>
-                <a:alphaOff val="0"/>
-                <a:tint val="15000"/>
-                <a:satMod val="350000"/>
-              </a:schemeClr>
-            </a:gs>
-          </a:gsLst>
-          <a:lin ang="16200000" scaled="1"/>
-        </a:gradFill>
-        <a:ln>
-          <a:noFill/>
-        </a:ln>
-        <a:effectLst>
-          <a:outerShdw blurRad="40000" dist="20000" dir="5400000" rotWithShape="0">
-            <a:srgbClr val="000000">
-              <a:alpha val="38000"/>
-            </a:srgbClr>
-          </a:outerShdw>
-        </a:effectLst>
-        <a:scene3d>
-          <a:camera prst="orthographicFront"/>
-          <a:lightRig rig="flat" dir="t"/>
-        </a:scene3d>
-        <a:sp3d prstMaterial="dkEdge">
-          <a:bevelT w="8200" h="38100"/>
-        </a:sp3d>
-      </dsp:spPr>
-      <dsp:style>
-        <a:lnRef idx="0">
-          <a:scrgbClr r="0" g="0" b="0"/>
-        </a:lnRef>
-        <a:fillRef idx="2">
-          <a:scrgbClr r="0" g="0" b="0"/>
-        </a:fillRef>
-        <a:effectRef idx="1">
-          <a:scrgbClr r="0" g="0" b="0"/>
-        </a:effectRef>
-        <a:fontRef idx="minor">
-          <a:schemeClr val="dk1"/>
-        </a:fontRef>
-      </dsp:style>
-      <dsp:txBody>
-        <a:bodyPr spcFirstLastPara="0" vert="horz" wrap="square" lIns="175260" tIns="175260" rIns="175260" bIns="175260" numCol="1" spcCol="1270" anchor="ctr" anchorCtr="0">
-          <a:noAutofit/>
-        </a:bodyPr>
-        <a:lstStyle/>
-        <a:p>
-          <a:pPr lvl="0" algn="ctr" defTabSz="2044700">
-            <a:lnSpc>
-              <a:spcPct val="90000"/>
-            </a:lnSpc>
-            <a:spcBef>
-              <a:spcPct val="0"/>
-            </a:spcBef>
-            <a:spcAft>
-              <a:spcPct val="35000"/>
-            </a:spcAft>
-          </a:pPr>
-          <a:r>
-            <a:rPr lang="fr-FR" sz="4600" kern="1200" dirty="0" smtClean="0"/>
-            <a:t>La organisation pratique de l’atelier </a:t>
-          </a:r>
-          <a:endParaRPr lang="fr-FR" sz="4600" kern="1200" dirty="0"/>
-        </a:p>
-      </dsp:txBody>
-      <dsp:txXfrm>
-        <a:off x="44632" y="45406"/>
-        <a:ext cx="8767718" cy="1347325"/>
-      </dsp:txXfrm>
-    </dsp:sp>
-    <dsp:sp modelId="{611A597E-F0FA-4084-B47A-4220CF68CA4A}">
-      <dsp:nvSpPr>
-        <dsp:cNvPr id="0" name=""/>
-        <dsp:cNvSpPr/>
-      </dsp:nvSpPr>
-      <dsp:spPr>
-        <a:xfrm>
-          <a:off x="2715" y="1588676"/>
-          <a:ext cx="2463858" cy="1431159"/>
-        </a:xfrm>
-        <a:prstGeom prst="roundRect">
-          <a:avLst>
-            <a:gd name="adj" fmla="val 10000"/>
-          </a:avLst>
-        </a:prstGeom>
-        <a:gradFill rotWithShape="0">
-          <a:gsLst>
-            <a:gs pos="0">
-              <a:schemeClr val="accent4">
-                <a:hueOff val="0"/>
-                <a:satOff val="0"/>
-                <a:lumOff val="0"/>
-                <a:alphaOff val="0"/>
-                <a:tint val="50000"/>
-                <a:satMod val="300000"/>
-              </a:schemeClr>
-            </a:gs>
-            <a:gs pos="35000">
-              <a:schemeClr val="accent4">
-                <a:hueOff val="0"/>
-                <a:satOff val="0"/>
-                <a:lumOff val="0"/>
-                <a:alphaOff val="0"/>
-                <a:tint val="37000"/>
-                <a:satMod val="300000"/>
-              </a:schemeClr>
-            </a:gs>
-            <a:gs pos="100000">
-              <a:schemeClr val="accent4">
-                <a:hueOff val="0"/>
-                <a:satOff val="0"/>
-                <a:lumOff val="0"/>
-                <a:alphaOff val="0"/>
-                <a:tint val="15000"/>
-                <a:satMod val="350000"/>
-              </a:schemeClr>
-            </a:gs>
-          </a:gsLst>
-          <a:lin ang="16200000" scaled="1"/>
-        </a:gradFill>
-        <a:ln>
-          <a:noFill/>
-        </a:ln>
-        <a:effectLst>
-          <a:outerShdw blurRad="40000" dist="20000" dir="5400000" rotWithShape="0">
-            <a:srgbClr val="000000">
-              <a:alpha val="38000"/>
-            </a:srgbClr>
-          </a:outerShdw>
-        </a:effectLst>
-        <a:scene3d>
-          <a:camera prst="orthographicFront"/>
-          <a:lightRig rig="flat" dir="t"/>
-        </a:scene3d>
-        <a:sp3d prstMaterial="dkEdge">
-          <a:bevelT w="8200" h="38100"/>
-        </a:sp3d>
-      </dsp:spPr>
-      <dsp:style>
-        <a:lnRef idx="0">
-          <a:scrgbClr r="0" g="0" b="0"/>
-        </a:lnRef>
-        <a:fillRef idx="2">
-          <a:scrgbClr r="0" g="0" b="0"/>
-        </a:fillRef>
-        <a:effectRef idx="1">
-          <a:scrgbClr r="0" g="0" b="0"/>
-        </a:effectRef>
-        <a:fontRef idx="minor">
-          <a:schemeClr val="dk1"/>
-        </a:fontRef>
-      </dsp:style>
-      <dsp:txBody>
-        <a:bodyPr spcFirstLastPara="0" vert="horz" wrap="square" lIns="102870" tIns="102870" rIns="102870" bIns="102870" numCol="1" spcCol="1270" anchor="ctr" anchorCtr="0">
-          <a:noAutofit/>
-        </a:bodyPr>
-        <a:lstStyle/>
-        <a:p>
-          <a:pPr lvl="0" algn="ctr" defTabSz="1200150">
-            <a:lnSpc>
-              <a:spcPct val="90000"/>
-            </a:lnSpc>
-            <a:spcBef>
-              <a:spcPct val="0"/>
-            </a:spcBef>
-            <a:spcAft>
-              <a:spcPct val="35000"/>
-            </a:spcAft>
-          </a:pPr>
-          <a:r>
-            <a:rPr lang="fr-FR" sz="2700" kern="1200" dirty="0" smtClean="0"/>
-            <a:t>Maitriser le temps opératoire</a:t>
-          </a:r>
-          <a:endParaRPr lang="fr-FR" sz="2700" kern="1200" dirty="0"/>
-        </a:p>
-      </dsp:txBody>
-      <dsp:txXfrm>
-        <a:off x="44632" y="1630593"/>
-        <a:ext cx="2380024" cy="1347325"/>
-      </dsp:txXfrm>
-    </dsp:sp>
-    <dsp:sp modelId="{DCB603AD-4E2D-4555-B3A3-EFAC4124D9B9}">
-      <dsp:nvSpPr>
-        <dsp:cNvPr id="0" name=""/>
-        <dsp:cNvSpPr/>
-      </dsp:nvSpPr>
-      <dsp:spPr>
-        <a:xfrm>
-          <a:off x="2715" y="3173863"/>
-          <a:ext cx="1206591" cy="1431159"/>
-        </a:xfrm>
-        <a:prstGeom prst="roundRect">
-          <a:avLst>
-            <a:gd name="adj" fmla="val 10000"/>
-          </a:avLst>
-        </a:prstGeom>
-        <a:gradFill rotWithShape="0">
-          <a:gsLst>
-            <a:gs pos="0">
-              <a:schemeClr val="accent5">
-                <a:hueOff val="0"/>
-                <a:satOff val="0"/>
-                <a:lumOff val="0"/>
-                <a:alphaOff val="0"/>
-                <a:tint val="50000"/>
-                <a:satMod val="300000"/>
-              </a:schemeClr>
-            </a:gs>
-            <a:gs pos="35000">
-              <a:schemeClr val="accent5">
-                <a:hueOff val="0"/>
-                <a:satOff val="0"/>
-                <a:lumOff val="0"/>
-                <a:alphaOff val="0"/>
-                <a:tint val="37000"/>
-                <a:satMod val="300000"/>
-              </a:schemeClr>
-            </a:gs>
-            <a:gs pos="100000">
-              <a:schemeClr val="accent5">
-                <a:hueOff val="0"/>
-                <a:satOff val="0"/>
-                <a:lumOff val="0"/>
-                <a:alphaOff val="0"/>
-                <a:tint val="15000"/>
-                <a:satMod val="350000"/>
-              </a:schemeClr>
-            </a:gs>
-          </a:gsLst>
-          <a:lin ang="16200000" scaled="1"/>
-        </a:gradFill>
-        <a:ln>
-          <a:noFill/>
-        </a:ln>
-        <a:effectLst>
-          <a:outerShdw blurRad="40000" dist="20000" dir="5400000" rotWithShape="0">
-            <a:srgbClr val="000000">
-              <a:alpha val="38000"/>
-            </a:srgbClr>
-          </a:outerShdw>
-        </a:effectLst>
-        <a:scene3d>
-          <a:camera prst="orthographicFront"/>
-          <a:lightRig rig="flat" dir="t"/>
-        </a:scene3d>
-        <a:sp3d prstMaterial="dkEdge">
-          <a:bevelT w="8200" h="38100"/>
-        </a:sp3d>
-      </dsp:spPr>
-      <dsp:style>
-        <a:lnRef idx="0">
-          <a:scrgbClr r="0" g="0" b="0"/>
-        </a:lnRef>
-        <a:fillRef idx="2">
-          <a:scrgbClr r="0" g="0" b="0"/>
-        </a:fillRef>
-        <a:effectRef idx="1">
-          <a:scrgbClr r="0" g="0" b="0"/>
-        </a:effectRef>
-        <a:fontRef idx="minor">
-          <a:schemeClr val="dk1"/>
-        </a:fontRef>
-      </dsp:style>
-      <dsp:txBody>
-        <a:bodyPr spcFirstLastPara="0" vert="horz" wrap="square" lIns="49530" tIns="49530" rIns="49530" bIns="49530" numCol="1" spcCol="1270" anchor="ctr" anchorCtr="0">
-          <a:noAutofit/>
-        </a:bodyPr>
-        <a:lstStyle/>
-        <a:p>
-          <a:pPr lvl="0" algn="ctr" defTabSz="577850">
-            <a:lnSpc>
-              <a:spcPct val="90000"/>
-            </a:lnSpc>
-            <a:spcBef>
-              <a:spcPct val="0"/>
-            </a:spcBef>
-            <a:spcAft>
-              <a:spcPct val="35000"/>
-            </a:spcAft>
-          </a:pPr>
-          <a:r>
-            <a:rPr lang="fr-FR" sz="1300" kern="1200" dirty="0" smtClean="0"/>
-            <a:t>Décomposer les gestes des meilleurs</a:t>
-          </a:r>
-        </a:p>
-        <a:p>
-          <a:pPr lvl="0" algn="ctr" defTabSz="577850">
-            <a:lnSpc>
-              <a:spcPct val="90000"/>
-            </a:lnSpc>
-            <a:spcBef>
-              <a:spcPct val="0"/>
-            </a:spcBef>
-            <a:spcAft>
-              <a:spcPct val="35000"/>
-            </a:spcAft>
-          </a:pPr>
-          <a:r>
-            <a:rPr lang="fr-FR" sz="1300" kern="1200" dirty="0" smtClean="0"/>
-            <a:t> +</a:t>
-          </a:r>
-        </a:p>
-        <a:p>
-          <a:pPr lvl="0" algn="ctr" defTabSz="577850">
-            <a:lnSpc>
-              <a:spcPct val="90000"/>
-            </a:lnSpc>
-            <a:spcBef>
-              <a:spcPct val="0"/>
-            </a:spcBef>
-            <a:spcAft>
-              <a:spcPct val="35000"/>
-            </a:spcAft>
-          </a:pPr>
-          <a:r>
-            <a:rPr lang="fr-FR" sz="1300" kern="1200" dirty="0" smtClean="0"/>
-            <a:t>chronométrer</a:t>
-          </a:r>
-          <a:endParaRPr lang="fr-FR" sz="1300" kern="1200" dirty="0"/>
-        </a:p>
-      </dsp:txBody>
-      <dsp:txXfrm>
-        <a:off x="38055" y="3209203"/>
-        <a:ext cx="1135911" cy="1360479"/>
-      </dsp:txXfrm>
-    </dsp:sp>
-    <dsp:sp modelId="{3E713B4E-B7F3-4CFA-8EC4-F73B78C452E4}">
-      <dsp:nvSpPr>
-        <dsp:cNvPr id="0" name=""/>
-        <dsp:cNvSpPr/>
-      </dsp:nvSpPr>
-      <dsp:spPr>
-        <a:xfrm>
-          <a:off x="1259983" y="3173863"/>
-          <a:ext cx="1206591" cy="1431159"/>
-        </a:xfrm>
-        <a:prstGeom prst="roundRect">
-          <a:avLst>
-            <a:gd name="adj" fmla="val 10000"/>
-          </a:avLst>
-        </a:prstGeom>
-        <a:gradFill rotWithShape="0">
-          <a:gsLst>
-            <a:gs pos="0">
-              <a:schemeClr val="accent5">
-                <a:hueOff val="0"/>
-                <a:satOff val="0"/>
-                <a:lumOff val="0"/>
-                <a:alphaOff val="0"/>
-                <a:tint val="50000"/>
-                <a:satMod val="300000"/>
-              </a:schemeClr>
-            </a:gs>
-            <a:gs pos="35000">
-              <a:schemeClr val="accent5">
-                <a:hueOff val="0"/>
-                <a:satOff val="0"/>
-                <a:lumOff val="0"/>
-                <a:alphaOff val="0"/>
-                <a:tint val="37000"/>
-                <a:satMod val="300000"/>
-              </a:schemeClr>
-            </a:gs>
-            <a:gs pos="100000">
-              <a:schemeClr val="accent5">
-                <a:hueOff val="0"/>
-                <a:satOff val="0"/>
-                <a:lumOff val="0"/>
-                <a:alphaOff val="0"/>
-                <a:tint val="15000"/>
-                <a:satMod val="350000"/>
-              </a:schemeClr>
-            </a:gs>
-          </a:gsLst>
-          <a:lin ang="16200000" scaled="1"/>
-        </a:gradFill>
-        <a:ln>
-          <a:noFill/>
-        </a:ln>
-        <a:effectLst>
-          <a:outerShdw blurRad="40000" dist="20000" dir="5400000" rotWithShape="0">
-            <a:srgbClr val="000000">
-              <a:alpha val="38000"/>
-            </a:srgbClr>
-          </a:outerShdw>
-        </a:effectLst>
-        <a:scene3d>
-          <a:camera prst="orthographicFront"/>
-          <a:lightRig rig="flat" dir="t"/>
-        </a:scene3d>
-        <a:sp3d prstMaterial="dkEdge">
-          <a:bevelT w="8200" h="38100"/>
-        </a:sp3d>
-      </dsp:spPr>
-      <dsp:style>
-        <a:lnRef idx="0">
-          <a:scrgbClr r="0" g="0" b="0"/>
-        </a:lnRef>
-        <a:fillRef idx="2">
-          <a:scrgbClr r="0" g="0" b="0"/>
-        </a:fillRef>
-        <a:effectRef idx="1">
-          <a:scrgbClr r="0" g="0" b="0"/>
-        </a:effectRef>
-        <a:fontRef idx="minor">
-          <a:schemeClr val="dk1"/>
-        </a:fontRef>
-      </dsp:style>
-      <dsp:txBody>
-        <a:bodyPr spcFirstLastPara="0" vert="horz" wrap="square" lIns="49530" tIns="49530" rIns="49530" bIns="49530" numCol="1" spcCol="1270" anchor="ctr" anchorCtr="0">
-          <a:noAutofit/>
-        </a:bodyPr>
-        <a:lstStyle/>
-        <a:p>
-          <a:pPr lvl="0" algn="ctr" defTabSz="577850">
-            <a:lnSpc>
-              <a:spcPct val="90000"/>
-            </a:lnSpc>
-            <a:spcBef>
-              <a:spcPct val="0"/>
-            </a:spcBef>
-            <a:spcAft>
-              <a:spcPct val="35000"/>
-            </a:spcAft>
-          </a:pPr>
-          <a:r>
-            <a:rPr lang="fr-FR" sz="1300" kern="1200" dirty="0" smtClean="0"/>
-            <a:t>Sommer les temps partiels avec un % de repos</a:t>
-          </a:r>
-        </a:p>
-      </dsp:txBody>
-      <dsp:txXfrm>
-        <a:off x="1295323" y="3209203"/>
-        <a:ext cx="1135911" cy="1360479"/>
-      </dsp:txXfrm>
-    </dsp:sp>
-    <dsp:sp modelId="{1A4E6015-0739-4BCD-89AB-AA863D8CA7D7}">
-      <dsp:nvSpPr>
-        <dsp:cNvPr id="0" name=""/>
-        <dsp:cNvSpPr/>
-      </dsp:nvSpPr>
-      <dsp:spPr>
-        <a:xfrm>
-          <a:off x="2567928" y="1588676"/>
-          <a:ext cx="3721126" cy="1431159"/>
-        </a:xfrm>
-        <a:prstGeom prst="roundRect">
-          <a:avLst>
-            <a:gd name="adj" fmla="val 10000"/>
-          </a:avLst>
-        </a:prstGeom>
-        <a:gradFill rotWithShape="0">
-          <a:gsLst>
-            <a:gs pos="0">
-              <a:schemeClr val="accent4">
-                <a:hueOff val="0"/>
-                <a:satOff val="0"/>
-                <a:lumOff val="0"/>
-                <a:alphaOff val="0"/>
-                <a:tint val="50000"/>
-                <a:satMod val="300000"/>
-              </a:schemeClr>
-            </a:gs>
-            <a:gs pos="35000">
-              <a:schemeClr val="accent4">
-                <a:hueOff val="0"/>
-                <a:satOff val="0"/>
-                <a:lumOff val="0"/>
-                <a:alphaOff val="0"/>
-                <a:tint val="37000"/>
-                <a:satMod val="300000"/>
-              </a:schemeClr>
-            </a:gs>
-            <a:gs pos="100000">
-              <a:schemeClr val="accent4">
-                <a:hueOff val="0"/>
-                <a:satOff val="0"/>
-                <a:lumOff val="0"/>
-                <a:alphaOff val="0"/>
-                <a:tint val="15000"/>
-                <a:satMod val="350000"/>
-              </a:schemeClr>
-            </a:gs>
-          </a:gsLst>
-          <a:lin ang="16200000" scaled="1"/>
-        </a:gradFill>
-        <a:ln>
-          <a:noFill/>
-        </a:ln>
-        <a:effectLst>
-          <a:outerShdw blurRad="40000" dist="20000" dir="5400000" rotWithShape="0">
-            <a:srgbClr val="000000">
-              <a:alpha val="38000"/>
-            </a:srgbClr>
-          </a:outerShdw>
-        </a:effectLst>
-        <a:scene3d>
-          <a:camera prst="orthographicFront"/>
-          <a:lightRig rig="flat" dir="t"/>
-        </a:scene3d>
-        <a:sp3d prstMaterial="dkEdge">
-          <a:bevelT w="8200" h="38100"/>
-        </a:sp3d>
-      </dsp:spPr>
-      <dsp:style>
-        <a:lnRef idx="0">
-          <a:scrgbClr r="0" g="0" b="0"/>
-        </a:lnRef>
-        <a:fillRef idx="2">
-          <a:scrgbClr r="0" g="0" b="0"/>
-        </a:fillRef>
-        <a:effectRef idx="1">
-          <a:scrgbClr r="0" g="0" b="0"/>
-        </a:effectRef>
-        <a:fontRef idx="minor">
-          <a:schemeClr val="dk1"/>
-        </a:fontRef>
-      </dsp:style>
-      <dsp:txBody>
-        <a:bodyPr spcFirstLastPara="0" vert="horz" wrap="square" lIns="102870" tIns="102870" rIns="102870" bIns="102870" numCol="1" spcCol="1270" anchor="ctr" anchorCtr="0">
-          <a:noAutofit/>
-        </a:bodyPr>
-        <a:lstStyle/>
-        <a:p>
-          <a:pPr lvl="0" algn="ctr" defTabSz="1200150">
-            <a:lnSpc>
-              <a:spcPct val="90000"/>
-            </a:lnSpc>
-            <a:spcBef>
-              <a:spcPct val="0"/>
-            </a:spcBef>
-            <a:spcAft>
-              <a:spcPct val="35000"/>
-            </a:spcAft>
-          </a:pPr>
-          <a:r>
-            <a:rPr lang="fr-FR" sz="2700" kern="1200" dirty="0" smtClean="0"/>
-            <a:t>Maitriser les méthodes de travail</a:t>
-          </a:r>
-          <a:endParaRPr lang="fr-FR" sz="2700" kern="1200" dirty="0"/>
-        </a:p>
-      </dsp:txBody>
-      <dsp:txXfrm>
-        <a:off x="2609845" y="1630593"/>
-        <a:ext cx="3637292" cy="1347325"/>
-      </dsp:txXfrm>
-    </dsp:sp>
-    <dsp:sp modelId="{6A335944-7119-417A-8D78-1BF485073E2F}">
-      <dsp:nvSpPr>
-        <dsp:cNvPr id="0" name=""/>
-        <dsp:cNvSpPr/>
-      </dsp:nvSpPr>
-      <dsp:spPr>
-        <a:xfrm>
-          <a:off x="2567928" y="3173863"/>
-          <a:ext cx="1206591" cy="1431159"/>
-        </a:xfrm>
-        <a:prstGeom prst="roundRect">
-          <a:avLst>
-            <a:gd name="adj" fmla="val 10000"/>
-          </a:avLst>
-        </a:prstGeom>
-        <a:gradFill rotWithShape="0">
-          <a:gsLst>
-            <a:gs pos="0">
-              <a:schemeClr val="accent5">
-                <a:hueOff val="0"/>
-                <a:satOff val="0"/>
-                <a:lumOff val="0"/>
-                <a:alphaOff val="0"/>
-                <a:tint val="50000"/>
-                <a:satMod val="300000"/>
-              </a:schemeClr>
-            </a:gs>
-            <a:gs pos="35000">
-              <a:schemeClr val="accent5">
-                <a:hueOff val="0"/>
-                <a:satOff val="0"/>
-                <a:lumOff val="0"/>
-                <a:alphaOff val="0"/>
-                <a:tint val="37000"/>
-                <a:satMod val="300000"/>
-              </a:schemeClr>
-            </a:gs>
-            <a:gs pos="100000">
-              <a:schemeClr val="accent5">
-                <a:hueOff val="0"/>
-                <a:satOff val="0"/>
-                <a:lumOff val="0"/>
-                <a:alphaOff val="0"/>
-                <a:tint val="15000"/>
-                <a:satMod val="350000"/>
-              </a:schemeClr>
-            </a:gs>
-          </a:gsLst>
-          <a:lin ang="16200000" scaled="1"/>
-        </a:gradFill>
-        <a:ln>
-          <a:noFill/>
-        </a:ln>
-        <a:effectLst>
-          <a:outerShdw blurRad="40000" dist="20000" dir="5400000" rotWithShape="0">
-            <a:srgbClr val="000000">
-              <a:alpha val="38000"/>
-            </a:srgbClr>
-          </a:outerShdw>
-        </a:effectLst>
-        <a:scene3d>
-          <a:camera prst="orthographicFront"/>
-          <a:lightRig rig="flat" dir="t"/>
-        </a:scene3d>
-        <a:sp3d prstMaterial="dkEdge">
-          <a:bevelT w="8200" h="38100"/>
-        </a:sp3d>
-      </dsp:spPr>
-      <dsp:style>
-        <a:lnRef idx="0">
-          <a:scrgbClr r="0" g="0" b="0"/>
-        </a:lnRef>
-        <a:fillRef idx="2">
-          <a:scrgbClr r="0" g="0" b="0"/>
-        </a:fillRef>
-        <a:effectRef idx="1">
-          <a:scrgbClr r="0" g="0" b="0"/>
-        </a:effectRef>
-        <a:fontRef idx="minor">
-          <a:schemeClr val="dk1"/>
-        </a:fontRef>
-      </dsp:style>
-      <dsp:txBody>
-        <a:bodyPr spcFirstLastPara="0" vert="horz" wrap="square" lIns="49530" tIns="49530" rIns="49530" bIns="49530" numCol="1" spcCol="1270" anchor="ctr" anchorCtr="0">
-          <a:noAutofit/>
-        </a:bodyPr>
-        <a:lstStyle/>
-        <a:p>
-          <a:pPr lvl="0" algn="ctr" defTabSz="577850">
-            <a:lnSpc>
-              <a:spcPct val="90000"/>
-            </a:lnSpc>
-            <a:spcBef>
-              <a:spcPct val="0"/>
-            </a:spcBef>
-            <a:spcAft>
-              <a:spcPct val="35000"/>
-            </a:spcAft>
-          </a:pPr>
-          <a:r>
-            <a:rPr lang="fr-FR" sz="1300" kern="1200" dirty="0" smtClean="0"/>
-            <a:t>Rassembler la totalité des connaissances</a:t>
-          </a:r>
-          <a:endParaRPr lang="fr-FR" sz="1300" kern="1200" dirty="0"/>
-        </a:p>
-      </dsp:txBody>
-      <dsp:txXfrm>
-        <a:off x="2603268" y="3209203"/>
-        <a:ext cx="1135911" cy="1360479"/>
-      </dsp:txXfrm>
-    </dsp:sp>
-    <dsp:sp modelId="{F4404536-96F1-45FD-A106-FB2338E659CF}">
-      <dsp:nvSpPr>
-        <dsp:cNvPr id="0" name=""/>
-        <dsp:cNvSpPr/>
-      </dsp:nvSpPr>
-      <dsp:spPr>
-        <a:xfrm>
-          <a:off x="3825196" y="3173863"/>
-          <a:ext cx="1206591" cy="1431159"/>
-        </a:xfrm>
-        <a:prstGeom prst="roundRect">
-          <a:avLst>
-            <a:gd name="adj" fmla="val 10000"/>
-          </a:avLst>
-        </a:prstGeom>
-        <a:gradFill rotWithShape="0">
-          <a:gsLst>
-            <a:gs pos="0">
-              <a:schemeClr val="accent5">
-                <a:hueOff val="0"/>
-                <a:satOff val="0"/>
-                <a:lumOff val="0"/>
-                <a:alphaOff val="0"/>
-                <a:tint val="50000"/>
-                <a:satMod val="300000"/>
-              </a:schemeClr>
-            </a:gs>
-            <a:gs pos="35000">
-              <a:schemeClr val="accent5">
-                <a:hueOff val="0"/>
-                <a:satOff val="0"/>
-                <a:lumOff val="0"/>
-                <a:alphaOff val="0"/>
-                <a:tint val="37000"/>
-                <a:satMod val="300000"/>
-              </a:schemeClr>
-            </a:gs>
-            <a:gs pos="100000">
-              <a:schemeClr val="accent5">
-                <a:hueOff val="0"/>
-                <a:satOff val="0"/>
-                <a:lumOff val="0"/>
-                <a:alphaOff val="0"/>
-                <a:tint val="15000"/>
-                <a:satMod val="350000"/>
-              </a:schemeClr>
-            </a:gs>
-          </a:gsLst>
-          <a:lin ang="16200000" scaled="1"/>
-        </a:gradFill>
-        <a:ln>
-          <a:noFill/>
-        </a:ln>
-        <a:effectLst>
-          <a:outerShdw blurRad="40000" dist="20000" dir="5400000" rotWithShape="0">
-            <a:srgbClr val="000000">
-              <a:alpha val="38000"/>
-            </a:srgbClr>
-          </a:outerShdw>
-        </a:effectLst>
-        <a:scene3d>
-          <a:camera prst="orthographicFront"/>
-          <a:lightRig rig="flat" dir="t"/>
-        </a:scene3d>
-        <a:sp3d prstMaterial="dkEdge">
-          <a:bevelT w="8200" h="38100"/>
-        </a:sp3d>
-      </dsp:spPr>
-      <dsp:style>
-        <a:lnRef idx="0">
-          <a:scrgbClr r="0" g="0" b="0"/>
-        </a:lnRef>
-        <a:fillRef idx="2">
-          <a:scrgbClr r="0" g="0" b="0"/>
-        </a:fillRef>
-        <a:effectRef idx="1">
-          <a:scrgbClr r="0" g="0" b="0"/>
-        </a:effectRef>
-        <a:fontRef idx="minor">
-          <a:schemeClr val="dk1"/>
-        </a:fontRef>
-      </dsp:style>
-      <dsp:txBody>
-        <a:bodyPr spcFirstLastPara="0" vert="horz" wrap="square" lIns="49530" tIns="49530" rIns="49530" bIns="49530" numCol="1" spcCol="1270" anchor="ctr" anchorCtr="0">
-          <a:noAutofit/>
-        </a:bodyPr>
-        <a:lstStyle/>
-        <a:p>
-          <a:pPr lvl="0" algn="ctr" defTabSz="577850">
-            <a:lnSpc>
-              <a:spcPct val="90000"/>
-            </a:lnSpc>
-            <a:spcBef>
-              <a:spcPct val="0"/>
-            </a:spcBef>
-            <a:spcAft>
-              <a:spcPct val="35000"/>
-            </a:spcAft>
-          </a:pPr>
-          <a:r>
-            <a:rPr lang="fr-FR" sz="1300" kern="1200" dirty="0" smtClean="0"/>
-            <a:t>Réaliser un mode opératoire idéal</a:t>
-          </a:r>
-          <a:endParaRPr lang="fr-FR" sz="1300" kern="1200" dirty="0"/>
-        </a:p>
-      </dsp:txBody>
-      <dsp:txXfrm>
-        <a:off x="3860536" y="3209203"/>
-        <a:ext cx="1135911" cy="1360479"/>
-      </dsp:txXfrm>
-    </dsp:sp>
-    <dsp:sp modelId="{CE50A06F-4BDD-4FF2-BEDA-4F350336D88E}">
-      <dsp:nvSpPr>
-        <dsp:cNvPr id="0" name=""/>
-        <dsp:cNvSpPr/>
-      </dsp:nvSpPr>
-      <dsp:spPr>
-        <a:xfrm>
-          <a:off x="5082464" y="3173863"/>
-          <a:ext cx="1206591" cy="1431159"/>
-        </a:xfrm>
-        <a:prstGeom prst="roundRect">
-          <a:avLst>
-            <a:gd name="adj" fmla="val 10000"/>
-          </a:avLst>
-        </a:prstGeom>
-        <a:gradFill rotWithShape="0">
-          <a:gsLst>
-            <a:gs pos="0">
-              <a:schemeClr val="accent5">
-                <a:hueOff val="0"/>
-                <a:satOff val="0"/>
-                <a:lumOff val="0"/>
-                <a:alphaOff val="0"/>
-                <a:tint val="50000"/>
-                <a:satMod val="300000"/>
-              </a:schemeClr>
-            </a:gs>
-            <a:gs pos="35000">
-              <a:schemeClr val="accent5">
-                <a:hueOff val="0"/>
-                <a:satOff val="0"/>
-                <a:lumOff val="0"/>
-                <a:alphaOff val="0"/>
-                <a:tint val="37000"/>
-                <a:satMod val="300000"/>
-              </a:schemeClr>
-            </a:gs>
-            <a:gs pos="100000">
-              <a:schemeClr val="accent5">
-                <a:hueOff val="0"/>
-                <a:satOff val="0"/>
-                <a:lumOff val="0"/>
-                <a:alphaOff val="0"/>
-                <a:tint val="15000"/>
-                <a:satMod val="350000"/>
-              </a:schemeClr>
-            </a:gs>
-          </a:gsLst>
-          <a:lin ang="16200000" scaled="1"/>
-        </a:gradFill>
-        <a:ln>
-          <a:noFill/>
-        </a:ln>
-        <a:effectLst>
-          <a:outerShdw blurRad="40000" dist="20000" dir="5400000" rotWithShape="0">
-            <a:srgbClr val="000000">
-              <a:alpha val="38000"/>
-            </a:srgbClr>
-          </a:outerShdw>
-        </a:effectLst>
-        <a:scene3d>
-          <a:camera prst="orthographicFront"/>
-          <a:lightRig rig="flat" dir="t"/>
-        </a:scene3d>
-        <a:sp3d prstMaterial="dkEdge">
-          <a:bevelT w="8200" h="38100"/>
-        </a:sp3d>
-      </dsp:spPr>
-      <dsp:style>
-        <a:lnRef idx="0">
-          <a:scrgbClr r="0" g="0" b="0"/>
-        </a:lnRef>
-        <a:fillRef idx="2">
-          <a:scrgbClr r="0" g="0" b="0"/>
-        </a:fillRef>
-        <a:effectRef idx="1">
-          <a:scrgbClr r="0" g="0" b="0"/>
-        </a:effectRef>
-        <a:fontRef idx="minor">
-          <a:schemeClr val="dk1"/>
-        </a:fontRef>
-      </dsp:style>
-      <dsp:txBody>
-        <a:bodyPr spcFirstLastPara="0" vert="horz" wrap="square" lIns="49530" tIns="49530" rIns="49530" bIns="49530" numCol="1" spcCol="1270" anchor="ctr" anchorCtr="0">
-          <a:noAutofit/>
-        </a:bodyPr>
-        <a:lstStyle/>
-        <a:p>
-          <a:pPr lvl="0" algn="ctr" defTabSz="577850">
-            <a:lnSpc>
-              <a:spcPct val="90000"/>
-            </a:lnSpc>
-            <a:spcBef>
-              <a:spcPct val="0"/>
-            </a:spcBef>
-            <a:spcAft>
-              <a:spcPct val="35000"/>
-            </a:spcAft>
-          </a:pPr>
-          <a:r>
-            <a:rPr lang="fr-FR" sz="1300" kern="1200" dirty="0" smtClean="0"/>
-            <a:t>Améliorer les conditions de travail : outillage, machine</a:t>
-          </a:r>
-          <a:endParaRPr lang="fr-FR" sz="1300" kern="1200" dirty="0"/>
-        </a:p>
-      </dsp:txBody>
-      <dsp:txXfrm>
-        <a:off x="5117804" y="3209203"/>
-        <a:ext cx="1135911" cy="1360479"/>
-      </dsp:txXfrm>
-    </dsp:sp>
-    <dsp:sp modelId="{7054E40A-554B-489A-B7E0-24B8C02ACE77}">
-      <dsp:nvSpPr>
-        <dsp:cNvPr id="0" name=""/>
-        <dsp:cNvSpPr/>
-      </dsp:nvSpPr>
-      <dsp:spPr>
-        <a:xfrm>
-          <a:off x="6390409" y="1588676"/>
-          <a:ext cx="2463858" cy="1431159"/>
-        </a:xfrm>
-        <a:prstGeom prst="roundRect">
-          <a:avLst>
-            <a:gd name="adj" fmla="val 10000"/>
-          </a:avLst>
-        </a:prstGeom>
-        <a:gradFill rotWithShape="0">
-          <a:gsLst>
-            <a:gs pos="0">
-              <a:schemeClr val="accent4">
-                <a:hueOff val="0"/>
-                <a:satOff val="0"/>
-                <a:lumOff val="0"/>
-                <a:alphaOff val="0"/>
-                <a:tint val="50000"/>
-                <a:satMod val="300000"/>
-              </a:schemeClr>
-            </a:gs>
-            <a:gs pos="35000">
-              <a:schemeClr val="accent4">
-                <a:hueOff val="0"/>
-                <a:satOff val="0"/>
-                <a:lumOff val="0"/>
-                <a:alphaOff val="0"/>
-                <a:tint val="37000"/>
-                <a:satMod val="300000"/>
-              </a:schemeClr>
-            </a:gs>
-            <a:gs pos="100000">
-              <a:schemeClr val="accent4">
-                <a:hueOff val="0"/>
-                <a:satOff val="0"/>
-                <a:lumOff val="0"/>
-                <a:alphaOff val="0"/>
-                <a:tint val="15000"/>
-                <a:satMod val="350000"/>
-              </a:schemeClr>
-            </a:gs>
-          </a:gsLst>
-          <a:lin ang="16200000" scaled="1"/>
-        </a:gradFill>
-        <a:ln>
-          <a:noFill/>
-        </a:ln>
-        <a:effectLst>
-          <a:outerShdw blurRad="40000" dist="20000" dir="5400000" rotWithShape="0">
-            <a:srgbClr val="000000">
-              <a:alpha val="38000"/>
-            </a:srgbClr>
-          </a:outerShdw>
-        </a:effectLst>
-        <a:scene3d>
-          <a:camera prst="orthographicFront"/>
-          <a:lightRig rig="flat" dir="t"/>
-        </a:scene3d>
-        <a:sp3d prstMaterial="dkEdge">
-          <a:bevelT w="8200" h="38100"/>
-        </a:sp3d>
-      </dsp:spPr>
-      <dsp:style>
-        <a:lnRef idx="0">
-          <a:scrgbClr r="0" g="0" b="0"/>
-        </a:lnRef>
-        <a:fillRef idx="2">
-          <a:scrgbClr r="0" g="0" b="0"/>
-        </a:fillRef>
-        <a:effectRef idx="1">
-          <a:scrgbClr r="0" g="0" b="0"/>
-        </a:effectRef>
-        <a:fontRef idx="minor">
-          <a:schemeClr val="dk1"/>
-        </a:fontRef>
-      </dsp:style>
-      <dsp:txBody>
-        <a:bodyPr spcFirstLastPara="0" vert="horz" wrap="square" lIns="102870" tIns="102870" rIns="102870" bIns="102870" numCol="1" spcCol="1270" anchor="ctr" anchorCtr="0">
-          <a:noAutofit/>
-        </a:bodyPr>
-        <a:lstStyle/>
-        <a:p>
-          <a:pPr lvl="0" algn="ctr" defTabSz="1200150">
-            <a:lnSpc>
-              <a:spcPct val="90000"/>
-            </a:lnSpc>
-            <a:spcBef>
-              <a:spcPct val="0"/>
-            </a:spcBef>
-            <a:spcAft>
-              <a:spcPct val="35000"/>
-            </a:spcAft>
-          </a:pPr>
-          <a:r>
-            <a:rPr lang="fr-FR" sz="2700" kern="1200" dirty="0" smtClean="0"/>
-            <a:t>Prescrire les taches</a:t>
-          </a:r>
-          <a:endParaRPr lang="fr-FR" sz="2700" kern="1200" dirty="0"/>
-        </a:p>
-      </dsp:txBody>
-      <dsp:txXfrm>
-        <a:off x="6432326" y="1630593"/>
-        <a:ext cx="2380024" cy="1347325"/>
-      </dsp:txXfrm>
-    </dsp:sp>
-    <dsp:sp modelId="{5C18094B-D637-4966-AECE-74DDA662D778}">
-      <dsp:nvSpPr>
-        <dsp:cNvPr id="0" name=""/>
-        <dsp:cNvSpPr/>
-      </dsp:nvSpPr>
-      <dsp:spPr>
-        <a:xfrm>
-          <a:off x="6390409" y="3173863"/>
-          <a:ext cx="1206591" cy="1431159"/>
-        </a:xfrm>
-        <a:prstGeom prst="roundRect">
-          <a:avLst>
-            <a:gd name="adj" fmla="val 10000"/>
-          </a:avLst>
-        </a:prstGeom>
-        <a:gradFill rotWithShape="0">
-          <a:gsLst>
-            <a:gs pos="0">
-              <a:schemeClr val="accent5">
-                <a:hueOff val="0"/>
-                <a:satOff val="0"/>
-                <a:lumOff val="0"/>
-                <a:alphaOff val="0"/>
-                <a:tint val="50000"/>
-                <a:satMod val="300000"/>
-              </a:schemeClr>
-            </a:gs>
-            <a:gs pos="35000">
-              <a:schemeClr val="accent5">
-                <a:hueOff val="0"/>
-                <a:satOff val="0"/>
-                <a:lumOff val="0"/>
-                <a:alphaOff val="0"/>
-                <a:tint val="37000"/>
-                <a:satMod val="300000"/>
-              </a:schemeClr>
-            </a:gs>
-            <a:gs pos="100000">
-              <a:schemeClr val="accent5">
-                <a:hueOff val="0"/>
-                <a:satOff val="0"/>
-                <a:lumOff val="0"/>
-                <a:alphaOff val="0"/>
-                <a:tint val="15000"/>
-                <a:satMod val="350000"/>
-              </a:schemeClr>
-            </a:gs>
-          </a:gsLst>
-          <a:lin ang="16200000" scaled="1"/>
-        </a:gradFill>
-        <a:ln>
-          <a:noFill/>
-        </a:ln>
-        <a:effectLst>
-          <a:outerShdw blurRad="40000" dist="20000" dir="5400000" rotWithShape="0">
-            <a:srgbClr val="000000">
-              <a:alpha val="38000"/>
-            </a:srgbClr>
-          </a:outerShdw>
-        </a:effectLst>
-        <a:scene3d>
-          <a:camera prst="orthographicFront"/>
-          <a:lightRig rig="flat" dir="t"/>
-        </a:scene3d>
-        <a:sp3d prstMaterial="dkEdge">
-          <a:bevelT w="8200" h="38100"/>
-        </a:sp3d>
-      </dsp:spPr>
-      <dsp:style>
-        <a:lnRef idx="0">
-          <a:scrgbClr r="0" g="0" b="0"/>
-        </a:lnRef>
-        <a:fillRef idx="2">
-          <a:scrgbClr r="0" g="0" b="0"/>
-        </a:fillRef>
-        <a:effectRef idx="1">
-          <a:scrgbClr r="0" g="0" b="0"/>
-        </a:effectRef>
-        <a:fontRef idx="minor">
-          <a:schemeClr val="dk1"/>
-        </a:fontRef>
-      </dsp:style>
-      <dsp:txBody>
-        <a:bodyPr spcFirstLastPara="0" vert="horz" wrap="square" lIns="49530" tIns="49530" rIns="49530" bIns="49530" numCol="1" spcCol="1270" anchor="ctr" anchorCtr="0">
-          <a:noAutofit/>
-        </a:bodyPr>
-        <a:lstStyle/>
-        <a:p>
-          <a:pPr lvl="0" algn="ctr" defTabSz="577850">
-            <a:lnSpc>
-              <a:spcPct val="90000"/>
-            </a:lnSpc>
-            <a:spcBef>
-              <a:spcPct val="0"/>
-            </a:spcBef>
-            <a:spcAft>
-              <a:spcPct val="35000"/>
-            </a:spcAft>
-          </a:pPr>
-          <a:r>
-            <a:rPr lang="fr-FR" sz="1300" kern="1200" dirty="0" smtClean="0"/>
-            <a:t>Traduire le savoir en mécanismes opérationnels</a:t>
-          </a:r>
-          <a:endParaRPr lang="fr-FR" sz="1300" kern="1200" dirty="0"/>
-        </a:p>
-      </dsp:txBody>
-      <dsp:txXfrm>
-        <a:off x="6425749" y="3209203"/>
-        <a:ext cx="1135911" cy="1360479"/>
-      </dsp:txXfrm>
-    </dsp:sp>
-    <dsp:sp modelId="{C98EC985-3333-4A6C-B1EA-A2AF82627990}">
-      <dsp:nvSpPr>
-        <dsp:cNvPr id="0" name=""/>
-        <dsp:cNvSpPr/>
-      </dsp:nvSpPr>
-      <dsp:spPr>
-        <a:xfrm>
-          <a:off x="7647677" y="3173863"/>
-          <a:ext cx="1206591" cy="1431159"/>
-        </a:xfrm>
-        <a:prstGeom prst="roundRect">
-          <a:avLst>
-            <a:gd name="adj" fmla="val 10000"/>
-          </a:avLst>
-        </a:prstGeom>
-        <a:gradFill rotWithShape="0">
-          <a:gsLst>
-            <a:gs pos="0">
-              <a:schemeClr val="accent5">
-                <a:hueOff val="0"/>
-                <a:satOff val="0"/>
-                <a:lumOff val="0"/>
-                <a:alphaOff val="0"/>
-                <a:tint val="50000"/>
-                <a:satMod val="300000"/>
-              </a:schemeClr>
-            </a:gs>
-            <a:gs pos="35000">
-              <a:schemeClr val="accent5">
-                <a:hueOff val="0"/>
-                <a:satOff val="0"/>
-                <a:lumOff val="0"/>
-                <a:alphaOff val="0"/>
-                <a:tint val="37000"/>
-                <a:satMod val="300000"/>
-              </a:schemeClr>
-            </a:gs>
-            <a:gs pos="100000">
-              <a:schemeClr val="accent5">
-                <a:hueOff val="0"/>
-                <a:satOff val="0"/>
-                <a:lumOff val="0"/>
-                <a:alphaOff val="0"/>
-                <a:tint val="15000"/>
-                <a:satMod val="350000"/>
-              </a:schemeClr>
-            </a:gs>
-          </a:gsLst>
-          <a:lin ang="16200000" scaled="1"/>
-        </a:gradFill>
-        <a:ln>
-          <a:noFill/>
-        </a:ln>
-        <a:effectLst>
-          <a:outerShdw blurRad="40000" dist="20000" dir="5400000" rotWithShape="0">
-            <a:srgbClr val="000000">
-              <a:alpha val="38000"/>
-            </a:srgbClr>
-          </a:outerShdw>
-        </a:effectLst>
-        <a:scene3d>
-          <a:camera prst="orthographicFront"/>
-          <a:lightRig rig="flat" dir="t"/>
-        </a:scene3d>
-        <a:sp3d prstMaterial="dkEdge">
-          <a:bevelT w="8200" h="38100"/>
-        </a:sp3d>
-      </dsp:spPr>
-      <dsp:style>
-        <a:lnRef idx="0">
-          <a:scrgbClr r="0" g="0" b="0"/>
-        </a:lnRef>
-        <a:fillRef idx="2">
-          <a:scrgbClr r="0" g="0" b="0"/>
-        </a:fillRef>
-        <a:effectRef idx="1">
-          <a:scrgbClr r="0" g="0" b="0"/>
-        </a:effectRef>
-        <a:fontRef idx="minor">
-          <a:schemeClr val="dk1"/>
-        </a:fontRef>
-      </dsp:style>
-      <dsp:txBody>
-        <a:bodyPr spcFirstLastPara="0" vert="horz" wrap="square" lIns="49530" tIns="49530" rIns="49530" bIns="49530" numCol="1" spcCol="1270" anchor="ctr" anchorCtr="0">
-          <a:noAutofit/>
-        </a:bodyPr>
-        <a:lstStyle/>
-        <a:p>
-          <a:pPr lvl="0" algn="ctr" defTabSz="577850">
-            <a:lnSpc>
-              <a:spcPct val="90000"/>
-            </a:lnSpc>
-            <a:spcBef>
-              <a:spcPct val="0"/>
-            </a:spcBef>
-            <a:spcAft>
-              <a:spcPct val="35000"/>
-            </a:spcAft>
-          </a:pPr>
-          <a:r>
-            <a:rPr lang="fr-FR" sz="1300" kern="1200" dirty="0" smtClean="0"/>
-            <a:t>Mettre en place la structure capable de faire respecter l’organisation</a:t>
-          </a:r>
-          <a:endParaRPr lang="fr-FR" sz="1300" kern="1200" dirty="0"/>
-        </a:p>
-      </dsp:txBody>
-      <dsp:txXfrm>
-        <a:off x="7683017" y="3209203"/>
-        <a:ext cx="1135911" cy="1360479"/>
-      </dsp:txXfrm>
-    </dsp:sp>
   </dsp:spTree>
 </dsp:drawing>
 </file>
@@ -7621,672 +6368,6 @@
       <dsp:cNvGrpSpPr/>
     </dsp:nvGrpSpPr>
     <dsp:grpSpPr/>
-    <dsp:sp modelId="{4779862D-4A4F-4D46-8AAC-FA00A8B7A0BA}">
-      <dsp:nvSpPr>
-        <dsp:cNvPr id="0" name=""/>
-        <dsp:cNvSpPr/>
-      </dsp:nvSpPr>
-      <dsp:spPr>
-        <a:xfrm>
-          <a:off x="-4711063" y="-722153"/>
-          <a:ext cx="5611480" cy="5611480"/>
-        </a:xfrm>
-        <a:prstGeom prst="blockArc">
-          <a:avLst>
-            <a:gd name="adj1" fmla="val 18900000"/>
-            <a:gd name="adj2" fmla="val 2700000"/>
-            <a:gd name="adj3" fmla="val 385"/>
-          </a:avLst>
-        </a:prstGeom>
-        <a:noFill/>
-        <a:ln w="25400" cap="flat" cmpd="sng" algn="ctr">
-          <a:solidFill>
-            <a:schemeClr val="accent4">
-              <a:hueOff val="0"/>
-              <a:satOff val="0"/>
-              <a:lumOff val="0"/>
-              <a:alphaOff val="0"/>
-            </a:schemeClr>
-          </a:solidFill>
-          <a:prstDash val="solid"/>
-        </a:ln>
-        <a:effectLst/>
-      </dsp:spPr>
-      <dsp:style>
-        <a:lnRef idx="2">
-          <a:scrgbClr r="0" g="0" b="0"/>
-        </a:lnRef>
-        <a:fillRef idx="0">
-          <a:scrgbClr r="0" g="0" b="0"/>
-        </a:fillRef>
-        <a:effectRef idx="0">
-          <a:scrgbClr r="0" g="0" b="0"/>
-        </a:effectRef>
-        <a:fontRef idx="minor"/>
-      </dsp:style>
-    </dsp:sp>
-    <dsp:sp modelId="{4E61AB1C-B080-4A94-B03E-BBED9EA5ECBE}">
-      <dsp:nvSpPr>
-        <dsp:cNvPr id="0" name=""/>
-        <dsp:cNvSpPr/>
-      </dsp:nvSpPr>
-      <dsp:spPr>
-        <a:xfrm>
-          <a:off x="579094" y="416717"/>
-          <a:ext cx="6204850" cy="833434"/>
-        </a:xfrm>
-        <a:prstGeom prst="rect">
-          <a:avLst/>
-        </a:prstGeom>
-        <a:gradFill rotWithShape="0">
-          <a:gsLst>
-            <a:gs pos="0">
-              <a:schemeClr val="accent3">
-                <a:hueOff val="0"/>
-                <a:satOff val="0"/>
-                <a:lumOff val="0"/>
-                <a:alphaOff val="0"/>
-                <a:tint val="50000"/>
-                <a:satMod val="300000"/>
-              </a:schemeClr>
-            </a:gs>
-            <a:gs pos="35000">
-              <a:schemeClr val="accent3">
-                <a:hueOff val="0"/>
-                <a:satOff val="0"/>
-                <a:lumOff val="0"/>
-                <a:alphaOff val="0"/>
-                <a:tint val="37000"/>
-                <a:satMod val="300000"/>
-              </a:schemeClr>
-            </a:gs>
-            <a:gs pos="100000">
-              <a:schemeClr val="accent3">
-                <a:hueOff val="0"/>
-                <a:satOff val="0"/>
-                <a:lumOff val="0"/>
-                <a:alphaOff val="0"/>
-                <a:tint val="15000"/>
-                <a:satMod val="350000"/>
-              </a:schemeClr>
-            </a:gs>
-          </a:gsLst>
-          <a:lin ang="16200000" scaled="1"/>
-        </a:gradFill>
-        <a:ln>
-          <a:noFill/>
-        </a:ln>
-        <a:effectLst>
-          <a:outerShdw blurRad="40000" dist="20000" dir="5400000" rotWithShape="0">
-            <a:srgbClr val="000000">
-              <a:alpha val="38000"/>
-            </a:srgbClr>
-          </a:outerShdw>
-        </a:effectLst>
-        <a:scene3d>
-          <a:camera prst="orthographicFront"/>
-          <a:lightRig rig="flat" dir="t"/>
-        </a:scene3d>
-        <a:sp3d prstMaterial="dkEdge">
-          <a:bevelT w="8200" h="38100"/>
-        </a:sp3d>
-      </dsp:spPr>
-      <dsp:style>
-        <a:lnRef idx="0">
-          <a:scrgbClr r="0" g="0" b="0"/>
-        </a:lnRef>
-        <a:fillRef idx="2">
-          <a:scrgbClr r="0" g="0" b="0"/>
-        </a:fillRef>
-        <a:effectRef idx="1">
-          <a:scrgbClr r="0" g="0" b="0"/>
-        </a:effectRef>
-        <a:fontRef idx="minor">
-          <a:schemeClr val="dk1"/>
-        </a:fontRef>
-      </dsp:style>
-      <dsp:txBody>
-        <a:bodyPr spcFirstLastPara="0" vert="horz" wrap="square" lIns="661539" tIns="43180" rIns="43180" bIns="43180" numCol="1" spcCol="1270" anchor="ctr" anchorCtr="0">
-          <a:noAutofit/>
-        </a:bodyPr>
-        <a:lstStyle/>
-        <a:p>
-          <a:pPr lvl="0" algn="l" defTabSz="755650">
-            <a:lnSpc>
-              <a:spcPct val="90000"/>
-            </a:lnSpc>
-            <a:spcBef>
-              <a:spcPct val="0"/>
-            </a:spcBef>
-            <a:spcAft>
-              <a:spcPct val="35000"/>
-            </a:spcAft>
-          </a:pPr>
-          <a:r>
-            <a:rPr lang="fr-FR" sz="1700" kern="1200" dirty="0" smtClean="0"/>
-            <a:t>1</a:t>
-          </a:r>
-          <a:r>
-            <a:rPr lang="fr-FR" sz="1700" kern="1200" baseline="30000" dirty="0" smtClean="0"/>
-            <a:t>er</a:t>
-          </a:r>
-          <a:r>
-            <a:rPr lang="fr-FR" sz="1700" kern="1200" dirty="0" smtClean="0"/>
-            <a:t> : identifier les hommes de </a:t>
-          </a:r>
-          <a:r>
-            <a:rPr lang="fr-FR" sz="1700" b="1" kern="1200" dirty="0" smtClean="0"/>
-            <a:t>première classe</a:t>
-          </a:r>
-          <a:r>
-            <a:rPr lang="fr-FR" sz="1700" kern="1200" dirty="0" smtClean="0"/>
-            <a:t>, </a:t>
-          </a:r>
-        </a:p>
-        <a:p>
-          <a:pPr lvl="0" algn="l" defTabSz="755650">
-            <a:lnSpc>
-              <a:spcPct val="90000"/>
-            </a:lnSpc>
-            <a:spcBef>
-              <a:spcPct val="0"/>
-            </a:spcBef>
-            <a:spcAft>
-              <a:spcPct val="35000"/>
-            </a:spcAft>
-          </a:pPr>
-          <a:r>
-            <a:rPr lang="fr-FR" sz="1700" kern="1200" dirty="0" smtClean="0"/>
-            <a:t>« ceux qui conviennent le mieux à une tache donnée »</a:t>
-          </a:r>
-          <a:endParaRPr lang="fr-FR" sz="1700" kern="1200" dirty="0"/>
-        </a:p>
-      </dsp:txBody>
-      <dsp:txXfrm>
-        <a:off x="579094" y="416717"/>
-        <a:ext cx="6204850" cy="833434"/>
-      </dsp:txXfrm>
-    </dsp:sp>
-    <dsp:sp modelId="{A9C21E82-2246-4964-B3BF-DC3D071A0DDA}">
-      <dsp:nvSpPr>
-        <dsp:cNvPr id="0" name=""/>
-        <dsp:cNvSpPr/>
-      </dsp:nvSpPr>
-      <dsp:spPr>
-        <a:xfrm>
-          <a:off x="58197" y="312537"/>
-          <a:ext cx="1041793" cy="1041793"/>
-        </a:xfrm>
-        <a:prstGeom prst="ellipse">
-          <a:avLst/>
-        </a:prstGeom>
-        <a:gradFill rotWithShape="0">
-          <a:gsLst>
-            <a:gs pos="0">
-              <a:schemeClr val="lt1">
-                <a:hueOff val="0"/>
-                <a:satOff val="0"/>
-                <a:lumOff val="0"/>
-                <a:alphaOff val="0"/>
-                <a:tint val="50000"/>
-                <a:satMod val="300000"/>
-              </a:schemeClr>
-            </a:gs>
-            <a:gs pos="35000">
-              <a:schemeClr val="lt1">
-                <a:hueOff val="0"/>
-                <a:satOff val="0"/>
-                <a:lumOff val="0"/>
-                <a:alphaOff val="0"/>
-                <a:tint val="37000"/>
-                <a:satMod val="300000"/>
-              </a:schemeClr>
-            </a:gs>
-            <a:gs pos="100000">
-              <a:schemeClr val="lt1">
-                <a:hueOff val="0"/>
-                <a:satOff val="0"/>
-                <a:lumOff val="0"/>
-                <a:alphaOff val="0"/>
-                <a:tint val="15000"/>
-                <a:satMod val="350000"/>
-              </a:schemeClr>
-            </a:gs>
-          </a:gsLst>
-          <a:lin ang="16200000" scaled="1"/>
-        </a:gradFill>
-        <a:ln w="9525" cap="flat" cmpd="sng" algn="ctr">
-          <a:solidFill>
-            <a:schemeClr val="accent3">
-              <a:hueOff val="0"/>
-              <a:satOff val="0"/>
-              <a:lumOff val="0"/>
-              <a:alphaOff val="0"/>
-            </a:schemeClr>
-          </a:solidFill>
-          <a:prstDash val="solid"/>
-        </a:ln>
-        <a:effectLst/>
-      </dsp:spPr>
-      <dsp:style>
-        <a:lnRef idx="1">
-          <a:scrgbClr r="0" g="0" b="0"/>
-        </a:lnRef>
-        <a:fillRef idx="2">
-          <a:scrgbClr r="0" g="0" b="0"/>
-        </a:fillRef>
-        <a:effectRef idx="0">
-          <a:scrgbClr r="0" g="0" b="0"/>
-        </a:effectRef>
-        <a:fontRef idx="minor"/>
-      </dsp:style>
-    </dsp:sp>
-    <dsp:sp modelId="{4EF7A3ED-E4B2-42B5-92DD-EC9A84BF7D21}">
-      <dsp:nvSpPr>
-        <dsp:cNvPr id="0" name=""/>
-        <dsp:cNvSpPr/>
-      </dsp:nvSpPr>
-      <dsp:spPr>
-        <a:xfrm>
-          <a:off x="882047" y="1666869"/>
-          <a:ext cx="5901896" cy="833434"/>
-        </a:xfrm>
-        <a:prstGeom prst="rect">
-          <a:avLst/>
-        </a:prstGeom>
-        <a:gradFill rotWithShape="0">
-          <a:gsLst>
-            <a:gs pos="0">
-              <a:schemeClr val="accent3">
-                <a:hueOff val="5625132"/>
-                <a:satOff val="-8440"/>
-                <a:lumOff val="-1373"/>
-                <a:alphaOff val="0"/>
-                <a:tint val="50000"/>
-                <a:satMod val="300000"/>
-              </a:schemeClr>
-            </a:gs>
-            <a:gs pos="35000">
-              <a:schemeClr val="accent3">
-                <a:hueOff val="5625132"/>
-                <a:satOff val="-8440"/>
-                <a:lumOff val="-1373"/>
-                <a:alphaOff val="0"/>
-                <a:tint val="37000"/>
-                <a:satMod val="300000"/>
-              </a:schemeClr>
-            </a:gs>
-            <a:gs pos="100000">
-              <a:schemeClr val="accent3">
-                <a:hueOff val="5625132"/>
-                <a:satOff val="-8440"/>
-                <a:lumOff val="-1373"/>
-                <a:alphaOff val="0"/>
-                <a:tint val="15000"/>
-                <a:satMod val="350000"/>
-              </a:schemeClr>
-            </a:gs>
-          </a:gsLst>
-          <a:lin ang="16200000" scaled="1"/>
-        </a:gradFill>
-        <a:ln>
-          <a:noFill/>
-        </a:ln>
-        <a:effectLst>
-          <a:outerShdw blurRad="40000" dist="20000" dir="5400000" rotWithShape="0">
-            <a:srgbClr val="000000">
-              <a:alpha val="38000"/>
-            </a:srgbClr>
-          </a:outerShdw>
-        </a:effectLst>
-        <a:scene3d>
-          <a:camera prst="orthographicFront"/>
-          <a:lightRig rig="flat" dir="t"/>
-        </a:scene3d>
-        <a:sp3d prstMaterial="dkEdge">
-          <a:bevelT w="8200" h="38100"/>
-        </a:sp3d>
-      </dsp:spPr>
-      <dsp:style>
-        <a:lnRef idx="0">
-          <a:scrgbClr r="0" g="0" b="0"/>
-        </a:lnRef>
-        <a:fillRef idx="2">
-          <a:scrgbClr r="0" g="0" b="0"/>
-        </a:fillRef>
-        <a:effectRef idx="1">
-          <a:scrgbClr r="0" g="0" b="0"/>
-        </a:effectRef>
-        <a:fontRef idx="minor">
-          <a:schemeClr val="dk1"/>
-        </a:fontRef>
-      </dsp:style>
-      <dsp:txBody>
-        <a:bodyPr spcFirstLastPara="0" vert="horz" wrap="square" lIns="661539" tIns="43180" rIns="43180" bIns="43180" numCol="1" spcCol="1270" anchor="ctr" anchorCtr="0">
-          <a:noAutofit/>
-        </a:bodyPr>
-        <a:lstStyle/>
-        <a:p>
-          <a:pPr lvl="0" algn="l" defTabSz="755650">
-            <a:lnSpc>
-              <a:spcPct val="90000"/>
-            </a:lnSpc>
-            <a:spcBef>
-              <a:spcPct val="0"/>
-            </a:spcBef>
-            <a:spcAft>
-              <a:spcPct val="35000"/>
-            </a:spcAft>
-          </a:pPr>
-          <a:r>
-            <a:rPr lang="fr-FR" sz="1700" kern="1200" dirty="0" smtClean="0"/>
-            <a:t>2</a:t>
-          </a:r>
-          <a:r>
-            <a:rPr lang="fr-FR" sz="1700" kern="1200" baseline="30000" dirty="0" smtClean="0"/>
-            <a:t>ème</a:t>
-          </a:r>
-          <a:r>
-            <a:rPr lang="fr-FR" sz="1700" kern="1200" dirty="0" smtClean="0"/>
-            <a:t> : </a:t>
-          </a:r>
-          <a:r>
-            <a:rPr lang="fr-FR" sz="1700" b="1" kern="1200" dirty="0" smtClean="0"/>
-            <a:t>recruter et former</a:t>
-          </a:r>
-          <a:r>
-            <a:rPr lang="fr-FR" sz="1700" kern="1200" dirty="0" smtClean="0"/>
-            <a:t> ces ouvriers </a:t>
-          </a:r>
-          <a:endParaRPr lang="fr-FR" sz="1700" kern="1200" dirty="0"/>
-        </a:p>
-      </dsp:txBody>
-      <dsp:txXfrm>
-        <a:off x="882047" y="1666869"/>
-        <a:ext cx="5901896" cy="833434"/>
-      </dsp:txXfrm>
-    </dsp:sp>
-    <dsp:sp modelId="{83DAD6F5-EBA3-4A00-BCA2-B69D25F6675E}">
-      <dsp:nvSpPr>
-        <dsp:cNvPr id="0" name=""/>
-        <dsp:cNvSpPr/>
-      </dsp:nvSpPr>
-      <dsp:spPr>
-        <a:xfrm>
-          <a:off x="361151" y="1562689"/>
-          <a:ext cx="1041793" cy="1041793"/>
-        </a:xfrm>
-        <a:prstGeom prst="ellipse">
-          <a:avLst/>
-        </a:prstGeom>
-        <a:gradFill rotWithShape="0">
-          <a:gsLst>
-            <a:gs pos="0">
-              <a:schemeClr val="lt1">
-                <a:hueOff val="0"/>
-                <a:satOff val="0"/>
-                <a:lumOff val="0"/>
-                <a:alphaOff val="0"/>
-                <a:tint val="50000"/>
-                <a:satMod val="300000"/>
-              </a:schemeClr>
-            </a:gs>
-            <a:gs pos="35000">
-              <a:schemeClr val="lt1">
-                <a:hueOff val="0"/>
-                <a:satOff val="0"/>
-                <a:lumOff val="0"/>
-                <a:alphaOff val="0"/>
-                <a:tint val="37000"/>
-                <a:satMod val="300000"/>
-              </a:schemeClr>
-            </a:gs>
-            <a:gs pos="100000">
-              <a:schemeClr val="lt1">
-                <a:hueOff val="0"/>
-                <a:satOff val="0"/>
-                <a:lumOff val="0"/>
-                <a:alphaOff val="0"/>
-                <a:tint val="15000"/>
-                <a:satMod val="350000"/>
-              </a:schemeClr>
-            </a:gs>
-          </a:gsLst>
-          <a:lin ang="16200000" scaled="1"/>
-        </a:gradFill>
-        <a:ln w="9525" cap="flat" cmpd="sng" algn="ctr">
-          <a:solidFill>
-            <a:schemeClr val="accent3">
-              <a:hueOff val="5625132"/>
-              <a:satOff val="-8440"/>
-              <a:lumOff val="-1373"/>
-              <a:alphaOff val="0"/>
-            </a:schemeClr>
-          </a:solidFill>
-          <a:prstDash val="solid"/>
-        </a:ln>
-        <a:effectLst/>
-      </dsp:spPr>
-      <dsp:style>
-        <a:lnRef idx="1">
-          <a:scrgbClr r="0" g="0" b="0"/>
-        </a:lnRef>
-        <a:fillRef idx="2">
-          <a:scrgbClr r="0" g="0" b="0"/>
-        </a:fillRef>
-        <a:effectRef idx="0">
-          <a:scrgbClr r="0" g="0" b="0"/>
-        </a:effectRef>
-        <a:fontRef idx="minor"/>
-      </dsp:style>
-    </dsp:sp>
-    <dsp:sp modelId="{2005246C-7781-4553-AFD3-6E689698AD23}">
-      <dsp:nvSpPr>
-        <dsp:cNvPr id="0" name=""/>
-        <dsp:cNvSpPr/>
-      </dsp:nvSpPr>
-      <dsp:spPr>
-        <a:xfrm>
-          <a:off x="635910" y="2943040"/>
-          <a:ext cx="6204850" cy="833434"/>
-        </a:xfrm>
-        <a:prstGeom prst="rect">
-          <a:avLst/>
-        </a:prstGeom>
-        <a:gradFill rotWithShape="0">
-          <a:gsLst>
-            <a:gs pos="0">
-              <a:schemeClr val="accent3">
-                <a:hueOff val="11250264"/>
-                <a:satOff val="-16880"/>
-                <a:lumOff val="-2745"/>
-                <a:alphaOff val="0"/>
-                <a:tint val="50000"/>
-                <a:satMod val="300000"/>
-              </a:schemeClr>
-            </a:gs>
-            <a:gs pos="35000">
-              <a:schemeClr val="accent3">
-                <a:hueOff val="11250264"/>
-                <a:satOff val="-16880"/>
-                <a:lumOff val="-2745"/>
-                <a:alphaOff val="0"/>
-                <a:tint val="37000"/>
-                <a:satMod val="300000"/>
-              </a:schemeClr>
-            </a:gs>
-            <a:gs pos="100000">
-              <a:schemeClr val="accent3">
-                <a:hueOff val="11250264"/>
-                <a:satOff val="-16880"/>
-                <a:lumOff val="-2745"/>
-                <a:alphaOff val="0"/>
-                <a:tint val="15000"/>
-                <a:satMod val="350000"/>
-              </a:schemeClr>
-            </a:gs>
-          </a:gsLst>
-          <a:lin ang="16200000" scaled="1"/>
-        </a:gradFill>
-        <a:ln>
-          <a:noFill/>
-        </a:ln>
-        <a:effectLst>
-          <a:outerShdw blurRad="40000" dist="20000" dir="5400000" rotWithShape="0">
-            <a:srgbClr val="000000">
-              <a:alpha val="38000"/>
-            </a:srgbClr>
-          </a:outerShdw>
-        </a:effectLst>
-        <a:scene3d>
-          <a:camera prst="orthographicFront"/>
-          <a:lightRig rig="flat" dir="t"/>
-        </a:scene3d>
-        <a:sp3d prstMaterial="dkEdge">
-          <a:bevelT w="8200" h="38100"/>
-        </a:sp3d>
-      </dsp:spPr>
-      <dsp:style>
-        <a:lnRef idx="0">
-          <a:scrgbClr r="0" g="0" b="0"/>
-        </a:lnRef>
-        <a:fillRef idx="2">
-          <a:scrgbClr r="0" g="0" b="0"/>
-        </a:fillRef>
-        <a:effectRef idx="1">
-          <a:scrgbClr r="0" g="0" b="0"/>
-        </a:effectRef>
-        <a:fontRef idx="minor">
-          <a:schemeClr val="dk1"/>
-        </a:fontRef>
-      </dsp:style>
-      <dsp:txBody>
-        <a:bodyPr spcFirstLastPara="0" vert="horz" wrap="square" lIns="661539" tIns="43180" rIns="43180" bIns="43180" numCol="1" spcCol="1270" anchor="ctr" anchorCtr="0">
-          <a:noAutofit/>
-        </a:bodyPr>
-        <a:lstStyle/>
-        <a:p>
-          <a:pPr lvl="0" algn="l" defTabSz="755650">
-            <a:lnSpc>
-              <a:spcPct val="90000"/>
-            </a:lnSpc>
-            <a:spcBef>
-              <a:spcPct val="0"/>
-            </a:spcBef>
-            <a:spcAft>
-              <a:spcPct val="35000"/>
-            </a:spcAft>
-          </a:pPr>
-          <a:r>
-            <a:rPr lang="fr-FR" sz="1700" kern="1200" dirty="0" smtClean="0"/>
-            <a:t>3</a:t>
-          </a:r>
-          <a:r>
-            <a:rPr lang="fr-FR" sz="1700" kern="1200" baseline="30000" dirty="0" smtClean="0"/>
-            <a:t>ème</a:t>
-          </a:r>
-          <a:r>
-            <a:rPr lang="fr-FR" sz="1700" kern="1200" dirty="0" smtClean="0"/>
-            <a:t> : </a:t>
-          </a:r>
-          <a:r>
-            <a:rPr lang="fr-FR" sz="1700" b="1" kern="1200" dirty="0" smtClean="0"/>
-            <a:t>contrôler les ouvriers</a:t>
-          </a:r>
-          <a:r>
-            <a:rPr lang="fr-FR" sz="1700" kern="1200" dirty="0" smtClean="0"/>
-            <a:t> par la mise en place d’un </a:t>
-          </a:r>
-          <a:r>
-            <a:rPr lang="fr-FR" sz="1700" b="1" kern="1200" dirty="0" smtClean="0"/>
-            <a:t>salaire au prorata du travail fourni</a:t>
-          </a:r>
-          <a:r>
-            <a:rPr lang="fr-FR" sz="1700" kern="1200" dirty="0" smtClean="0"/>
-            <a:t> par rapport au travail optimum</a:t>
-          </a:r>
-          <a:endParaRPr lang="fr-FR" sz="1700" kern="1200" dirty="0"/>
-        </a:p>
-      </dsp:txBody>
-      <dsp:txXfrm>
-        <a:off x="635910" y="2943040"/>
-        <a:ext cx="6204850" cy="833434"/>
-      </dsp:txXfrm>
-    </dsp:sp>
-    <dsp:sp modelId="{D7BC6C3E-0194-40D9-B7B5-923FB3443B8A}">
-      <dsp:nvSpPr>
-        <dsp:cNvPr id="0" name=""/>
-        <dsp:cNvSpPr/>
-      </dsp:nvSpPr>
-      <dsp:spPr>
-        <a:xfrm>
-          <a:off x="58197" y="2812841"/>
-          <a:ext cx="1041793" cy="1041793"/>
-        </a:xfrm>
-        <a:prstGeom prst="ellipse">
-          <a:avLst/>
-        </a:prstGeom>
-        <a:gradFill rotWithShape="0">
-          <a:gsLst>
-            <a:gs pos="0">
-              <a:schemeClr val="lt1">
-                <a:hueOff val="0"/>
-                <a:satOff val="0"/>
-                <a:lumOff val="0"/>
-                <a:alphaOff val="0"/>
-                <a:tint val="50000"/>
-                <a:satMod val="300000"/>
-              </a:schemeClr>
-            </a:gs>
-            <a:gs pos="35000">
-              <a:schemeClr val="lt1">
-                <a:hueOff val="0"/>
-                <a:satOff val="0"/>
-                <a:lumOff val="0"/>
-                <a:alphaOff val="0"/>
-                <a:tint val="37000"/>
-                <a:satMod val="300000"/>
-              </a:schemeClr>
-            </a:gs>
-            <a:gs pos="100000">
-              <a:schemeClr val="lt1">
-                <a:hueOff val="0"/>
-                <a:satOff val="0"/>
-                <a:lumOff val="0"/>
-                <a:alphaOff val="0"/>
-                <a:tint val="15000"/>
-                <a:satMod val="350000"/>
-              </a:schemeClr>
-            </a:gs>
-          </a:gsLst>
-          <a:lin ang="16200000" scaled="1"/>
-        </a:gradFill>
-        <a:ln w="9525" cap="flat" cmpd="sng" algn="ctr">
-          <a:solidFill>
-            <a:schemeClr val="accent3">
-              <a:hueOff val="11250264"/>
-              <a:satOff val="-16880"/>
-              <a:lumOff val="-2745"/>
-              <a:alphaOff val="0"/>
-            </a:schemeClr>
-          </a:solidFill>
-          <a:prstDash val="solid"/>
-        </a:ln>
-        <a:effectLst/>
-      </dsp:spPr>
-      <dsp:style>
-        <a:lnRef idx="1">
-          <a:scrgbClr r="0" g="0" b="0"/>
-        </a:lnRef>
-        <a:fillRef idx="2">
-          <a:scrgbClr r="0" g="0" b="0"/>
-        </a:fillRef>
-        <a:effectRef idx="0">
-          <a:scrgbClr r="0" g="0" b="0"/>
-        </a:effectRef>
-        <a:fontRef idx="minor"/>
-      </dsp:style>
-    </dsp:sp>
   </dsp:spTree>
 </dsp:drawing>
 </file>
@@ -15877,7 +13958,7 @@
             <a:fld id="{25A3F16D-1712-4793-9C87-4C48A7B4F9BE}" type="datetimeFigureOut">
               <a:rPr lang="fr-FR" smtClean="0"/>
               <a:pPr/>
-              <a:t>30/11/2012</a:t>
+              <a:t>02/12/2012</a:t>
             </a:fld>
             <a:endParaRPr lang="fr-FR"/>
           </a:p>
@@ -16070,7 +14151,7 @@
               <a:pPr>
                 <a:defRPr/>
               </a:pPr>
-              <a:t>30/11/2012</a:t>
+              <a:t>02/12/2012</a:t>
             </a:fld>
             <a:endParaRPr lang="fr-FR"/>
           </a:p>
@@ -19649,10 +17730,14 @@
           <p:cNvPicPr>
             <a:picLocks noChangeAspect="1" noChangeArrowheads="1"/>
           </p:cNvPicPr>
-          <p:nvPr/>
+          <p:nvPr>
+            <p:custDataLst>
+              <p:tags r:id="rId1"/>
+            </p:custDataLst>
+          </p:nvPr>
         </p:nvPicPr>
         <p:blipFill>
-          <a:blip r:embed="rId7">
+          <a:blip r:embed="rId8">
             <a:extLst>
               <a:ext uri="{28A0092B-C50C-407E-A947-70E740481C1C}">
                 <a14:useLocalDpi xmlns:a14="http://schemas.microsoft.com/office/drawing/2010/main" val="0"/>
@@ -19693,7 +17778,7 @@
           <p:nvPr>
             <p:ph type="ctrTitle"/>
             <p:custDataLst>
-              <p:tags r:id="rId1"/>
+              <p:tags r:id="rId2"/>
             </p:custDataLst>
           </p:nvPr>
         </p:nvSpPr>
@@ -19724,7 +17809,7 @@
           <p:nvPr>
             <p:ph type="subTitle" idx="1"/>
             <p:custDataLst>
-              <p:tags r:id="rId2"/>
+              <p:tags r:id="rId3"/>
             </p:custDataLst>
           </p:nvPr>
         </p:nvSpPr>
@@ -19750,7 +17835,7 @@
           <p:nvPr>
             <p:ph type="body" sz="quarter" idx="10"/>
             <p:custDataLst>
-              <p:tags r:id="rId3"/>
+              <p:tags r:id="rId4"/>
             </p:custDataLst>
           </p:nvPr>
         </p:nvSpPr>
@@ -19875,7 +17960,7 @@
           <p:nvPr>
             <p:ph type="body" sz="quarter" idx="12"/>
             <p:custDataLst>
-              <p:tags r:id="rId4"/>
+              <p:tags r:id="rId5"/>
             </p:custDataLst>
           </p:nvPr>
         </p:nvSpPr>
@@ -19962,7 +18047,7 @@
           <p:nvPr>
             <p:ph sz="quarter" idx="14"/>
             <p:custDataLst>
-              <p:tags r:id="rId5"/>
+              <p:tags r:id="rId6"/>
             </p:custDataLst>
           </p:nvPr>
         </p:nvSpPr>
@@ -20109,11 +18194,7 @@
           <a:p>
             <a:r>
               <a:rPr lang="fr-FR" dirty="0" smtClean="0"/>
-              <a:t>Les solutions proposées par Taylor aux </a:t>
-            </a:r>
-            <a:r>
-              <a:rPr lang="fr-FR" dirty="0" smtClean="0"/>
-              <a:t>problèmes (1/3)</a:t>
+              <a:t>Les solutions proposées par Taylor aux problèmes (1/3)</a:t>
             </a:r>
             <a:endParaRPr lang="fr-FR" dirty="0"/>
           </a:p>
@@ -20127,6 +18208,9 @@
           </p:cNvSpPr>
           <p:nvPr>
             <p:ph sz="quarter" idx="14"/>
+            <p:custDataLst>
+              <p:tags r:id="rId3"/>
+            </p:custDataLst>
           </p:nvPr>
         </p:nvSpPr>
         <p:spPr/>
@@ -20192,6 +18276,9 @@
           </p:cNvGraphicFramePr>
           <p:nvPr>
             <p:ph sz="quarter" idx="15"/>
+            <p:custDataLst>
+              <p:tags r:id="rId4"/>
+            </p:custDataLst>
             <p:extLst>
               <p:ext uri="{D42A27DB-BD31-4B8C-83A1-F6EECF244321}">
                 <p14:modId xmlns:p14="http://schemas.microsoft.com/office/powerpoint/2010/main" val="2389438221"/>
@@ -20205,7 +18292,7 @@
         </p:xfrm>
         <a:graphic>
           <a:graphicData uri="http://schemas.openxmlformats.org/drawingml/2006/diagram">
-            <dgm:relIds xmlns:dgm="http://schemas.openxmlformats.org/drawingml/2006/diagram" xmlns:r="http://schemas.openxmlformats.org/officeDocument/2006/relationships" r:dm="rId4" r:lo="rId5" r:qs="rId6" r:cs="rId7"/>
+            <dgm:relIds xmlns:dgm="http://schemas.openxmlformats.org/drawingml/2006/diagram" xmlns:r="http://schemas.openxmlformats.org/officeDocument/2006/relationships" r:dm="rId6" r:lo="rId7" r:qs="rId8" r:cs="rId9"/>
           </a:graphicData>
         </a:graphic>
       </p:graphicFrame>
@@ -20297,11 +18384,7 @@
           <a:p>
             <a:r>
               <a:rPr lang="fr-FR" dirty="0" smtClean="0"/>
-              <a:t>Les solutions proposées par Taylor aux </a:t>
-            </a:r>
-            <a:r>
-              <a:rPr lang="fr-FR" dirty="0" smtClean="0"/>
-              <a:t>problèmes (2/3)</a:t>
+              <a:t>Les solutions proposées par Taylor aux problèmes (2/3)</a:t>
             </a:r>
             <a:endParaRPr lang="fr-FR" dirty="0"/>
           </a:p>
@@ -20315,6 +18398,9 @@
           </p:cNvSpPr>
           <p:nvPr>
             <p:ph sz="quarter" idx="14"/>
+            <p:custDataLst>
+              <p:tags r:id="rId3"/>
+            </p:custDataLst>
           </p:nvPr>
         </p:nvSpPr>
         <p:spPr/>
@@ -20380,6 +18466,9 @@
           </p:cNvGraphicFramePr>
           <p:nvPr>
             <p:ph sz="quarter" idx="15"/>
+            <p:custDataLst>
+              <p:tags r:id="rId4"/>
+            </p:custDataLst>
             <p:extLst>
               <p:ext uri="{D42A27DB-BD31-4B8C-83A1-F6EECF244321}">
                 <p14:modId xmlns:p14="http://schemas.microsoft.com/office/powerpoint/2010/main" val="4172510724"/>
@@ -20393,7 +18482,7 @@
         </p:xfrm>
         <a:graphic>
           <a:graphicData uri="http://schemas.openxmlformats.org/drawingml/2006/diagram">
-            <dgm:relIds xmlns:dgm="http://schemas.openxmlformats.org/drawingml/2006/diagram" xmlns:r="http://schemas.openxmlformats.org/officeDocument/2006/relationships" r:dm="rId5" r:lo="rId6" r:qs="rId7" r:cs="rId8"/>
+            <dgm:relIds xmlns:dgm="http://schemas.openxmlformats.org/drawingml/2006/diagram" xmlns:r="http://schemas.openxmlformats.org/officeDocument/2006/relationships" r:dm="rId8" r:lo="rId9" r:qs="rId10" r:cs="rId11"/>
           </a:graphicData>
         </a:graphic>
       </p:graphicFrame>
@@ -20401,7 +18490,11 @@
         <p:nvSpPr>
           <p:cNvPr id="4" name="ZoneTexte 3"/>
           <p:cNvSpPr txBox="1"/>
-          <p:nvPr/>
+          <p:nvPr>
+            <p:custDataLst>
+              <p:tags r:id="rId5"/>
+            </p:custDataLst>
+          </p:nvPr>
         </p:nvSpPr>
         <p:spPr>
           <a:xfrm>
@@ -20436,7 +18529,7 @@
           <p:nvPr>
             <p:ph type="body" sz="quarter" idx="12"/>
             <p:custDataLst>
-              <p:tags r:id="rId3"/>
+              <p:tags r:id="rId6"/>
             </p:custDataLst>
           </p:nvPr>
         </p:nvSpPr>
@@ -20557,10 +18650,14 @@
           <p:cNvPicPr>
             <a:picLocks noChangeAspect="1" noChangeArrowheads="1"/>
           </p:cNvPicPr>
-          <p:nvPr/>
+          <p:nvPr>
+            <p:custDataLst>
+              <p:tags r:id="rId1"/>
+            </p:custDataLst>
+          </p:nvPr>
         </p:nvPicPr>
         <p:blipFill>
-          <a:blip r:embed="rId6">
+          <a:blip r:embed="rId9">
             <a:extLst>
               <a:ext uri="{28A0092B-C50C-407E-A947-70E740481C1C}">
                 <a14:useLocalDpi xmlns:a14="http://schemas.microsoft.com/office/drawing/2010/main" val="0"/>
@@ -20601,7 +18698,7 @@
           <p:nvPr>
             <p:ph type="ctrTitle"/>
             <p:custDataLst>
-              <p:tags r:id="rId1"/>
+              <p:tags r:id="rId2"/>
             </p:custDataLst>
           </p:nvPr>
         </p:nvSpPr>
@@ -20627,7 +18724,7 @@
           <p:nvPr>
             <p:ph type="subTitle" idx="1"/>
             <p:custDataLst>
-              <p:tags r:id="rId2"/>
+              <p:tags r:id="rId3"/>
             </p:custDataLst>
           </p:nvPr>
         </p:nvSpPr>
@@ -20643,11 +18740,7 @@
           <a:p>
             <a:r>
               <a:rPr lang="fr-FR" dirty="0" smtClean="0"/>
-              <a:t>Les solutions proposées par Taylor </a:t>
-            </a:r>
-            <a:r>
-              <a:rPr lang="fr-FR" dirty="0" smtClean="0"/>
-              <a:t>aux problèmes (3/3)</a:t>
+              <a:t>Les solutions proposées par Taylor aux problèmes (3/3)</a:t>
             </a:r>
             <a:endParaRPr lang="fr-FR" dirty="0"/>
           </a:p>
@@ -20661,6 +18754,9 @@
           </p:cNvSpPr>
           <p:nvPr>
             <p:ph sz="quarter" idx="14"/>
+            <p:custDataLst>
+              <p:tags r:id="rId4"/>
+            </p:custDataLst>
           </p:nvPr>
         </p:nvSpPr>
         <p:spPr/>
@@ -20727,7 +18823,7 @@
           <p:nvPr>
             <p:ph type="body" sz="quarter" idx="12"/>
             <p:custDataLst>
-              <p:tags r:id="rId3"/>
+              <p:tags r:id="rId5"/>
             </p:custDataLst>
           </p:nvPr>
         </p:nvSpPr>
@@ -20814,7 +18910,7 @@
           <p:nvPr>
             <p:ph type="body" sz="quarter" idx="10"/>
             <p:custDataLst>
-              <p:tags r:id="rId4"/>
+              <p:tags r:id="rId6"/>
             </p:custDataLst>
           </p:nvPr>
         </p:nvSpPr>
@@ -20908,18 +19004,7 @@
                 </a:solidFill>
                 <a:cs typeface="Arial" pitchFamily="34" charset="0"/>
               </a:rPr>
-              <a:t>chargés des fonctions </a:t>
-            </a:r>
-            <a:r>
-              <a:rPr lang="fr-FR" b="1" dirty="0">
-                <a:solidFill>
-                  <a:schemeClr val="accent4">
-                    <a:lumMod val="75000"/>
-                  </a:schemeClr>
-                </a:solidFill>
-                <a:cs typeface="Arial" pitchFamily="34" charset="0"/>
-              </a:rPr>
-              <a:t>administratives</a:t>
+              <a:t>chargés des fonctions administratives</a:t>
             </a:r>
             <a:r>
               <a:rPr lang="fr-FR" dirty="0" smtClean="0"/>
@@ -20995,15 +19080,6 @@
               </a:rPr>
               <a:t>sont enfin séparées</a:t>
             </a:r>
-            <a:endParaRPr lang="fr-FR" b="1" dirty="0">
-              <a:solidFill>
-                <a:schemeClr val="accent4">
-                  <a:lumMod val="75000"/>
-                </a:schemeClr>
-              </a:solidFill>
-              <a:latin typeface="Arial" pitchFamily="34" charset="0"/>
-              <a:cs typeface="Arial" pitchFamily="34" charset="0"/>
-            </a:endParaRPr>
           </a:p>
           <a:p>
             <a:pPr>
@@ -21028,7 +19104,11 @@
         <p:nvSpPr>
           <p:cNvPr id="11" name="Parchemin horizontal 10"/>
           <p:cNvSpPr/>
-          <p:nvPr/>
+          <p:nvPr>
+            <p:custDataLst>
+              <p:tags r:id="rId7"/>
+            </p:custDataLst>
+          </p:nvPr>
         </p:nvSpPr>
         <p:spPr>
           <a:xfrm>
@@ -21170,10 +19250,22 @@
             </p:custDataLst>
           </p:nvPr>
         </p:nvSpPr>
-        <p:spPr/>
+        <p:spPr>
+          <a:xfrm>
+            <a:off x="1979712" y="1628800"/>
+            <a:ext cx="4176464" cy="4392488"/>
+          </a:xfrm>
+        </p:spPr>
         <p:txBody>
           <a:bodyPr/>
           <a:lstStyle/>
+          <a:p>
+            <a:pPr marL="0" indent="0"/>
+            <a:r>
+              <a:rPr lang="fr-FR" sz="2000" dirty="0" smtClean="0"/>
+              <a:t>Concrètement  :</a:t>
+            </a:r>
+          </a:p>
           <a:p>
             <a:pPr>
               <a:buFont typeface="Arial" pitchFamily="34" charset="0"/>
@@ -21181,7 +19273,17 @@
             </a:pPr>
             <a:r>
               <a:rPr lang="fr-FR" sz="2000" dirty="0" smtClean="0"/>
-              <a:t>La production a doublé</a:t>
+              <a:t>La </a:t>
+            </a:r>
+            <a:r>
+              <a:rPr lang="fr-FR" sz="2000" b="1" dirty="0">
+                <a:solidFill>
+                  <a:schemeClr val="accent4">
+                    <a:lumMod val="75000"/>
+                  </a:schemeClr>
+                </a:solidFill>
+              </a:rPr>
+              <a:t>production a doublé</a:t>
             </a:r>
           </a:p>
           <a:p>
@@ -21191,7 +19293,31 @@
             </a:pPr>
             <a:r>
               <a:rPr lang="fr-FR" sz="2000" dirty="0" smtClean="0"/>
-              <a:t>Les couts ont diminué de 20 %</a:t>
+              <a:t>Les </a:t>
+            </a:r>
+            <a:r>
+              <a:rPr lang="fr-FR" sz="2000" b="1" dirty="0">
+                <a:solidFill>
+                  <a:schemeClr val="accent4">
+                    <a:lumMod val="75000"/>
+                  </a:schemeClr>
+                </a:solidFill>
+              </a:rPr>
+              <a:t>couts</a:t>
+            </a:r>
+            <a:r>
+              <a:rPr lang="fr-FR" sz="2000" dirty="0" smtClean="0"/>
+              <a:t> ont diminué de </a:t>
+            </a:r>
+            <a:r>
+              <a:rPr lang="fr-FR" sz="2000" b="1" dirty="0">
+                <a:solidFill>
+                  <a:schemeClr val="accent4">
+                    <a:lumMod val="75000"/>
+                  </a:schemeClr>
+                </a:solidFill>
+              </a:rPr>
+              <a:t>20 %</a:t>
             </a:r>
           </a:p>
           <a:p>
@@ -21201,9 +19327,56 @@
             </a:pPr>
             <a:r>
               <a:rPr lang="fr-FR" sz="2000" dirty="0" smtClean="0"/>
-              <a:t>Le salaire moyen à augmenté de 30%</a:t>
-            </a:r>
+              <a:t>Le </a:t>
+            </a:r>
+            <a:r>
+              <a:rPr lang="fr-FR" sz="2000" b="1" dirty="0">
+                <a:solidFill>
+                  <a:schemeClr val="accent4">
+                    <a:lumMod val="75000"/>
+                  </a:schemeClr>
+                </a:solidFill>
+              </a:rPr>
+              <a:t>salaire moyen</a:t>
+            </a:r>
+            <a:r>
+              <a:rPr lang="fr-FR" sz="2000" dirty="0" smtClean="0"/>
+              <a:t> a augmenté de </a:t>
+            </a:r>
+            <a:r>
+              <a:rPr lang="fr-FR" sz="2000" b="1" dirty="0">
+                <a:solidFill>
+                  <a:schemeClr val="accent4">
+                    <a:lumMod val="75000"/>
+                  </a:schemeClr>
+                </a:solidFill>
+              </a:rPr>
+              <a:t>30%</a:t>
+            </a:r>
+          </a:p>
+          <a:p>
+            <a:pPr>
+              <a:buFont typeface="Arial" pitchFamily="34" charset="0"/>
+              <a:buChar char="•"/>
+            </a:pPr>
             <a:endParaRPr lang="fr-FR" sz="2000" dirty="0"/>
+          </a:p>
+          <a:p>
+            <a:pPr marL="0" indent="0"/>
+            <a:r>
+              <a:rPr lang="fr-FR" sz="2000" dirty="0" smtClean="0"/>
+              <a:t>Mais ceci conduit également à un </a:t>
+            </a:r>
+            <a:r>
+              <a:rPr lang="fr-FR" sz="2000" b="1" dirty="0">
+                <a:solidFill>
+                  <a:schemeClr val="accent4">
+                    <a:lumMod val="75000"/>
+                  </a:schemeClr>
+                </a:solidFill>
+              </a:rPr>
+              <a:t>accès au travail pour des personnes peu qualifiées</a:t>
+            </a:r>
           </a:p>
         </p:txBody>
       </p:sp>
@@ -21355,8 +19528,52 @@
           <a:p>
             <a:endParaRPr lang="fr-FR" dirty="0"/>
           </a:p>
+          <a:p>
+            <a:endParaRPr lang="fr-FR" dirty="0"/>
+          </a:p>
         </p:txBody>
       </p:sp>
+      <p:pic>
+        <p:nvPicPr>
+          <p:cNvPr id="2050" name="Picture 2" descr="http://www.les-crises.fr/images/0620-pib/0620-pib-trimestriel-france/dessin-cartoon-croissance-02.jpg"/>
+          <p:cNvPicPr>
+            <a:picLocks noChangeAspect="1" noChangeArrowheads="1"/>
+          </p:cNvPicPr>
+          <p:nvPr/>
+        </p:nvPicPr>
+        <p:blipFill>
+          <a:blip r:embed="rId7">
+            <a:extLst>
+              <a:ext uri="{28A0092B-C50C-407E-A947-70E740481C1C}">
+                <a14:useLocalDpi xmlns:a14="http://schemas.microsoft.com/office/drawing/2010/main" val="0"/>
+              </a:ext>
+            </a:extLst>
+          </a:blip>
+          <a:srcRect/>
+          <a:stretch>
+            <a:fillRect/>
+          </a:stretch>
+        </p:blipFill>
+        <p:spPr bwMode="auto">
+          <a:xfrm>
+            <a:off x="6084168" y="1844824"/>
+            <a:ext cx="3528392" cy="3330307"/>
+          </a:xfrm>
+          <a:prstGeom prst="rect">
+            <a:avLst/>
+          </a:prstGeom>
+          <a:noFill/>
+          <a:extLst>
+            <a:ext uri="{909E8E84-426E-40DD-AFC4-6F175D3DCCD1}">
+              <a14:hiddenFill xmlns:a14="http://schemas.microsoft.com/office/drawing/2010/main">
+                <a:solidFill>
+                  <a:srgbClr val="FFFFFF"/>
+                </a:solidFill>
+              </a14:hiddenFill>
+            </a:ext>
+          </a:extLst>
+        </p:spPr>
+      </p:pic>
     </p:spTree>
     <p:extLst>
       <p:ext uri="{BB962C8B-B14F-4D97-AF65-F5344CB8AC3E}">
@@ -21464,12 +19681,78 @@
             </p:custDataLst>
           </p:nvPr>
         </p:nvSpPr>
-        <p:spPr/>
+        <p:spPr>
+          <a:xfrm>
+            <a:off x="2123728" y="1628800"/>
+            <a:ext cx="6408712" cy="4320480"/>
+          </a:xfrm>
+        </p:spPr>
         <p:txBody>
           <a:bodyPr/>
           <a:lstStyle/>
           <a:p>
-            <a:endParaRPr lang="fr-FR" dirty="0"/>
+            <a:pPr>
+              <a:buFont typeface="Arial" pitchFamily="34" charset="0"/>
+              <a:buChar char="•"/>
+            </a:pPr>
+            <a:r>
+              <a:rPr lang="fr-FR" sz="2000" dirty="0" smtClean="0"/>
+              <a:t>L’ouvrier est </a:t>
+            </a:r>
+            <a:r>
+              <a:rPr lang="fr-FR" sz="2000" b="1" dirty="0">
+                <a:solidFill>
+                  <a:schemeClr val="accent4">
+                    <a:lumMod val="75000"/>
+                  </a:schemeClr>
+                </a:solidFill>
+              </a:rPr>
+              <a:t>dépouillé de la partie humaine</a:t>
+            </a:r>
+            <a:r>
+              <a:rPr lang="fr-FR" sz="2000" dirty="0" smtClean="0"/>
+              <a:t> de son travail</a:t>
+            </a:r>
+          </a:p>
+          <a:p>
+            <a:pPr>
+              <a:buFont typeface="Arial" pitchFamily="34" charset="0"/>
+              <a:buChar char="•"/>
+            </a:pPr>
+            <a:r>
+              <a:rPr lang="fr-FR" sz="2000" dirty="0" smtClean="0"/>
+              <a:t>Le travail est </a:t>
+            </a:r>
+            <a:r>
+              <a:rPr lang="fr-FR" sz="2000" b="1" dirty="0">
+                <a:solidFill>
+                  <a:schemeClr val="accent4">
+                    <a:lumMod val="75000"/>
+                  </a:schemeClr>
+                </a:solidFill>
+              </a:rPr>
+              <a:t>abrutissant et aliénant</a:t>
+            </a:r>
+          </a:p>
+          <a:p>
+            <a:pPr>
+              <a:buFont typeface="Arial" pitchFamily="34" charset="0"/>
+              <a:buChar char="•"/>
+            </a:pPr>
+            <a:r>
+              <a:rPr lang="fr-FR" sz="2000" dirty="0" smtClean="0"/>
+              <a:t>Dans son application, les </a:t>
+            </a:r>
+            <a:r>
+              <a:rPr lang="fr-FR" sz="2000" b="1" dirty="0">
+                <a:solidFill>
+                  <a:schemeClr val="accent4">
+                    <a:lumMod val="75000"/>
+                  </a:schemeClr>
+                </a:solidFill>
+              </a:rPr>
+              <a:t>patrons occultent la dimension sociale</a:t>
+            </a:r>
           </a:p>
         </p:txBody>
       </p:sp>
@@ -21578,10 +19861,100 @@
           <a:bodyPr/>
           <a:lstStyle/>
           <a:p>
-            <a:endParaRPr lang="fr-FR"/>
+            <a:r>
+              <a:rPr lang="en-US" dirty="0">
+                <a:solidFill>
+                  <a:srgbClr val="8E2562"/>
+                </a:solidFill>
+              </a:rPr>
+              <a:t>Le </a:t>
+            </a:r>
+            <a:r>
+              <a:rPr lang="en-US" dirty="0" err="1">
+                <a:solidFill>
+                  <a:srgbClr val="8E2562"/>
+                </a:solidFill>
+              </a:rPr>
+              <a:t>Taylorisme</a:t>
+            </a:r>
+            <a:r>
+              <a:rPr lang="en-US" dirty="0">
+                <a:solidFill>
+                  <a:srgbClr val="8E2562"/>
+                </a:solidFill>
+              </a:rPr>
+              <a:t>  </a:t>
+            </a:r>
+            <a:r>
+              <a:rPr lang="en-US" dirty="0"/>
+              <a:t>-  </a:t>
+            </a:r>
+            <a:r>
+              <a:rPr lang="fr-FR" dirty="0"/>
+              <a:t>mercredi 28 novembre 2012</a:t>
+            </a:r>
+            <a:r>
+              <a:rPr lang="en-US" dirty="0"/>
+              <a:t> – Laure RETRUCHAVASTEL </a:t>
+            </a:r>
+            <a:r>
+              <a:rPr lang="en-US" dirty="0" err="1"/>
+              <a:t>Tycho</a:t>
+            </a:r>
+            <a:r>
+              <a:rPr lang="en-US" dirty="0"/>
+              <a:t> TATITSCHEFF</a:t>
+            </a:r>
+          </a:p>
+          <a:p>
+            <a:endParaRPr lang="fr-FR" dirty="0"/>
+          </a:p>
+          <a:p>
+            <a:endParaRPr lang="fr-FR" dirty="0"/>
           </a:p>
         </p:txBody>
       </p:sp>
+      <p:pic>
+        <p:nvPicPr>
+          <p:cNvPr id="3074" name="Picture 2" descr="http://www.econsultantpointcom.com/images/travailler-tue3.jpg"/>
+          <p:cNvPicPr>
+            <a:picLocks noChangeAspect="1" noChangeArrowheads="1"/>
+          </p:cNvPicPr>
+          <p:nvPr/>
+        </p:nvPicPr>
+        <p:blipFill>
+          <a:blip r:embed="rId7">
+            <a:extLst>
+              <a:ext uri="{28A0092B-C50C-407E-A947-70E740481C1C}">
+                <a14:useLocalDpi xmlns:a14="http://schemas.microsoft.com/office/drawing/2010/main" val="0"/>
+              </a:ext>
+            </a:extLst>
+          </a:blip>
+          <a:srcRect/>
+          <a:stretch>
+            <a:fillRect/>
+          </a:stretch>
+        </p:blipFill>
+        <p:spPr bwMode="auto">
+          <a:xfrm>
+            <a:off x="5148064" y="3284984"/>
+            <a:ext cx="2571750" cy="3200401"/>
+          </a:xfrm>
+          <a:prstGeom prst="rect">
+            <a:avLst/>
+          </a:prstGeom>
+          <a:noFill/>
+          <a:extLst>
+            <a:ext uri="{909E8E84-426E-40DD-AFC4-6F175D3DCCD1}">
+              <a14:hiddenFill xmlns:a14="http://schemas.microsoft.com/office/drawing/2010/main">
+                <a:solidFill>
+                  <a:srgbClr val="FFFFFF"/>
+                </a:solidFill>
+              </a14:hiddenFill>
+            </a:ext>
+          </a:extLst>
+        </p:spPr>
+      </p:pic>
     </p:spTree>
     <p:extLst>
       <p:ext uri="{BB962C8B-B14F-4D97-AF65-F5344CB8AC3E}">
@@ -21673,28 +20046,6 @@
       </p:sp>
       <p:sp>
         <p:nvSpPr>
-          <p:cNvPr id="4" name="Espace réservé du texte 3"/>
-          <p:cNvSpPr>
-            <a:spLocks noGrp="1"/>
-          </p:cNvSpPr>
-          <p:nvPr>
-            <p:ph type="body" sz="quarter" idx="10"/>
-            <p:custDataLst>
-              <p:tags r:id="rId3"/>
-            </p:custDataLst>
-          </p:nvPr>
-        </p:nvSpPr>
-        <p:spPr/>
-        <p:txBody>
-          <a:bodyPr/>
-          <a:lstStyle/>
-          <a:p>
-            <a:endParaRPr lang="fr-FR"/>
-          </a:p>
-        </p:txBody>
-      </p:sp>
-      <p:sp>
-        <p:nvSpPr>
           <p:cNvPr id="5" name="Espace réservé du texte 4"/>
           <p:cNvSpPr>
             <a:spLocks noGrp="1"/>
@@ -21702,7 +20053,7 @@
           <p:nvPr>
             <p:ph type="body" sz="quarter" idx="12"/>
             <p:custDataLst>
-              <p:tags r:id="rId4"/>
+              <p:tags r:id="rId3"/>
             </p:custDataLst>
           </p:nvPr>
         </p:nvSpPr>
@@ -21789,7 +20140,7 @@
           <p:nvPr>
             <p:ph sz="quarter" idx="14"/>
             <p:custDataLst>
-              <p:tags r:id="rId5"/>
+              <p:tags r:id="rId4"/>
             </p:custDataLst>
           </p:nvPr>
         </p:nvSpPr>
@@ -21802,6 +20153,70 @@
           </a:p>
         </p:txBody>
       </p:sp>
+      <p:pic>
+        <p:nvPicPr>
+          <p:cNvPr id="1026" name="Picture 2"/>
+          <p:cNvPicPr>
+            <a:picLocks noChangeAspect="1" noChangeArrowheads="1"/>
+          </p:cNvPicPr>
+          <p:nvPr/>
+        </p:nvPicPr>
+        <p:blipFill>
+          <a:blip r:embed="rId6">
+            <a:extLst>
+              <a:ext uri="{28A0092B-C50C-407E-A947-70E740481C1C}">
+                <a14:useLocalDpi xmlns:a14="http://schemas.microsoft.com/office/drawing/2010/main" val="0"/>
+              </a:ext>
+            </a:extLst>
+          </a:blip>
+          <a:srcRect/>
+          <a:stretch>
+            <a:fillRect/>
+          </a:stretch>
+        </p:blipFill>
+        <p:spPr bwMode="auto">
+          <a:xfrm>
+            <a:off x="1691679" y="1556792"/>
+            <a:ext cx="6624737" cy="4821923"/>
+          </a:xfrm>
+          <a:prstGeom prst="rect">
+            <a:avLst/>
+          </a:prstGeom>
+          <a:noFill/>
+          <a:ln>
+            <a:noFill/>
+          </a:ln>
+          <a:effectLst/>
+          <a:extLst>
+            <a:ext uri="{909E8E84-426E-40DD-AFC4-6F175D3DCCD1}">
+              <a14:hiddenFill xmlns:a14="http://schemas.microsoft.com/office/drawing/2010/main">
+                <a:solidFill>
+                  <a:schemeClr val="accent1"/>
+                </a:solidFill>
+              </a14:hiddenFill>
+            </a:ext>
+            <a:ext uri="{91240B29-F687-4F45-9708-019B960494DF}">
+              <a14:hiddenLine xmlns:a14="http://schemas.microsoft.com/office/drawing/2010/main" w="9525">
+                <a:solidFill>
+                  <a:schemeClr val="tx1"/>
+                </a:solidFill>
+                <a:miter lim="800000"/>
+                <a:headEnd/>
+                <a:tailEnd/>
+              </a14:hiddenLine>
+            </a:ext>
+            <a:ext uri="{AF507438-7753-43E0-B8FC-AC1667EBCBE1}">
+              <a14:hiddenEffects xmlns:a14="http://schemas.microsoft.com/office/drawing/2010/main">
+                <a:effectLst>
+                  <a:outerShdw dist="35921" dir="2700000" algn="ctr" rotWithShape="0">
+                    <a:schemeClr val="bg2"/>
+                  </a:outerShdw>
+                </a:effectLst>
+              </a14:hiddenEffects>
+            </a:ext>
+          </a:extLst>
+        </p:spPr>
+      </p:pic>
     </p:spTree>
     <p:extLst>
       <p:ext uri="{BB962C8B-B14F-4D97-AF65-F5344CB8AC3E}">
@@ -21885,9 +20300,12 @@
           <a:p>
             <a:r>
               <a:rPr lang="fr-FR" dirty="0" smtClean="0"/>
-              <a:t>Biographie</a:t>
-            </a:r>
-            <a:endParaRPr lang="fr-FR" dirty="0"/>
+              <a:t>Conclusio</a:t>
+            </a:r>
+            <a:r>
+              <a:rPr lang="fr-FR" dirty="0"/>
+              <a:t>n</a:t>
+            </a:r>
           </a:p>
         </p:txBody>
       </p:sp>
@@ -21904,12 +20322,132 @@
             </p:custDataLst>
           </p:nvPr>
         </p:nvSpPr>
-        <p:spPr/>
+        <p:spPr>
+          <a:xfrm>
+            <a:off x="2123728" y="1628800"/>
+            <a:ext cx="6408712" cy="2952328"/>
+          </a:xfrm>
+        </p:spPr>
         <p:txBody>
           <a:bodyPr/>
           <a:lstStyle/>
           <a:p>
-            <a:endParaRPr lang="fr-FR"/>
+            <a:pPr>
+              <a:buFont typeface="Arial" pitchFamily="34" charset="0"/>
+              <a:buChar char="•"/>
+            </a:pPr>
+            <a:r>
+              <a:rPr lang="fr-FR" sz="2000" dirty="0" smtClean="0"/>
+              <a:t>Peu </a:t>
+            </a:r>
+            <a:r>
+              <a:rPr lang="fr-FR" sz="2000" b="1" dirty="0">
+                <a:solidFill>
+                  <a:schemeClr val="accent4">
+                    <a:lumMod val="75000"/>
+                  </a:schemeClr>
+                </a:solidFill>
+              </a:rPr>
+              <a:t>appliqué jusqu’à la première guerre mondiale</a:t>
+            </a:r>
+          </a:p>
+          <a:p>
+            <a:pPr>
+              <a:buFont typeface="Arial" pitchFamily="34" charset="0"/>
+              <a:buChar char="•"/>
+            </a:pPr>
+            <a:r>
+              <a:rPr lang="fr-FR" sz="2000" dirty="0" smtClean="0"/>
+              <a:t>La </a:t>
+            </a:r>
+            <a:r>
+              <a:rPr lang="fr-FR" sz="2000" b="1" dirty="0">
+                <a:solidFill>
+                  <a:schemeClr val="accent4">
+                    <a:lumMod val="75000"/>
+                  </a:schemeClr>
+                </a:solidFill>
+              </a:rPr>
+              <a:t>guerre le propulse</a:t>
+            </a:r>
+            <a:r>
+              <a:rPr lang="fr-FR" sz="2000" dirty="0" smtClean="0"/>
+              <a:t> et le met en premier rang des </a:t>
+            </a:r>
+            <a:r>
+              <a:rPr lang="fr-FR" sz="2000" b="1" dirty="0">
+                <a:solidFill>
+                  <a:schemeClr val="accent4">
+                    <a:lumMod val="75000"/>
+                  </a:schemeClr>
+                </a:solidFill>
+              </a:rPr>
+              <a:t>OST</a:t>
+            </a:r>
+            <a:r>
+              <a:rPr lang="fr-FR" sz="2000" dirty="0" smtClean="0"/>
+              <a:t> jusqu’en 1970</a:t>
+            </a:r>
+          </a:p>
+          <a:p>
+            <a:pPr>
+              <a:buFont typeface="Arial" pitchFamily="34" charset="0"/>
+              <a:buChar char="•"/>
+            </a:pPr>
+            <a:r>
+              <a:rPr lang="fr-FR" sz="2000" b="1" dirty="0">
+                <a:solidFill>
+                  <a:schemeClr val="accent4">
+                    <a:lumMod val="75000"/>
+                  </a:schemeClr>
+                </a:solidFill>
+              </a:rPr>
+              <a:t>Prémices obligatoires</a:t>
+            </a:r>
+            <a:r>
+              <a:rPr lang="fr-FR" sz="2000" dirty="0" smtClean="0"/>
+              <a:t> à l’apparition du fordisme</a:t>
+            </a:r>
+          </a:p>
+          <a:p>
+            <a:pPr>
+              <a:buFont typeface="Arial" pitchFamily="34" charset="0"/>
+              <a:buChar char="•"/>
+            </a:pPr>
+            <a:r>
+              <a:rPr lang="fr-FR" sz="2000" dirty="0" smtClean="0"/>
+              <a:t>Permet la </a:t>
+            </a:r>
+            <a:r>
+              <a:rPr lang="fr-FR" sz="2000" b="1" dirty="0">
+                <a:solidFill>
+                  <a:schemeClr val="accent4">
+                    <a:lumMod val="75000"/>
+                  </a:schemeClr>
+                </a:solidFill>
+              </a:rPr>
+              <a:t>création </a:t>
+            </a:r>
+            <a:r>
+              <a:rPr lang="fr-FR" sz="2000" b="1" dirty="0" smtClean="0">
+                <a:solidFill>
+                  <a:schemeClr val="accent4">
+                    <a:lumMod val="75000"/>
+                  </a:schemeClr>
+                </a:solidFill>
+              </a:rPr>
+              <a:t>d’entreprises rationalisées</a:t>
+            </a:r>
+            <a:endParaRPr lang="fr-FR" sz="2000" b="1" dirty="0">
+              <a:solidFill>
+                <a:schemeClr val="accent4">
+                  <a:lumMod val="75000"/>
+                </a:schemeClr>
+              </a:solidFill>
+            </a:endParaRPr>
+          </a:p>
+          <a:p>
+            <a:endParaRPr lang="fr-FR" dirty="0"/>
           </a:p>
         </p:txBody>
       </p:sp>
@@ -21926,7 +20464,12 @@
             </p:custDataLst>
           </p:nvPr>
         </p:nvSpPr>
-        <p:spPr/>
+        <p:spPr>
+          <a:xfrm>
+            <a:off x="179512" y="1124744"/>
+            <a:ext cx="1800200" cy="1872208"/>
+          </a:xfrm>
+        </p:spPr>
         <p:txBody>
           <a:bodyPr/>
           <a:lstStyle/>
@@ -22017,10 +20560,51 @@
           </a:p>
         </p:txBody>
       </p:sp>
+      <p:pic>
+        <p:nvPicPr>
+          <p:cNvPr id="2050" name="Picture 2" descr="http://informatronsphere.files.wordpress.com/2009/04/modern-times026.jpg?w=400&amp;h=300"/>
+          <p:cNvPicPr>
+            <a:picLocks noChangeAspect="1" noChangeArrowheads="1"/>
+          </p:cNvPicPr>
+          <p:nvPr/>
+        </p:nvPicPr>
+        <p:blipFill>
+          <a:blip r:embed="rId7">
+            <a:extLst>
+              <a:ext uri="{28A0092B-C50C-407E-A947-70E740481C1C}">
+                <a14:useLocalDpi xmlns:a14="http://schemas.microsoft.com/office/drawing/2010/main" val="0"/>
+              </a:ext>
+            </a:extLst>
+          </a:blip>
+          <a:srcRect/>
+          <a:stretch>
+            <a:fillRect/>
+          </a:stretch>
+        </p:blipFill>
+        <p:spPr bwMode="auto">
+          <a:xfrm>
+            <a:off x="3347864" y="3789039"/>
+            <a:ext cx="3737992" cy="2719189"/>
+          </a:xfrm>
+          <a:prstGeom prst="rect">
+            <a:avLst/>
+          </a:prstGeom>
+          <a:noFill/>
+          <a:extLst>
+            <a:ext uri="{909E8E84-426E-40DD-AFC4-6F175D3DCCD1}">
+              <a14:hiddenFill xmlns:a14="http://schemas.microsoft.com/office/drawing/2010/main">
+                <a:solidFill>
+                  <a:srgbClr val="FFFFFF"/>
+                </a:solidFill>
+              </a14:hiddenFill>
+            </a:ext>
+          </a:extLst>
+        </p:spPr>
+      </p:pic>
     </p:spTree>
     <p:extLst>
       <p:ext uri="{BB962C8B-B14F-4D97-AF65-F5344CB8AC3E}">
-        <p14:creationId xmlns:p14="http://schemas.microsoft.com/office/powerpoint/2010/main" val="2096172659"/>
+        <p14:creationId xmlns:p14="http://schemas.microsoft.com/office/powerpoint/2010/main" val="2707222819"/>
       </p:ext>
     </p:extLst>
   </p:cSld>
@@ -22100,7 +20684,7 @@
           <a:p>
             <a:r>
               <a:rPr lang="fr-FR" dirty="0" smtClean="0"/>
-              <a:t>Ouverture</a:t>
+              <a:t>Biographie</a:t>
             </a:r>
             <a:endParaRPr lang="fr-FR" dirty="0"/>
           </a:p>
@@ -22124,7 +20708,332 @@
           <a:bodyPr/>
           <a:lstStyle/>
           <a:p>
+            <a:pPr>
+              <a:buFont typeface="Arial" pitchFamily="34" charset="0"/>
+              <a:buChar char="•"/>
+            </a:pPr>
+            <a:r>
+              <a:rPr lang="fr-FR" dirty="0"/>
+              <a:t>Pouget Michel, </a:t>
+            </a:r>
+            <a:r>
+              <a:rPr lang="fr-FR" i="1" dirty="0"/>
+              <a:t>Taylor et le Taylorisme </a:t>
+            </a:r>
+            <a:r>
+              <a:rPr lang="fr-FR" dirty="0"/>
+              <a:t>Coll. Que sais je, éd </a:t>
+            </a:r>
+            <a:r>
+              <a:rPr lang="fr-FR" dirty="0" err="1"/>
+              <a:t>Puf</a:t>
+            </a:r>
+            <a:endParaRPr lang="fr-FR" dirty="0"/>
+          </a:p>
+          <a:p>
+            <a:pPr>
+              <a:buFont typeface="Arial" pitchFamily="34" charset="0"/>
+              <a:buChar char="•"/>
+            </a:pPr>
+            <a:r>
+              <a:rPr lang="fr-FR" dirty="0" err="1"/>
+              <a:t>Coriat</a:t>
+            </a:r>
+            <a:r>
+              <a:rPr lang="fr-FR" dirty="0"/>
+              <a:t> Benjamin</a:t>
+            </a:r>
+            <a:r>
+              <a:rPr lang="fr-FR" dirty="0" smtClean="0"/>
+              <a:t>, L’atelier et le chronomètre, Choix et Essai</a:t>
+            </a:r>
+          </a:p>
+          <a:p>
+            <a:endParaRPr lang="fr-FR" dirty="0" smtClean="0"/>
+          </a:p>
+          <a:p>
+            <a:pPr>
+              <a:buFont typeface="Arial" pitchFamily="34" charset="0"/>
+              <a:buChar char="•"/>
+            </a:pPr>
+            <a:r>
+              <a:rPr lang="fr-FR" dirty="0" smtClean="0"/>
+              <a:t>Taylorisme Toyotisme fordisme</a:t>
+            </a:r>
+          </a:p>
+          <a:p>
+            <a:r>
+              <a:rPr lang="fr-FR" dirty="0" smtClean="0"/>
+              <a:t>	http</a:t>
+            </a:r>
+            <a:r>
+              <a:rPr lang="fr-FR" dirty="0"/>
+              <a:t>://teauma.perso.sfr.fr/taylorisme_fordisme_toyotisme.html</a:t>
+            </a:r>
+          </a:p>
+        </p:txBody>
+      </p:sp>
+      <p:sp>
+        <p:nvSpPr>
+          <p:cNvPr id="5" name="Espace réservé du texte 4"/>
+          <p:cNvSpPr>
+            <a:spLocks noGrp="1"/>
+          </p:cNvSpPr>
+          <p:nvPr>
+            <p:ph type="body" sz="quarter" idx="12"/>
+            <p:custDataLst>
+              <p:tags r:id="rId4"/>
+            </p:custDataLst>
+          </p:nvPr>
+        </p:nvSpPr>
+        <p:spPr/>
+        <p:txBody>
+          <a:bodyPr/>
+          <a:lstStyle/>
+          <a:p>
+            <a:pPr marL="0" indent="0"/>
+            <a:r>
+              <a:rPr lang="fr-FR" dirty="0">
+                <a:solidFill>
+                  <a:srgbClr val="CC99FF"/>
+                </a:solidFill>
+              </a:rPr>
+              <a:t>Introduction</a:t>
+            </a:r>
+          </a:p>
+          <a:p>
+            <a:pPr>
+              <a:buFont typeface="Arial" pitchFamily="34" charset="0"/>
+              <a:buAutoNum type="arabicPeriod"/>
+            </a:pPr>
+            <a:r>
+              <a:rPr lang="fr-FR" dirty="0">
+                <a:solidFill>
+                  <a:srgbClr val="CC99FF"/>
+                </a:solidFill>
+              </a:rPr>
+              <a:t>Contexte historique</a:t>
+            </a:r>
+          </a:p>
+          <a:p>
+            <a:pPr>
+              <a:buFont typeface="Arial" pitchFamily="34" charset="0"/>
+              <a:buAutoNum type="arabicPeriod"/>
+            </a:pPr>
+            <a:r>
+              <a:rPr lang="fr-FR" dirty="0">
+                <a:solidFill>
+                  <a:srgbClr val="CC99FF"/>
+                </a:solidFill>
+              </a:rPr>
+              <a:t>Outils et méthodes</a:t>
+            </a:r>
+          </a:p>
+          <a:p>
+            <a:pPr>
+              <a:buFont typeface="Arial" pitchFamily="34" charset="0"/>
+              <a:buAutoNum type="arabicPeriod"/>
+            </a:pPr>
+            <a:r>
+              <a:rPr lang="fr-FR" dirty="0">
+                <a:solidFill>
+                  <a:srgbClr val="CC99FF"/>
+                </a:solidFill>
+              </a:rPr>
+              <a:t>Avantages et inconvénients</a:t>
+            </a:r>
+          </a:p>
+          <a:p>
+            <a:pPr marL="0" indent="0"/>
+            <a:r>
+              <a:rPr lang="fr-FR" dirty="0" smtClean="0"/>
+              <a:t>Conclusion</a:t>
+            </a:r>
+          </a:p>
+          <a:p>
+            <a:endParaRPr lang="fr-FR" dirty="0"/>
+          </a:p>
+        </p:txBody>
+      </p:sp>
+      <p:sp>
+        <p:nvSpPr>
+          <p:cNvPr id="6" name="Espace réservé du contenu 5"/>
+          <p:cNvSpPr>
+            <a:spLocks noGrp="1"/>
+          </p:cNvSpPr>
+          <p:nvPr>
+            <p:ph sz="quarter" idx="14"/>
+            <p:custDataLst>
+              <p:tags r:id="rId5"/>
+            </p:custDataLst>
+          </p:nvPr>
+        </p:nvSpPr>
+        <p:spPr/>
+        <p:txBody>
+          <a:bodyPr/>
+          <a:lstStyle/>
+          <a:p>
             <a:endParaRPr lang="fr-FR"/>
+          </a:p>
+        </p:txBody>
+      </p:sp>
+    </p:spTree>
+    <p:extLst>
+      <p:ext uri="{BB962C8B-B14F-4D97-AF65-F5344CB8AC3E}">
+        <p14:creationId xmlns:p14="http://schemas.microsoft.com/office/powerpoint/2010/main" val="2096172659"/>
+      </p:ext>
+    </p:extLst>
+  </p:cSld>
+  <p:clrMapOvr>
+    <a:masterClrMapping/>
+  </p:clrMapOvr>
+  <p:timing>
+    <p:tnLst>
+      <p:par>
+        <p:cTn id="1" dur="indefinite" restart="never" nodeType="tmRoot"/>
+      </p:par>
+    </p:tnLst>
+  </p:timing>
+</p:sld>
+</file>
+
+<file path=ppt/slides/slide19.xml><?xml version="1.0" encoding="utf-8"?>
+<p:sld xmlns:a="http://schemas.openxmlformats.org/drawingml/2006/main" xmlns:r="http://schemas.openxmlformats.org/officeDocument/2006/relationships" xmlns:p="http://schemas.openxmlformats.org/presentationml/2006/main">
+  <p:cSld>
+    <p:spTree>
+      <p:nvGrpSpPr>
+        <p:cNvPr id="1" name=""/>
+        <p:cNvGrpSpPr/>
+        <p:nvPr/>
+      </p:nvGrpSpPr>
+      <p:grpSpPr>
+        <a:xfrm>
+          <a:off x="0" y="0"/>
+          <a:ext cx="0" cy="0"/>
+          <a:chOff x="0" y="0"/>
+          <a:chExt cx="0" cy="0"/>
+        </a:xfrm>
+      </p:grpSpPr>
+      <p:sp>
+        <p:nvSpPr>
+          <p:cNvPr id="2" name="Titre 1"/>
+          <p:cNvSpPr>
+            <a:spLocks noGrp="1"/>
+          </p:cNvSpPr>
+          <p:nvPr>
+            <p:ph type="ctrTitle"/>
+            <p:custDataLst>
+              <p:tags r:id="rId1"/>
+            </p:custDataLst>
+          </p:nvPr>
+        </p:nvSpPr>
+        <p:spPr/>
+        <p:txBody>
+          <a:bodyPr/>
+          <a:lstStyle/>
+          <a:p>
+            <a:r>
+              <a:rPr lang="fr-FR" dirty="0" smtClean="0"/>
+              <a:t>Conclusion</a:t>
+            </a:r>
+            <a:endParaRPr lang="fr-FR" dirty="0"/>
+          </a:p>
+        </p:txBody>
+      </p:sp>
+      <p:sp>
+        <p:nvSpPr>
+          <p:cNvPr id="3" name="Sous-titre 2"/>
+          <p:cNvSpPr>
+            <a:spLocks noGrp="1"/>
+          </p:cNvSpPr>
+          <p:nvPr>
+            <p:ph type="subTitle" idx="1"/>
+            <p:custDataLst>
+              <p:tags r:id="rId2"/>
+            </p:custDataLst>
+          </p:nvPr>
+        </p:nvSpPr>
+        <p:spPr/>
+        <p:txBody>
+          <a:bodyPr/>
+          <a:lstStyle/>
+          <a:p>
+            <a:r>
+              <a:rPr lang="fr-FR" dirty="0" smtClean="0"/>
+              <a:t>Ouverture</a:t>
+            </a:r>
+            <a:endParaRPr lang="fr-FR" dirty="0"/>
+          </a:p>
+        </p:txBody>
+      </p:sp>
+      <p:sp>
+        <p:nvSpPr>
+          <p:cNvPr id="4" name="Espace réservé du texte 3"/>
+          <p:cNvSpPr>
+            <a:spLocks noGrp="1"/>
+          </p:cNvSpPr>
+          <p:nvPr>
+            <p:ph type="body" sz="quarter" idx="10"/>
+            <p:custDataLst>
+              <p:tags r:id="rId3"/>
+            </p:custDataLst>
+          </p:nvPr>
+        </p:nvSpPr>
+        <p:spPr/>
+        <p:txBody>
+          <a:bodyPr/>
+          <a:lstStyle/>
+          <a:p>
+            <a:r>
+              <a:rPr lang="fr-FR" dirty="0" smtClean="0"/>
+              <a:t>Post taylorisme :</a:t>
+            </a:r>
+          </a:p>
+          <a:p>
+            <a:pPr>
+              <a:buFont typeface="Arial" pitchFamily="34" charset="0"/>
+              <a:buChar char="•"/>
+            </a:pPr>
+            <a:r>
+              <a:rPr lang="fr-FR" dirty="0" smtClean="0"/>
+              <a:t>Rotation des taches</a:t>
+            </a:r>
+          </a:p>
+          <a:p>
+            <a:pPr>
+              <a:buFont typeface="Arial" pitchFamily="34" charset="0"/>
+              <a:buChar char="•"/>
+            </a:pPr>
+            <a:r>
+              <a:rPr lang="fr-FR" dirty="0" smtClean="0"/>
+              <a:t>Elargissement des tâches</a:t>
+            </a:r>
+          </a:p>
+          <a:p>
+            <a:pPr marL="0" indent="0"/>
+            <a:r>
+              <a:rPr lang="fr-FR" dirty="0" smtClean="0"/>
+              <a:t>Fordisme et la dimension «</a:t>
+            </a:r>
+            <a:r>
+              <a:rPr lang="fr-FR" smtClean="0"/>
+              <a:t> </a:t>
+            </a:r>
+            <a:r>
+              <a:rPr lang="fr-FR" smtClean="0"/>
+              <a:t>consommation</a:t>
+            </a:r>
+            <a:r>
+              <a:rPr lang="fr-FR" dirty="0" smtClean="0"/>
+              <a:t> »</a:t>
+            </a:r>
+          </a:p>
+          <a:p>
+            <a:pPr>
+              <a:buFont typeface="Arial" pitchFamily="34" charset="0"/>
+              <a:buChar char="•"/>
+            </a:pPr>
+            <a:endParaRPr lang="fr-FR" dirty="0"/>
           </a:p>
         </p:txBody>
       </p:sp>
@@ -24992,10 +23901,14 @@
           <p:cNvPicPr>
             <a:picLocks noChangeAspect="1" noChangeArrowheads="1"/>
           </p:cNvPicPr>
-          <p:nvPr/>
+          <p:nvPr>
+            <p:custDataLst>
+              <p:tags r:id="rId6"/>
+            </p:custDataLst>
+          </p:nvPr>
         </p:nvPicPr>
         <p:blipFill>
-          <a:blip r:embed="rId7">
+          <a:blip r:embed="rId8">
             <a:extLst>
               <a:ext uri="{28A0092B-C50C-407E-A947-70E740481C1C}">
                 <a14:useLocalDpi xmlns:a14="http://schemas.microsoft.com/office/drawing/2010/main" val="0"/>
@@ -25446,10 +24359,14 @@
           <p:cNvPicPr>
             <a:picLocks noChangeAspect="1" noChangeArrowheads="1"/>
           </p:cNvPicPr>
-          <p:nvPr/>
+          <p:nvPr>
+            <p:custDataLst>
+              <p:tags r:id="rId6"/>
+            </p:custDataLst>
+          </p:nvPr>
         </p:nvPicPr>
         <p:blipFill>
-          <a:blip r:embed="rId7">
+          <a:blip r:embed="rId8">
             <a:extLst>
               <a:ext uri="{28A0092B-C50C-407E-A947-70E740481C1C}">
                 <a14:useLocalDpi xmlns:a14="http://schemas.microsoft.com/office/drawing/2010/main" val="0"/>
@@ -25510,6 +24427,18 @@
 <file path=ppt/tags/tag10.xml><?xml version="1.0" encoding="utf-8"?>
 <p:tagLst xmlns:a="http://schemas.openxmlformats.org/drawingml/2006/main" xmlns:r="http://schemas.openxmlformats.org/officeDocument/2006/relationships" xmlns:p="http://schemas.openxmlformats.org/presentationml/2006/main">
   <p:tag name="NUM" val="3"/>
+</p:tagLst>
+</file>
+
+<file path=ppt/tags/tag100.xml><?xml version="1.0" encoding="utf-8"?>
+<p:tagLst xmlns:a="http://schemas.openxmlformats.org/drawingml/2006/main" xmlns:r="http://schemas.openxmlformats.org/officeDocument/2006/relationships" xmlns:p="http://schemas.openxmlformats.org/presentationml/2006/main">
+  <p:tag name="NUM" val="4"/>
+</p:tagLst>
+</file>
+
+<file path=ppt/tags/tag101.xml><?xml version="1.0" encoding="utf-8"?>
+<p:tagLst xmlns:a="http://schemas.openxmlformats.org/drawingml/2006/main" xmlns:r="http://schemas.openxmlformats.org/officeDocument/2006/relationships" xmlns:p="http://schemas.openxmlformats.org/presentationml/2006/main">
+  <p:tag name="NUM" val="5"/>
 </p:tagLst>
 </file>
 
@@ -25725,43 +24654,43 @@
 
 <file path=ppt/tags/tag43.xml><?xml version="1.0" encoding="utf-8"?>
 <p:tagLst xmlns:a="http://schemas.openxmlformats.org/drawingml/2006/main" xmlns:r="http://schemas.openxmlformats.org/officeDocument/2006/relationships" xmlns:p="http://schemas.openxmlformats.org/presentationml/2006/main">
-  <p:tag name="NUM" val="1"/>
+  <p:tag name="NUM" val="6"/>
 </p:tagLst>
 </file>
 
 <file path=ppt/tags/tag44.xml><?xml version="1.0" encoding="utf-8"?>
 <p:tagLst xmlns:a="http://schemas.openxmlformats.org/drawingml/2006/main" xmlns:r="http://schemas.openxmlformats.org/officeDocument/2006/relationships" xmlns:p="http://schemas.openxmlformats.org/presentationml/2006/main">
-  <p:tag name="NUM" val="2"/>
+  <p:tag name="NUM" val="1"/>
 </p:tagLst>
 </file>
 
 <file path=ppt/tags/tag45.xml><?xml version="1.0" encoding="utf-8"?>
 <p:tagLst xmlns:a="http://schemas.openxmlformats.org/drawingml/2006/main" xmlns:r="http://schemas.openxmlformats.org/officeDocument/2006/relationships" xmlns:p="http://schemas.openxmlformats.org/presentationml/2006/main">
-  <p:tag name="NUM" val="3"/>
+  <p:tag name="NUM" val="2"/>
 </p:tagLst>
 </file>
 
 <file path=ppt/tags/tag46.xml><?xml version="1.0" encoding="utf-8"?>
 <p:tagLst xmlns:a="http://schemas.openxmlformats.org/drawingml/2006/main" xmlns:r="http://schemas.openxmlformats.org/officeDocument/2006/relationships" xmlns:p="http://schemas.openxmlformats.org/presentationml/2006/main">
-  <p:tag name="NUM" val="4"/>
+  <p:tag name="NUM" val="3"/>
 </p:tagLst>
 </file>
 
 <file path=ppt/tags/tag47.xml><?xml version="1.0" encoding="utf-8"?>
 <p:tagLst xmlns:a="http://schemas.openxmlformats.org/drawingml/2006/main" xmlns:r="http://schemas.openxmlformats.org/officeDocument/2006/relationships" xmlns:p="http://schemas.openxmlformats.org/presentationml/2006/main">
-  <p:tag name="NUM" val="5"/>
+  <p:tag name="NUM" val="4"/>
 </p:tagLst>
 </file>
 
 <file path=ppt/tags/tag48.xml><?xml version="1.0" encoding="utf-8"?>
 <p:tagLst xmlns:a="http://schemas.openxmlformats.org/drawingml/2006/main" xmlns:r="http://schemas.openxmlformats.org/officeDocument/2006/relationships" xmlns:p="http://schemas.openxmlformats.org/presentationml/2006/main">
-  <p:tag name="NUM" val="1"/>
+  <p:tag name="NUM" val="5"/>
 </p:tagLst>
 </file>
 
 <file path=ppt/tags/tag49.xml><?xml version="1.0" encoding="utf-8"?>
 <p:tagLst xmlns:a="http://schemas.openxmlformats.org/drawingml/2006/main" xmlns:r="http://schemas.openxmlformats.org/officeDocument/2006/relationships" xmlns:p="http://schemas.openxmlformats.org/presentationml/2006/main">
-  <p:tag name="NUM" val="2"/>
+  <p:tag name="NUM" val="6"/>
 </p:tagLst>
 </file>
 
@@ -25773,61 +24702,61 @@
 
 <file path=ppt/tags/tag50.xml><?xml version="1.0" encoding="utf-8"?>
 <p:tagLst xmlns:a="http://schemas.openxmlformats.org/drawingml/2006/main" xmlns:r="http://schemas.openxmlformats.org/officeDocument/2006/relationships" xmlns:p="http://schemas.openxmlformats.org/presentationml/2006/main">
-  <p:tag name="NUM" val="3"/>
+  <p:tag name="NUM" val="1"/>
 </p:tagLst>
 </file>
 
 <file path=ppt/tags/tag51.xml><?xml version="1.0" encoding="utf-8"?>
 <p:tagLst xmlns:a="http://schemas.openxmlformats.org/drawingml/2006/main" xmlns:r="http://schemas.openxmlformats.org/officeDocument/2006/relationships" xmlns:p="http://schemas.openxmlformats.org/presentationml/2006/main">
-  <p:tag name="NUM" val="4"/>
+  <p:tag name="NUM" val="2"/>
 </p:tagLst>
 </file>
 
 <file path=ppt/tags/tag52.xml><?xml version="1.0" encoding="utf-8"?>
 <p:tagLst xmlns:a="http://schemas.openxmlformats.org/drawingml/2006/main" xmlns:r="http://schemas.openxmlformats.org/officeDocument/2006/relationships" xmlns:p="http://schemas.openxmlformats.org/presentationml/2006/main">
-  <p:tag name="NUM" val="5"/>
+  <p:tag name="NUM" val="3"/>
 </p:tagLst>
 </file>
 
 <file path=ppt/tags/tag53.xml><?xml version="1.0" encoding="utf-8"?>
 <p:tagLst xmlns:a="http://schemas.openxmlformats.org/drawingml/2006/main" xmlns:r="http://schemas.openxmlformats.org/officeDocument/2006/relationships" xmlns:p="http://schemas.openxmlformats.org/presentationml/2006/main">
-  <p:tag name="NUM" val="1"/>
+  <p:tag name="NUM" val="4"/>
 </p:tagLst>
 </file>
 
 <file path=ppt/tags/tag54.xml><?xml version="1.0" encoding="utf-8"?>
 <p:tagLst xmlns:a="http://schemas.openxmlformats.org/drawingml/2006/main" xmlns:r="http://schemas.openxmlformats.org/officeDocument/2006/relationships" xmlns:p="http://schemas.openxmlformats.org/presentationml/2006/main">
-  <p:tag name="NUM" val="2"/>
+  <p:tag name="NUM" val="5"/>
 </p:tagLst>
 </file>
 
 <file path=ppt/tags/tag55.xml><?xml version="1.0" encoding="utf-8"?>
 <p:tagLst xmlns:a="http://schemas.openxmlformats.org/drawingml/2006/main" xmlns:r="http://schemas.openxmlformats.org/officeDocument/2006/relationships" xmlns:p="http://schemas.openxmlformats.org/presentationml/2006/main">
-  <p:tag name="NUM" val="1"/>
+  <p:tag name="NUM" val="6"/>
 </p:tagLst>
 </file>
 
 <file path=ppt/tags/tag56.xml><?xml version="1.0" encoding="utf-8"?>
 <p:tagLst xmlns:a="http://schemas.openxmlformats.org/drawingml/2006/main" xmlns:r="http://schemas.openxmlformats.org/officeDocument/2006/relationships" xmlns:p="http://schemas.openxmlformats.org/presentationml/2006/main">
-  <p:tag name="NUM" val="2"/>
+  <p:tag name="NUM" val="1"/>
 </p:tagLst>
 </file>
 
 <file path=ppt/tags/tag57.xml><?xml version="1.0" encoding="utf-8"?>
 <p:tagLst xmlns:a="http://schemas.openxmlformats.org/drawingml/2006/main" xmlns:r="http://schemas.openxmlformats.org/officeDocument/2006/relationships" xmlns:p="http://schemas.openxmlformats.org/presentationml/2006/main">
-  <p:tag name="NUM" val="4"/>
+  <p:tag name="NUM" val="2"/>
 </p:tagLst>
 </file>
 
 <file path=ppt/tags/tag58.xml><?xml version="1.0" encoding="utf-8"?>
 <p:tagLst xmlns:a="http://schemas.openxmlformats.org/drawingml/2006/main" xmlns:r="http://schemas.openxmlformats.org/officeDocument/2006/relationships" xmlns:p="http://schemas.openxmlformats.org/presentationml/2006/main">
-  <p:tag name="NUM" val="1"/>
+  <p:tag name="NUM" val="3"/>
 </p:tagLst>
 </file>
 
 <file path=ppt/tags/tag59.xml><?xml version="1.0" encoding="utf-8"?>
 <p:tagLst xmlns:a="http://schemas.openxmlformats.org/drawingml/2006/main" xmlns:r="http://schemas.openxmlformats.org/officeDocument/2006/relationships" xmlns:p="http://schemas.openxmlformats.org/presentationml/2006/main">
-  <p:tag name="NUM" val="2"/>
+  <p:tag name="NUM" val="4"/>
 </p:tagLst>
 </file>
 
@@ -25839,61 +24768,61 @@
 
 <file path=ppt/tags/tag60.xml><?xml version="1.0" encoding="utf-8"?>
 <p:tagLst xmlns:a="http://schemas.openxmlformats.org/drawingml/2006/main" xmlns:r="http://schemas.openxmlformats.org/officeDocument/2006/relationships" xmlns:p="http://schemas.openxmlformats.org/presentationml/2006/main">
-  <p:tag name="NUM" val="4"/>
+  <p:tag name="NUM" val="1"/>
 </p:tagLst>
 </file>
 
 <file path=ppt/tags/tag61.xml><?xml version="1.0" encoding="utf-8"?>
 <p:tagLst xmlns:a="http://schemas.openxmlformats.org/drawingml/2006/main" xmlns:r="http://schemas.openxmlformats.org/officeDocument/2006/relationships" xmlns:p="http://schemas.openxmlformats.org/presentationml/2006/main">
-  <p:tag name="NUM" val="3"/>
+  <p:tag name="NUM" val="2"/>
 </p:tagLst>
 </file>
 
 <file path=ppt/tags/tag62.xml><?xml version="1.0" encoding="utf-8"?>
 <p:tagLst xmlns:a="http://schemas.openxmlformats.org/drawingml/2006/main" xmlns:r="http://schemas.openxmlformats.org/officeDocument/2006/relationships" xmlns:p="http://schemas.openxmlformats.org/presentationml/2006/main">
-  <p:tag name="NUM" val="1"/>
+  <p:tag name="NUM" val="3"/>
 </p:tagLst>
 </file>
 
 <file path=ppt/tags/tag63.xml><?xml version="1.0" encoding="utf-8"?>
 <p:tagLst xmlns:a="http://schemas.openxmlformats.org/drawingml/2006/main" xmlns:r="http://schemas.openxmlformats.org/officeDocument/2006/relationships" xmlns:p="http://schemas.openxmlformats.org/presentationml/2006/main">
-  <p:tag name="NUM" val="2"/>
+  <p:tag name="NUM" val="4"/>
 </p:tagLst>
 </file>
 
 <file path=ppt/tags/tag64.xml><?xml version="1.0" encoding="utf-8"?>
 <p:tagLst xmlns:a="http://schemas.openxmlformats.org/drawingml/2006/main" xmlns:r="http://schemas.openxmlformats.org/officeDocument/2006/relationships" xmlns:p="http://schemas.openxmlformats.org/presentationml/2006/main">
-  <p:tag name="NUM" val="3"/>
+  <p:tag name="NUM" val="5"/>
 </p:tagLst>
 </file>
 
 <file path=ppt/tags/tag65.xml><?xml version="1.0" encoding="utf-8"?>
 <p:tagLst xmlns:a="http://schemas.openxmlformats.org/drawingml/2006/main" xmlns:r="http://schemas.openxmlformats.org/officeDocument/2006/relationships" xmlns:p="http://schemas.openxmlformats.org/presentationml/2006/main">
-  <p:tag name="NUM" val="4"/>
+  <p:tag name="NUM" val="6"/>
 </p:tagLst>
 </file>
 
 <file path=ppt/tags/tag66.xml><?xml version="1.0" encoding="utf-8"?>
 <p:tagLst xmlns:a="http://schemas.openxmlformats.org/drawingml/2006/main" xmlns:r="http://schemas.openxmlformats.org/officeDocument/2006/relationships" xmlns:p="http://schemas.openxmlformats.org/presentationml/2006/main">
-  <p:tag name="NUM" val="5"/>
+  <p:tag name="NUM" val="1"/>
 </p:tagLst>
 </file>
 
 <file path=ppt/tags/tag67.xml><?xml version="1.0" encoding="utf-8"?>
 <p:tagLst xmlns:a="http://schemas.openxmlformats.org/drawingml/2006/main" xmlns:r="http://schemas.openxmlformats.org/officeDocument/2006/relationships" xmlns:p="http://schemas.openxmlformats.org/presentationml/2006/main">
-  <p:tag name="NUM" val="1"/>
+  <p:tag name="NUM" val="2"/>
 </p:tagLst>
 </file>
 
 <file path=ppt/tags/tag68.xml><?xml version="1.0" encoding="utf-8"?>
 <p:tagLst xmlns:a="http://schemas.openxmlformats.org/drawingml/2006/main" xmlns:r="http://schemas.openxmlformats.org/officeDocument/2006/relationships" xmlns:p="http://schemas.openxmlformats.org/presentationml/2006/main">
-  <p:tag name="NUM" val="2"/>
+  <p:tag name="NUM" val="3"/>
 </p:tagLst>
 </file>
 
 <file path=ppt/tags/tag69.xml><?xml version="1.0" encoding="utf-8"?>
 <p:tagLst xmlns:a="http://schemas.openxmlformats.org/drawingml/2006/main" xmlns:r="http://schemas.openxmlformats.org/officeDocument/2006/relationships" xmlns:p="http://schemas.openxmlformats.org/presentationml/2006/main">
-  <p:tag name="NUM" val="3"/>
+  <p:tag name="NUM" val="4"/>
 </p:tagLst>
 </file>
 
@@ -25905,61 +24834,61 @@
 
 <file path=ppt/tags/tag70.xml><?xml version="1.0" encoding="utf-8"?>
 <p:tagLst xmlns:a="http://schemas.openxmlformats.org/drawingml/2006/main" xmlns:r="http://schemas.openxmlformats.org/officeDocument/2006/relationships" xmlns:p="http://schemas.openxmlformats.org/presentationml/2006/main">
-  <p:tag name="NUM" val="4"/>
+  <p:tag name="NUM" val="5"/>
 </p:tagLst>
 </file>
 
 <file path=ppt/tags/tag71.xml><?xml version="1.0" encoding="utf-8"?>
 <p:tagLst xmlns:a="http://schemas.openxmlformats.org/drawingml/2006/main" xmlns:r="http://schemas.openxmlformats.org/officeDocument/2006/relationships" xmlns:p="http://schemas.openxmlformats.org/presentationml/2006/main">
-  <p:tag name="NUM" val="5"/>
+  <p:tag name="NUM" val="6"/>
 </p:tagLst>
 </file>
 
 <file path=ppt/tags/tag72.xml><?xml version="1.0" encoding="utf-8"?>
 <p:tagLst xmlns:a="http://schemas.openxmlformats.org/drawingml/2006/main" xmlns:r="http://schemas.openxmlformats.org/officeDocument/2006/relationships" xmlns:p="http://schemas.openxmlformats.org/presentationml/2006/main">
-  <p:tag name="NUM" val="1"/>
+  <p:tag name="NUM" val="7"/>
 </p:tagLst>
 </file>
 
 <file path=ppt/tags/tag73.xml><?xml version="1.0" encoding="utf-8"?>
 <p:tagLst xmlns:a="http://schemas.openxmlformats.org/drawingml/2006/main" xmlns:r="http://schemas.openxmlformats.org/officeDocument/2006/relationships" xmlns:p="http://schemas.openxmlformats.org/presentationml/2006/main">
-  <p:tag name="NUM" val="2"/>
+  <p:tag name="NUM" val="1"/>
 </p:tagLst>
 </file>
 
 <file path=ppt/tags/tag74.xml><?xml version="1.0" encoding="utf-8"?>
 <p:tagLst xmlns:a="http://schemas.openxmlformats.org/drawingml/2006/main" xmlns:r="http://schemas.openxmlformats.org/officeDocument/2006/relationships" xmlns:p="http://schemas.openxmlformats.org/presentationml/2006/main">
-  <p:tag name="NUM" val="3"/>
+  <p:tag name="NUM" val="2"/>
 </p:tagLst>
 </file>
 
 <file path=ppt/tags/tag75.xml><?xml version="1.0" encoding="utf-8"?>
 <p:tagLst xmlns:a="http://schemas.openxmlformats.org/drawingml/2006/main" xmlns:r="http://schemas.openxmlformats.org/officeDocument/2006/relationships" xmlns:p="http://schemas.openxmlformats.org/presentationml/2006/main">
-  <p:tag name="NUM" val="4"/>
+  <p:tag name="NUM" val="3"/>
 </p:tagLst>
 </file>
 
 <file path=ppt/tags/tag76.xml><?xml version="1.0" encoding="utf-8"?>
 <p:tagLst xmlns:a="http://schemas.openxmlformats.org/drawingml/2006/main" xmlns:r="http://schemas.openxmlformats.org/officeDocument/2006/relationships" xmlns:p="http://schemas.openxmlformats.org/presentationml/2006/main">
-  <p:tag name="NUM" val="5"/>
+  <p:tag name="NUM" val="4"/>
 </p:tagLst>
 </file>
 
 <file path=ppt/tags/tag77.xml><?xml version="1.0" encoding="utf-8"?>
 <p:tagLst xmlns:a="http://schemas.openxmlformats.org/drawingml/2006/main" xmlns:r="http://schemas.openxmlformats.org/officeDocument/2006/relationships" xmlns:p="http://schemas.openxmlformats.org/presentationml/2006/main">
-  <p:tag name="NUM" val="1"/>
+  <p:tag name="NUM" val="5"/>
 </p:tagLst>
 </file>
 
 <file path=ppt/tags/tag78.xml><?xml version="1.0" encoding="utf-8"?>
 <p:tagLst xmlns:a="http://schemas.openxmlformats.org/drawingml/2006/main" xmlns:r="http://schemas.openxmlformats.org/officeDocument/2006/relationships" xmlns:p="http://schemas.openxmlformats.org/presentationml/2006/main">
-  <p:tag name="NUM" val="2"/>
+  <p:tag name="NUM" val="1"/>
 </p:tagLst>
 </file>
 
 <file path=ppt/tags/tag79.xml><?xml version="1.0" encoding="utf-8"?>
 <p:tagLst xmlns:a="http://schemas.openxmlformats.org/drawingml/2006/main" xmlns:r="http://schemas.openxmlformats.org/officeDocument/2006/relationships" xmlns:p="http://schemas.openxmlformats.org/presentationml/2006/main">
-  <p:tag name="NUM" val="3"/>
+  <p:tag name="NUM" val="2"/>
 </p:tagLst>
 </file>
 
@@ -25971,31 +24900,31 @@
 
 <file path=ppt/tags/tag80.xml><?xml version="1.0" encoding="utf-8"?>
 <p:tagLst xmlns:a="http://schemas.openxmlformats.org/drawingml/2006/main" xmlns:r="http://schemas.openxmlformats.org/officeDocument/2006/relationships" xmlns:p="http://schemas.openxmlformats.org/presentationml/2006/main">
-  <p:tag name="NUM" val="4"/>
+  <p:tag name="NUM" val="3"/>
 </p:tagLst>
 </file>
 
 <file path=ppt/tags/tag81.xml><?xml version="1.0" encoding="utf-8"?>
 <p:tagLst xmlns:a="http://schemas.openxmlformats.org/drawingml/2006/main" xmlns:r="http://schemas.openxmlformats.org/officeDocument/2006/relationships" xmlns:p="http://schemas.openxmlformats.org/presentationml/2006/main">
-  <p:tag name="NUM" val="5"/>
+  <p:tag name="NUM" val="4"/>
 </p:tagLst>
 </file>
 
 <file path=ppt/tags/tag82.xml><?xml version="1.0" encoding="utf-8"?>
 <p:tagLst xmlns:a="http://schemas.openxmlformats.org/drawingml/2006/main" xmlns:r="http://schemas.openxmlformats.org/officeDocument/2006/relationships" xmlns:p="http://schemas.openxmlformats.org/presentationml/2006/main">
-  <p:tag name="NUM" val="1"/>
+  <p:tag name="NUM" val="5"/>
 </p:tagLst>
 </file>
 
 <file path=ppt/tags/tag83.xml><?xml version="1.0" encoding="utf-8"?>
 <p:tagLst xmlns:a="http://schemas.openxmlformats.org/drawingml/2006/main" xmlns:r="http://schemas.openxmlformats.org/officeDocument/2006/relationships" xmlns:p="http://schemas.openxmlformats.org/presentationml/2006/main">
-  <p:tag name="NUM" val="2"/>
+  <p:tag name="NUM" val="1"/>
 </p:tagLst>
 </file>
 
 <file path=ppt/tags/tag84.xml><?xml version="1.0" encoding="utf-8"?>
 <p:tagLst xmlns:a="http://schemas.openxmlformats.org/drawingml/2006/main" xmlns:r="http://schemas.openxmlformats.org/officeDocument/2006/relationships" xmlns:p="http://schemas.openxmlformats.org/presentationml/2006/main">
-  <p:tag name="NUM" val="3"/>
+  <p:tag name="NUM" val="2"/>
 </p:tagLst>
 </file>
 
@@ -26011,9 +24940,87 @@
 </p:tagLst>
 </file>
 
+<file path=ppt/tags/tag87.xml><?xml version="1.0" encoding="utf-8"?>
+<p:tagLst xmlns:a="http://schemas.openxmlformats.org/drawingml/2006/main" xmlns:r="http://schemas.openxmlformats.org/officeDocument/2006/relationships" xmlns:p="http://schemas.openxmlformats.org/presentationml/2006/main">
+  <p:tag name="NUM" val="1"/>
+</p:tagLst>
+</file>
+
+<file path=ppt/tags/tag88.xml><?xml version="1.0" encoding="utf-8"?>
+<p:tagLst xmlns:a="http://schemas.openxmlformats.org/drawingml/2006/main" xmlns:r="http://schemas.openxmlformats.org/officeDocument/2006/relationships" xmlns:p="http://schemas.openxmlformats.org/presentationml/2006/main">
+  <p:tag name="NUM" val="2"/>
+</p:tagLst>
+</file>
+
+<file path=ppt/tags/tag89.xml><?xml version="1.0" encoding="utf-8"?>
+<p:tagLst xmlns:a="http://schemas.openxmlformats.org/drawingml/2006/main" xmlns:r="http://schemas.openxmlformats.org/officeDocument/2006/relationships" xmlns:p="http://schemas.openxmlformats.org/presentationml/2006/main">
+  <p:tag name="NUM" val="3"/>
+</p:tagLst>
+</file>
+
 <file path=ppt/tags/tag9.xml><?xml version="1.0" encoding="utf-8"?>
 <p:tagLst xmlns:a="http://schemas.openxmlformats.org/drawingml/2006/main" xmlns:r="http://schemas.openxmlformats.org/officeDocument/2006/relationships" xmlns:p="http://schemas.openxmlformats.org/presentationml/2006/main">
   <p:tag name="NUM" val="2"/>
+</p:tagLst>
+</file>
+
+<file path=ppt/tags/tag90.xml><?xml version="1.0" encoding="utf-8"?>
+<p:tagLst xmlns:a="http://schemas.openxmlformats.org/drawingml/2006/main" xmlns:r="http://schemas.openxmlformats.org/officeDocument/2006/relationships" xmlns:p="http://schemas.openxmlformats.org/presentationml/2006/main">
+  <p:tag name="NUM" val="4"/>
+</p:tagLst>
+</file>
+
+<file path=ppt/tags/tag91.xml><?xml version="1.0" encoding="utf-8"?>
+<p:tagLst xmlns:a="http://schemas.openxmlformats.org/drawingml/2006/main" xmlns:r="http://schemas.openxmlformats.org/officeDocument/2006/relationships" xmlns:p="http://schemas.openxmlformats.org/presentationml/2006/main">
+  <p:tag name="NUM" val="5"/>
+</p:tagLst>
+</file>
+
+<file path=ppt/tags/tag92.xml><?xml version="1.0" encoding="utf-8"?>
+<p:tagLst xmlns:a="http://schemas.openxmlformats.org/drawingml/2006/main" xmlns:r="http://schemas.openxmlformats.org/officeDocument/2006/relationships" xmlns:p="http://schemas.openxmlformats.org/presentationml/2006/main">
+  <p:tag name="NUM" val="1"/>
+</p:tagLst>
+</file>
+
+<file path=ppt/tags/tag93.xml><?xml version="1.0" encoding="utf-8"?>
+<p:tagLst xmlns:a="http://schemas.openxmlformats.org/drawingml/2006/main" xmlns:r="http://schemas.openxmlformats.org/officeDocument/2006/relationships" xmlns:p="http://schemas.openxmlformats.org/presentationml/2006/main">
+  <p:tag name="NUM" val="2"/>
+</p:tagLst>
+</file>
+
+<file path=ppt/tags/tag94.xml><?xml version="1.0" encoding="utf-8"?>
+<p:tagLst xmlns:a="http://schemas.openxmlformats.org/drawingml/2006/main" xmlns:r="http://schemas.openxmlformats.org/officeDocument/2006/relationships" xmlns:p="http://schemas.openxmlformats.org/presentationml/2006/main">
+  <p:tag name="NUM" val="3"/>
+</p:tagLst>
+</file>
+
+<file path=ppt/tags/tag95.xml><?xml version="1.0" encoding="utf-8"?>
+<p:tagLst xmlns:a="http://schemas.openxmlformats.org/drawingml/2006/main" xmlns:r="http://schemas.openxmlformats.org/officeDocument/2006/relationships" xmlns:p="http://schemas.openxmlformats.org/presentationml/2006/main">
+  <p:tag name="NUM" val="4"/>
+</p:tagLst>
+</file>
+
+<file path=ppt/tags/tag96.xml><?xml version="1.0" encoding="utf-8"?>
+<p:tagLst xmlns:a="http://schemas.openxmlformats.org/drawingml/2006/main" xmlns:r="http://schemas.openxmlformats.org/officeDocument/2006/relationships" xmlns:p="http://schemas.openxmlformats.org/presentationml/2006/main">
+  <p:tag name="NUM" val="5"/>
+</p:tagLst>
+</file>
+
+<file path=ppt/tags/tag97.xml><?xml version="1.0" encoding="utf-8"?>
+<p:tagLst xmlns:a="http://schemas.openxmlformats.org/drawingml/2006/main" xmlns:r="http://schemas.openxmlformats.org/officeDocument/2006/relationships" xmlns:p="http://schemas.openxmlformats.org/presentationml/2006/main">
+  <p:tag name="NUM" val="1"/>
+</p:tagLst>
+</file>
+
+<file path=ppt/tags/tag98.xml><?xml version="1.0" encoding="utf-8"?>
+<p:tagLst xmlns:a="http://schemas.openxmlformats.org/drawingml/2006/main" xmlns:r="http://schemas.openxmlformats.org/officeDocument/2006/relationships" xmlns:p="http://schemas.openxmlformats.org/presentationml/2006/main">
+  <p:tag name="NUM" val="2"/>
+</p:tagLst>
+</file>
+
+<file path=ppt/tags/tag99.xml><?xml version="1.0" encoding="utf-8"?>
+<p:tagLst xmlns:a="http://schemas.openxmlformats.org/drawingml/2006/main" xmlns:r="http://schemas.openxmlformats.org/officeDocument/2006/relationships" xmlns:p="http://schemas.openxmlformats.org/presentationml/2006/main">
+  <p:tag name="NUM" val="3"/>
 </p:tagLst>
 </file>
 
